--- a/doc/Software Product Line Presentation.pptx
+++ b/doc/Software Product Line Presentation.pptx
@@ -31,40 +31,40 @@
     <p:sldId id="318" r:id="rId19"/>
     <p:sldId id="319" r:id="rId20"/>
     <p:sldId id="275" r:id="rId21"/>
-    <p:sldId id="300" r:id="rId22"/>
-    <p:sldId id="301" r:id="rId23"/>
-    <p:sldId id="302" r:id="rId24"/>
-    <p:sldId id="322" r:id="rId25"/>
-    <p:sldId id="325" r:id="rId26"/>
-    <p:sldId id="306" r:id="rId27"/>
-    <p:sldId id="340" r:id="rId28"/>
-    <p:sldId id="303" r:id="rId29"/>
-    <p:sldId id="321" r:id="rId30"/>
-    <p:sldId id="320" r:id="rId31"/>
-    <p:sldId id="308" r:id="rId32"/>
-    <p:sldId id="323" r:id="rId33"/>
-    <p:sldId id="324" r:id="rId34"/>
-    <p:sldId id="328" r:id="rId35"/>
-    <p:sldId id="329" r:id="rId36"/>
-    <p:sldId id="330" r:id="rId37"/>
-    <p:sldId id="341" r:id="rId38"/>
-    <p:sldId id="331" r:id="rId39"/>
-    <p:sldId id="342" r:id="rId40"/>
-    <p:sldId id="334" r:id="rId41"/>
-    <p:sldId id="335" r:id="rId42"/>
-    <p:sldId id="339" r:id="rId43"/>
-    <p:sldId id="286" r:id="rId44"/>
-    <p:sldId id="311" r:id="rId45"/>
-    <p:sldId id="312" r:id="rId46"/>
-    <p:sldId id="336" r:id="rId47"/>
-    <p:sldId id="337" r:id="rId48"/>
-    <p:sldId id="288" r:id="rId49"/>
-    <p:sldId id="280" r:id="rId50"/>
-    <p:sldId id="299" r:id="rId51"/>
-    <p:sldId id="296" r:id="rId52"/>
-    <p:sldId id="297" r:id="rId53"/>
-    <p:sldId id="289" r:id="rId54"/>
-    <p:sldId id="305" r:id="rId55"/>
+    <p:sldId id="302" r:id="rId22"/>
+    <p:sldId id="322" r:id="rId23"/>
+    <p:sldId id="325" r:id="rId24"/>
+    <p:sldId id="340" r:id="rId25"/>
+    <p:sldId id="303" r:id="rId26"/>
+    <p:sldId id="321" r:id="rId27"/>
+    <p:sldId id="320" r:id="rId28"/>
+    <p:sldId id="308" r:id="rId29"/>
+    <p:sldId id="323" r:id="rId30"/>
+    <p:sldId id="344" r:id="rId31"/>
+    <p:sldId id="345" r:id="rId32"/>
+    <p:sldId id="328" r:id="rId33"/>
+    <p:sldId id="329" r:id="rId34"/>
+    <p:sldId id="349" r:id="rId35"/>
+    <p:sldId id="330" r:id="rId36"/>
+    <p:sldId id="341" r:id="rId37"/>
+    <p:sldId id="331" r:id="rId38"/>
+    <p:sldId id="346" r:id="rId39"/>
+    <p:sldId id="343" r:id="rId40"/>
+    <p:sldId id="348" r:id="rId41"/>
+    <p:sldId id="347" r:id="rId42"/>
+    <p:sldId id="334" r:id="rId43"/>
+    <p:sldId id="335" r:id="rId44"/>
+    <p:sldId id="339" r:id="rId45"/>
+    <p:sldId id="286" r:id="rId46"/>
+    <p:sldId id="311" r:id="rId47"/>
+    <p:sldId id="312" r:id="rId48"/>
+    <p:sldId id="336" r:id="rId49"/>
+    <p:sldId id="337" r:id="rId50"/>
+    <p:sldId id="288" r:id="rId51"/>
+    <p:sldId id="305" r:id="rId52"/>
+    <p:sldId id="289" r:id="rId53"/>
+    <p:sldId id="280" r:id="rId54"/>
+    <p:sldId id="299" r:id="rId55"/>
     <p:sldId id="270" r:id="rId56"/>
   </p:sldIdLst>
   <p:sldSz cx="9144000" cy="6858000" type="screen4x3"/>
@@ -249,7 +249,7 @@
           <a:p>
             <a:fld id="{43034EFD-F5A5-49FE-91AD-5CC8C5A53359}" type="datetimeFigureOut">
               <a:rPr lang="es-ES" smtClean="0"/>
-              <a:t>12/09/2012</a:t>
+              <a:t>13/09/2012</a:t>
             </a:fld>
             <a:endParaRPr lang="es-ES"/>
           </a:p>
@@ -415,7 +415,7 @@
           <a:p>
             <a:fld id="{8F178A30-B6F9-4052-A1CB-A670E2B1AFBF}" type="datetimeFigureOut">
               <a:rPr lang="es-ES" smtClean="0"/>
-              <a:t>12/09/2012</a:t>
+              <a:t>13/09/2012</a:t>
             </a:fld>
             <a:endParaRPr lang="es-ES"/>
           </a:p>
@@ -1224,7 +1224,7 @@
           <a:p>
             <a:fld id="{65F0F686-54DA-4586-B94C-03E6941FF12F}" type="datetime1">
               <a:rPr lang="en-US" smtClean="0"/>
-              <a:t>9/12/2012</a:t>
+              <a:t>9/13/2012</a:t>
             </a:fld>
             <a:endParaRPr lang="en-US"/>
           </a:p>
@@ -1433,7 +1433,7 @@
         </p:nvSpPr>
         <p:spPr>
           <a:xfrm>
-            <a:off x="4343400" y="2199450"/>
+            <a:off x="8382000" y="5927919"/>
             <a:ext cx="457200" cy="441325"/>
           </a:xfrm>
         </p:spPr>
@@ -1501,6 +1501,13 @@
   <p:clrMapOvr>
     <a:overrideClrMapping bg1="lt1" tx1="dk1" bg2="lt2" tx2="dk2" accent1="accent1" accent2="accent2" accent3="accent3" accent4="accent4" accent5="accent5" accent6="accent6" hlink="hlink" folHlink="folHlink"/>
   </p:clrMapOvr>
+  <p:timing>
+    <p:tnLst>
+      <p:par>
+        <p:cTn id="1" dur="indefinite" restart="never" nodeType="tmRoot"/>
+      </p:par>
+    </p:tnLst>
+  </p:timing>
 </p:sldLayout>
 </file>
 
@@ -1618,7 +1625,7 @@
           <a:p>
             <a:fld id="{D9C3CC37-50CE-4891-94CD-F74FA3564FC7}" type="datetime1">
               <a:rPr lang="en-US" smtClean="0"/>
-              <a:t>9/12/2012</a:t>
+              <a:t>9/13/2012</a:t>
             </a:fld>
             <a:endParaRPr lang="en-US"/>
           </a:p>
@@ -2152,7 +2159,7 @@
           <a:p>
             <a:fld id="{A6424A72-5B38-4E8A-A86B-CAD401F13480}" type="datetime1">
               <a:rPr lang="en-US" smtClean="0"/>
-              <a:t>9/12/2012</a:t>
+              <a:t>9/13/2012</a:t>
             </a:fld>
             <a:endParaRPr lang="en-US"/>
           </a:p>
@@ -2285,7 +2292,7 @@
           <a:p>
             <a:fld id="{9905D9D4-A536-4CAC-A8E3-9FEFF9747B38}" type="datetime1">
               <a:rPr lang="en-US" smtClean="0"/>
-              <a:t>9/12/2012</a:t>
+              <a:t>9/13/2012</a:t>
             </a:fld>
             <a:endParaRPr lang="en-US"/>
           </a:p>
@@ -2836,7 +2843,7 @@
           <a:p>
             <a:fld id="{100C8329-1915-4A84-833C-DAAF88AF7654}" type="datetime1">
               <a:rPr lang="en-US" smtClean="0"/>
-              <a:t>9/12/2012</a:t>
+              <a:t>9/13/2012</a:t>
             </a:fld>
             <a:endParaRPr lang="en-US" dirty="0"/>
           </a:p>
@@ -3139,7 +3146,7 @@
           <a:p>
             <a:fld id="{72EA884B-C014-4BFE-ABFF-08B4945C1C84}" type="datetime1">
               <a:rPr lang="en-US" smtClean="0"/>
-              <a:t>9/12/2012</a:t>
+              <a:t>9/13/2012</a:t>
             </a:fld>
             <a:endParaRPr lang="en-US"/>
           </a:p>
@@ -3799,7 +3806,7 @@
           <a:p>
             <a:fld id="{7B164DBD-A9C1-40F0-9716-744C49FF548F}" type="datetime1">
               <a:rPr lang="en-US" smtClean="0"/>
-              <a:t>9/12/2012</a:t>
+              <a:t>9/13/2012</a:t>
             </a:fld>
             <a:endParaRPr lang="en-US"/>
           </a:p>
@@ -4236,7 +4243,7 @@
           <a:p>
             <a:fld id="{46A0AAA2-67D4-4D32-8D84-416A889E1048}" type="datetime1">
               <a:rPr lang="en-US" smtClean="0"/>
-              <a:t>9/12/2012</a:t>
+              <a:t>9/13/2012</a:t>
             </a:fld>
             <a:endParaRPr lang="en-US"/>
           </a:p>
@@ -4550,7 +4557,7 @@
           <a:p>
             <a:fld id="{CEBC65CC-D7D3-4560-B4B6-04123834D562}" type="datetime1">
               <a:rPr lang="en-US" smtClean="0"/>
-              <a:t>9/12/2012</a:t>
+              <a:t>9/13/2012</a:t>
             </a:fld>
             <a:endParaRPr lang="en-US"/>
           </a:p>
@@ -5284,7 +5291,7 @@
           <a:p>
             <a:fld id="{0815D94E-4DA5-4D88-A46C-E22B5678AD06}" type="datetime1">
               <a:rPr lang="en-US" smtClean="0"/>
-              <a:t>9/12/2012</a:t>
+              <a:t>9/13/2012</a:t>
             </a:fld>
             <a:endParaRPr lang="en-US"/>
           </a:p>
@@ -5949,7 +5956,7 @@
           <a:p>
             <a:fld id="{0D4D804E-B5C4-4320-A0F8-26C212DDC8A3}" type="datetime1">
               <a:rPr lang="en-US" smtClean="0"/>
-              <a:t>9/12/2012</a:t>
+              <a:t>9/13/2012</a:t>
             </a:fld>
             <a:endParaRPr lang="en-US"/>
           </a:p>
@@ -6222,7 +6229,7 @@
           <a:p>
             <a:fld id="{9EF1B281-029C-49F2-BDC4-E5F78A0D6BEC}" type="datetime1">
               <a:rPr lang="en-US" smtClean="0"/>
-              <a:t>9/12/2012</a:t>
+              <a:t>9/13/2012</a:t>
             </a:fld>
             <a:endParaRPr lang="en-US"/>
           </a:p>
@@ -7059,7 +7066,7 @@
               <a:pPr/>
               <a:t>1</a:t>
             </a:fld>
-            <a:endParaRPr lang="en-US"/>
+            <a:endParaRPr lang="en-US" dirty="0"/>
           </a:p>
         </p:txBody>
       </p:sp>
@@ -7769,7 +7776,7 @@
                   </a:schemeClr>
                 </a:solidFill>
               </a:rPr>
-              <a:t>Conclusiones</a:t>
+              <a:t>Demostración</a:t>
             </a:r>
             <a:endParaRPr lang="en-US" sz="2400" cap="none" dirty="0" smtClean="0">
               <a:solidFill>
@@ -7795,7 +7802,7 @@
                   </a:schemeClr>
                 </a:solidFill>
               </a:rPr>
-              <a:t>Demostración</a:t>
+              <a:t>Conclusiones</a:t>
             </a:r>
             <a:endParaRPr lang="en-US" sz="2400" cap="none" dirty="0" smtClean="0">
               <a:solidFill>
@@ -9230,7 +9237,7 @@
             </a:pPr>
             <a:r>
               <a:rPr lang="en-US" sz="2400" cap="none" dirty="0" err="1" smtClean="0"/>
-              <a:t>Conclusiones</a:t>
+              <a:t>Demostración</a:t>
             </a:r>
             <a:endParaRPr lang="en-US" sz="2400" cap="none" dirty="0" smtClean="0"/>
           </a:p>
@@ -9244,7 +9251,7 @@
             </a:pPr>
             <a:r>
               <a:rPr lang="en-US" sz="2400" cap="none" dirty="0" err="1" smtClean="0"/>
-              <a:t>Demostración</a:t>
+              <a:t>Conclusiones</a:t>
             </a:r>
             <a:endParaRPr lang="en-US" sz="2400" cap="none" dirty="0" smtClean="0"/>
           </a:p>
@@ -11969,7 +11976,7 @@
           <a:p>
             <a:r>
               <a:rPr lang="es-ES" dirty="0" smtClean="0"/>
-              <a:t>Modelo básico de una LPS</a:t>
+              <a:t>Proceso evolutivo</a:t>
             </a:r>
             <a:endParaRPr lang="es-ES" dirty="0"/>
           </a:p>
@@ -11985,49 +11992,70 @@
             <p:ph sz="quarter" idx="1"/>
           </p:nvPr>
         </p:nvSpPr>
-        <p:spPr/>
-        <p:txBody>
-          <a:bodyPr/>
-          <a:lstStyle/>
-          <a:p>
+        <p:spPr>
+          <a:xfrm>
+            <a:off x="301752" y="1527048"/>
+            <a:ext cx="8503920" cy="5102352"/>
+          </a:xfrm>
+        </p:spPr>
+        <p:txBody>
+          <a:bodyPr>
+            <a:normAutofit/>
+          </a:bodyPr>
+          <a:lstStyle/>
+          <a:p>
+            <a:pPr>
+              <a:spcAft>
+                <a:spcPts val="600"/>
+              </a:spcAft>
+            </a:pPr>
             <a:r>
               <a:rPr lang="es-ES" dirty="0" smtClean="0"/>
-              <a:t>Activos software</a:t>
+              <a:t>Elimina la distinción tradicional entre el desarrollo del software y su mantenimiento</a:t>
+            </a:r>
+          </a:p>
+          <a:p>
+            <a:pPr>
+              <a:spcAft>
+                <a:spcPts val="600"/>
+              </a:spcAft>
+            </a:pPr>
+            <a:r>
+              <a:rPr lang="es-ES" dirty="0" smtClean="0"/>
+              <a:t>Los sistemas evolucionan a lo largo de varias iteraciones</a:t>
+            </a:r>
+          </a:p>
+          <a:p>
+            <a:pPr marL="0" indent="0">
+              <a:buNone/>
+            </a:pPr>
+            <a:endParaRPr lang="es-ES" sz="1400" dirty="0" smtClean="0"/>
+          </a:p>
+          <a:p>
+            <a:pPr marL="0" indent="0">
+              <a:buNone/>
+            </a:pPr>
+            <a:endParaRPr lang="es-ES" sz="1400" dirty="0"/>
+          </a:p>
+          <a:p>
+            <a:r>
+              <a:rPr lang="es-ES" dirty="0" smtClean="0"/>
+              <a:t>El modelo de proceso evolutivo se divide en:</a:t>
             </a:r>
           </a:p>
           <a:p>
             <a:pPr lvl="1"/>
             <a:r>
               <a:rPr lang="es-ES" dirty="0" smtClean="0"/>
-              <a:t>Colección de partes software ( requisitos, diseños, componentes, casos de prueba…) que se configuran y componen para producir los productos de la línea</a:t>
+              <a:t>Ingeniería de dominio</a:t>
             </a:r>
           </a:p>
           <a:p>
             <a:pPr lvl="1"/>
-            <a:endParaRPr lang="es-ES" dirty="0" smtClean="0"/>
-          </a:p>
-          <a:p>
             <a:r>
               <a:rPr lang="es-ES" dirty="0" smtClean="0"/>
-              <a:t>Decisiones de producto</a:t>
-            </a:r>
-          </a:p>
-          <a:p>
-            <a:pPr lvl="1"/>
-            <a:r>
-              <a:rPr lang="es-ES" dirty="0" smtClean="0"/>
-              <a:t>Modelos que describen los aspectos variables y opcionales</a:t>
-            </a:r>
-          </a:p>
-          <a:p>
-            <a:pPr lvl="1"/>
-            <a:r>
-              <a:rPr lang="es-ES" dirty="0" smtClean="0"/>
-              <a:t>Cada producto se define por un conjunto de decisiones</a:t>
-            </a:r>
-          </a:p>
-          <a:p>
-            <a:endParaRPr lang="es-ES" dirty="0"/>
+              <a:t>Ingeniería de producto</a:t>
+            </a:r>
           </a:p>
         </p:txBody>
       </p:sp>
@@ -12058,7 +12086,7 @@
     </p:spTree>
     <p:extLst>
       <p:ext uri="{BB962C8B-B14F-4D97-AF65-F5344CB8AC3E}">
-        <p14:creationId xmlns:p14="http://schemas.microsoft.com/office/powerpoint/2010/main" val="1860303405"/>
+        <p14:creationId xmlns:p14="http://schemas.microsoft.com/office/powerpoint/2010/main" val="692310177"/>
       </p:ext>
     </p:extLst>
   </p:cSld>
@@ -12109,7 +12137,7 @@
           <a:p>
             <a:r>
               <a:rPr lang="es-ES" dirty="0" smtClean="0"/>
-              <a:t>Modelo básico de una LPS</a:t>
+              <a:t>Ingeniería de Dominio</a:t>
             </a:r>
             <a:endParaRPr lang="es-ES" dirty="0"/>
           </a:p>
@@ -12125,63 +12153,78 @@
             <p:ph sz="quarter" idx="1"/>
           </p:nvPr>
         </p:nvSpPr>
-        <p:spPr/>
-        <p:txBody>
-          <a:bodyPr/>
+        <p:spPr>
+          <a:xfrm>
+            <a:off x="301752" y="1527048"/>
+            <a:ext cx="8503920" cy="5178552"/>
+          </a:xfrm>
+        </p:spPr>
+        <p:txBody>
+          <a:bodyPr>
+            <a:normAutofit fontScale="92500" lnSpcReduction="10000"/>
+          </a:bodyPr>
           <a:lstStyle/>
           <a:p>
             <a:r>
               <a:rPr lang="es-ES" dirty="0" smtClean="0"/>
-              <a:t>Proceso de producción</a:t>
+              <a:t>La Ingeniería de Dominio captura la información y representa el conocimiento sobre un dominio</a:t>
             </a:r>
           </a:p>
           <a:p>
             <a:pPr lvl="1"/>
             <a:r>
               <a:rPr lang="es-ES" dirty="0" smtClean="0"/>
-              <a:t>Establece los mecanismo o pasos para componer o configurar productos a partir de los activos de entrada</a:t>
+              <a:t>Crea activos software reutilizables para  el desarrollo de cualquier nuevo producto de la LPS</a:t>
+            </a:r>
+          </a:p>
+          <a:p>
+            <a:endParaRPr lang="es-ES" sz="1700" dirty="0"/>
+          </a:p>
+          <a:p>
+            <a:r>
+              <a:rPr lang="es-ES" dirty="0" smtClean="0"/>
+              <a:t>Análisis de características:</a:t>
             </a:r>
           </a:p>
           <a:p>
             <a:pPr lvl="1"/>
             <a:r>
               <a:rPr lang="es-ES" dirty="0" smtClean="0"/>
-              <a:t>Las decisiones de producto se usan para determina que activos de entrada utilizar y como configurar los puntos de variación</a:t>
+              <a:t>Analiza la línea para determinar los requisitos que son comunes, opcionales o diferentes a todos sus miembros</a:t>
+            </a:r>
+          </a:p>
+          <a:p>
+            <a:r>
+              <a:rPr lang="es-ES" dirty="0" smtClean="0"/>
+              <a:t>Diseño de la Arquitectura LPS:</a:t>
             </a:r>
           </a:p>
           <a:p>
             <a:pPr lvl="1"/>
-            <a:endParaRPr lang="es-ES" dirty="0"/>
-          </a:p>
-          <a:p>
             <a:r>
               <a:rPr lang="es-ES" dirty="0" smtClean="0"/>
-              <a:t>Productos software</a:t>
+              <a:t>Produce una arquitectura de dominio la cual tiene:</a:t>
+            </a:r>
+          </a:p>
+          <a:p>
+            <a:pPr lvl="2"/>
+            <a:r>
+              <a:rPr lang="es-ES" dirty="0" smtClean="0"/>
+              <a:t>Componentes comunes , opcionales  y variables</a:t>
+            </a:r>
+          </a:p>
+          <a:p>
+            <a:r>
+              <a:rPr lang="es-ES" dirty="0" smtClean="0"/>
+              <a:t>Implementación del Dominio</a:t>
             </a:r>
           </a:p>
           <a:p>
             <a:pPr lvl="1"/>
             <a:r>
               <a:rPr lang="es-ES" dirty="0" smtClean="0"/>
-              <a:t>Conjunto de todos los productos </a:t>
-            </a:r>
-            <a:r>
-              <a:rPr lang="es-ES" smtClean="0"/>
-              <a:t>que pueden ser </a:t>
-            </a:r>
-            <a:r>
-              <a:rPr lang="es-ES" dirty="0" smtClean="0"/>
-              <a:t>o son producidos </a:t>
-            </a:r>
-            <a:r>
-              <a:rPr lang="es-ES" smtClean="0"/>
-              <a:t>por la </a:t>
-            </a:r>
-            <a:r>
-              <a:rPr lang="es-ES" dirty="0" smtClean="0"/>
-              <a:t>línea de productos</a:t>
-            </a:r>
-            <a:endParaRPr lang="es-ES" dirty="0"/>
+              <a:t>Consiste en la creación y almacenamiento de los activos de software que se emplearán para producir los productos</a:t>
+            </a:r>
           </a:p>
         </p:txBody>
       </p:sp>
@@ -12212,7 +12255,7 @@
     </p:spTree>
     <p:extLst>
       <p:ext uri="{BB962C8B-B14F-4D97-AF65-F5344CB8AC3E}">
-        <p14:creationId xmlns:p14="http://schemas.microsoft.com/office/powerpoint/2010/main" val="3081881928"/>
+        <p14:creationId xmlns:p14="http://schemas.microsoft.com/office/powerpoint/2010/main" val="1797815839"/>
       </p:ext>
     </p:extLst>
   </p:cSld>
@@ -12263,7 +12306,7 @@
           <a:p>
             <a:r>
               <a:rPr lang="es-ES" dirty="0" smtClean="0"/>
-              <a:t>Proceso evolutivo</a:t>
+              <a:t>Ingeniería de Producto</a:t>
             </a:r>
             <a:endParaRPr lang="es-ES" dirty="0"/>
           </a:p>
@@ -12282,7 +12325,7 @@
         <p:spPr>
           <a:xfrm>
             <a:off x="301752" y="1527048"/>
-            <a:ext cx="8503920" cy="5102352"/>
+            <a:ext cx="8503920" cy="4873752"/>
           </a:xfrm>
         </p:spPr>
         <p:txBody>
@@ -12291,58 +12334,44 @@
           </a:bodyPr>
           <a:lstStyle/>
           <a:p>
-            <a:pPr>
-              <a:spcAft>
-                <a:spcPts val="600"/>
-              </a:spcAft>
-            </a:pPr>
             <a:r>
               <a:rPr lang="es-ES" dirty="0" smtClean="0"/>
-              <a:t>Elimina la distinción tradicional entre el desarrollo del software y su mantenimiento</a:t>
-            </a:r>
-          </a:p>
-          <a:p>
-            <a:pPr>
-              <a:spcAft>
-                <a:spcPts val="600"/>
-              </a:spcAft>
-            </a:pPr>
+              <a:t>La Ingeniería de Producto se encarga del desarrollo de los productos de la LPS a través de:</a:t>
+            </a:r>
+          </a:p>
+          <a:p>
+            <a:pPr lvl="1"/>
             <a:r>
               <a:rPr lang="es-ES" dirty="0" smtClean="0"/>
-              <a:t>Los sistemas evolucionan a lo largo de varias iteraciones</a:t>
-            </a:r>
-          </a:p>
-          <a:p>
-            <a:pPr marL="0" indent="0">
-              <a:buNone/>
-            </a:pPr>
-            <a:endParaRPr lang="es-ES" sz="1400" dirty="0" smtClean="0"/>
-          </a:p>
-          <a:p>
-            <a:pPr marL="0" indent="0">
-              <a:buNone/>
-            </a:pPr>
-            <a:endParaRPr lang="es-ES" sz="1400" dirty="0"/>
-          </a:p>
-          <a:p>
+              <a:t>La reutilización de activos software</a:t>
+            </a:r>
+          </a:p>
+          <a:p>
+            <a:pPr lvl="1"/>
             <a:r>
               <a:rPr lang="es-ES" dirty="0" smtClean="0"/>
-              <a:t>El modelo de proceso evolutivo se divide en:</a:t>
+              <a:t>Decisiones de producto</a:t>
             </a:r>
           </a:p>
           <a:p>
             <a:pPr lvl="1"/>
+            <a:endParaRPr lang="es-ES" dirty="0"/>
+          </a:p>
+          <a:p>
             <a:r>
               <a:rPr lang="es-ES" dirty="0" smtClean="0"/>
-              <a:t>Ingeniería de dominio</a:t>
-            </a:r>
-          </a:p>
-          <a:p>
-            <a:pPr lvl="1"/>
+              <a:t>La arquitectura de dominio se emplea como un modelo de referencia para diseñar los productos</a:t>
+            </a:r>
+          </a:p>
+          <a:p>
+            <a:endParaRPr lang="es-ES" dirty="0"/>
+          </a:p>
+          <a:p>
             <a:r>
               <a:rPr lang="es-ES" dirty="0" smtClean="0"/>
-              <a:t>Ingeniería de producto</a:t>
-            </a:r>
+              <a:t>El repositorio de la LPS provee los activos necesitados durante el desarrollo de cada nuevo producto</a:t>
+            </a:r>
+            <a:endParaRPr lang="es-ES" dirty="0"/>
           </a:p>
         </p:txBody>
       </p:sp>
@@ -12373,7 +12402,7 @@
     </p:spTree>
     <p:extLst>
       <p:ext uri="{BB962C8B-B14F-4D97-AF65-F5344CB8AC3E}">
-        <p14:creationId xmlns:p14="http://schemas.microsoft.com/office/powerpoint/2010/main" val="692310177"/>
+        <p14:creationId xmlns:p14="http://schemas.microsoft.com/office/powerpoint/2010/main" val="1492545491"/>
       </p:ext>
     </p:extLst>
   </p:cSld>
@@ -12424,97 +12453,41 @@
           <a:p>
             <a:r>
               <a:rPr lang="es-ES" dirty="0" smtClean="0"/>
-              <a:t>Ingeniería de Dominio</a:t>
+              <a:t>Modelo de Proceso Evolutivo</a:t>
             </a:r>
             <a:endParaRPr lang="es-ES" dirty="0"/>
           </a:p>
         </p:txBody>
       </p:sp>
-      <p:sp>
-        <p:nvSpPr>
-          <p:cNvPr id="3" name="2 Marcador de contenido"/>
-          <p:cNvSpPr>
-            <a:spLocks noGrp="1"/>
-          </p:cNvSpPr>
+      <p:pic>
+        <p:nvPicPr>
+          <p:cNvPr id="4" name="3 Marcador de contenido"/>
+          <p:cNvPicPr>
+            <a:picLocks noGrp="1" noChangeAspect="1"/>
+          </p:cNvPicPr>
           <p:nvPr>
             <p:ph sz="quarter" idx="1"/>
           </p:nvPr>
-        </p:nvSpPr>
+        </p:nvPicPr>
+        <p:blipFill>
+          <a:blip r:embed="rId2">
+            <a:extLst>
+              <a:ext uri="{28A0092B-C50C-407E-A947-70E740481C1C}">
+                <a14:useLocalDpi xmlns:a14="http://schemas.microsoft.com/office/drawing/2010/main" val="0"/>
+              </a:ext>
+            </a:extLst>
+          </a:blip>
+          <a:stretch>
+            <a:fillRect/>
+          </a:stretch>
+        </p:blipFill>
         <p:spPr>
           <a:xfrm>
-            <a:off x="301752" y="1527048"/>
-            <a:ext cx="8503920" cy="5178552"/>
+            <a:off x="838200" y="1905000"/>
+            <a:ext cx="7401712" cy="3962400"/>
           </a:xfrm>
         </p:spPr>
-        <p:txBody>
-          <a:bodyPr>
-            <a:normAutofit fontScale="92500" lnSpcReduction="10000"/>
-          </a:bodyPr>
-          <a:lstStyle/>
-          <a:p>
-            <a:r>
-              <a:rPr lang="es-ES" dirty="0" smtClean="0"/>
-              <a:t>La Ingeniería de Dominio captura la información y representa el conocimiento sobre un dominio</a:t>
-            </a:r>
-          </a:p>
-          <a:p>
-            <a:pPr lvl="1"/>
-            <a:r>
-              <a:rPr lang="es-ES" dirty="0" smtClean="0"/>
-              <a:t>Crea activos software reutilizables para  el desarrollo de cualquier nuevo producto de la LPS</a:t>
-            </a:r>
-          </a:p>
-          <a:p>
-            <a:endParaRPr lang="es-ES" sz="1700" dirty="0"/>
-          </a:p>
-          <a:p>
-            <a:r>
-              <a:rPr lang="es-ES" dirty="0" smtClean="0"/>
-              <a:t>Análisis de características:</a:t>
-            </a:r>
-          </a:p>
-          <a:p>
-            <a:pPr lvl="1"/>
-            <a:r>
-              <a:rPr lang="es-ES" dirty="0" smtClean="0"/>
-              <a:t>Analiza la línea para determinar los requisitos que son comunes, opcionales o diferentes a todos sus miembros</a:t>
-            </a:r>
-          </a:p>
-          <a:p>
-            <a:r>
-              <a:rPr lang="es-ES" dirty="0" smtClean="0"/>
-              <a:t>Diseño de la Arquitectura LPS:</a:t>
-            </a:r>
-          </a:p>
-          <a:p>
-            <a:pPr lvl="1"/>
-            <a:r>
-              <a:rPr lang="es-ES" dirty="0" smtClean="0"/>
-              <a:t>Produce una arquitectura de dominio la cual tiene:</a:t>
-            </a:r>
-          </a:p>
-          <a:p>
-            <a:pPr lvl="2"/>
-            <a:r>
-              <a:rPr lang="es-ES" dirty="0" smtClean="0"/>
-              <a:t>Componentes comunes , opcionales  y variables</a:t>
-            </a:r>
-          </a:p>
-          <a:p>
-            <a:r>
-              <a:rPr lang="es-ES" dirty="0" smtClean="0"/>
-              <a:t>Implementación del Dominio</a:t>
-            </a:r>
-          </a:p>
-          <a:p>
-            <a:pPr lvl="1"/>
-            <a:r>
-              <a:rPr lang="es-ES" dirty="0" smtClean="0"/>
-              <a:t>Consiste en la creación y almacenamiento de los activos de software que se emplearán para producir los productos</a:t>
-            </a:r>
-          </a:p>
-        </p:txBody>
-      </p:sp>
+      </p:pic>
       <p:sp>
         <p:nvSpPr>
           <p:cNvPr id="10" name="9 Marcador de número de diapositiva"/>
@@ -12542,7 +12515,7 @@
     </p:spTree>
     <p:extLst>
       <p:ext uri="{BB962C8B-B14F-4D97-AF65-F5344CB8AC3E}">
-        <p14:creationId xmlns:p14="http://schemas.microsoft.com/office/powerpoint/2010/main" val="1797815839"/>
+        <p14:creationId xmlns:p14="http://schemas.microsoft.com/office/powerpoint/2010/main" val="3850768287"/>
       </p:ext>
     </p:extLst>
   </p:cSld>
@@ -12593,7 +12566,7 @@
           <a:p>
             <a:r>
               <a:rPr lang="es-ES" dirty="0" smtClean="0"/>
-              <a:t>Ingeniería de Producto</a:t>
+              <a:t>Enfoques de construcción</a:t>
             </a:r>
             <a:endParaRPr lang="es-ES" dirty="0"/>
           </a:p>
@@ -12609,54 +12582,40 @@
             <p:ph sz="quarter" idx="1"/>
           </p:nvPr>
         </p:nvSpPr>
-        <p:spPr>
-          <a:xfrm>
-            <a:off x="301752" y="1527048"/>
-            <a:ext cx="8503920" cy="4873752"/>
-          </a:xfrm>
-        </p:spPr>
-        <p:txBody>
-          <a:bodyPr>
-            <a:normAutofit/>
-          </a:bodyPr>
+        <p:spPr/>
+        <p:txBody>
+          <a:bodyPr/>
           <a:lstStyle/>
           <a:p>
             <a:r>
               <a:rPr lang="es-ES" dirty="0" smtClean="0"/>
-              <a:t>La Ingeniería de Producto se encarga del desarrollo de los productos de la LPS a través de:</a:t>
+              <a:t>Enfoque sustractivo</a:t>
             </a:r>
           </a:p>
           <a:p>
             <a:pPr lvl="1"/>
             <a:r>
               <a:rPr lang="es-ES" dirty="0" smtClean="0"/>
-              <a:t>La reutilización de activos software</a:t>
+              <a:t>Todas las variabilidades se contemplan en el nivel de ingeniería de dominio y, a nivel de ingeniería de producto, se eliminan aquellas que no corresponden al producto concreto que se está desarrollando.</a:t>
+            </a:r>
+          </a:p>
+          <a:p>
+            <a:pPr marL="0" indent="0">
+              <a:buNone/>
+            </a:pPr>
+            <a:endParaRPr lang="es-ES" dirty="0" smtClean="0"/>
+          </a:p>
+          <a:p>
+            <a:r>
+              <a:rPr lang="es-ES" dirty="0" smtClean="0"/>
+              <a:t>Enfoque aditivo</a:t>
             </a:r>
           </a:p>
           <a:p>
             <a:pPr lvl="1"/>
             <a:r>
               <a:rPr lang="es-ES" dirty="0" smtClean="0"/>
-              <a:t>Decisiones de producto</a:t>
-            </a:r>
-          </a:p>
-          <a:p>
-            <a:pPr lvl="1"/>
-            <a:endParaRPr lang="es-ES" dirty="0"/>
-          </a:p>
-          <a:p>
-            <a:r>
-              <a:rPr lang="es-ES" dirty="0" smtClean="0"/>
-              <a:t>La arquitectura de dominio se emplea como un modelo de referencia para diseñar los productos</a:t>
-            </a:r>
-          </a:p>
-          <a:p>
-            <a:endParaRPr lang="es-ES" dirty="0"/>
-          </a:p>
-          <a:p>
-            <a:r>
-              <a:rPr lang="es-ES" dirty="0" smtClean="0"/>
-              <a:t>El repositorio de la LPS provee los activos necesitados durante el desarrollo de cada nuevo producto</a:t>
+              <a:t>A nivel de ingeniería de dominio se trabaja únicamente con las características comunes. Luego , a nivel de producto , se le incorporan las variabilidades que correspondan.</a:t>
             </a:r>
             <a:endParaRPr lang="es-ES" dirty="0"/>
           </a:p>
@@ -12689,7 +12648,7 @@
     </p:spTree>
     <p:extLst>
       <p:ext uri="{BB962C8B-B14F-4D97-AF65-F5344CB8AC3E}">
-        <p14:creationId xmlns:p14="http://schemas.microsoft.com/office/powerpoint/2010/main" val="1492545491"/>
+        <p14:creationId xmlns:p14="http://schemas.microsoft.com/office/powerpoint/2010/main" val="1203249160"/>
       </p:ext>
     </p:extLst>
   </p:cSld>
@@ -12725,7 +12684,210 @@
       </p:grpSpPr>
       <p:sp>
         <p:nvSpPr>
-          <p:cNvPr id="2" name="1 Título"/>
+          <p:cNvPr id="2" name="Text Placeholder 1"/>
+          <p:cNvSpPr>
+            <a:spLocks noGrp="1"/>
+          </p:cNvSpPr>
+          <p:nvPr>
+            <p:ph type="body" idx="1"/>
+          </p:nvPr>
+        </p:nvSpPr>
+        <p:spPr>
+          <a:xfrm>
+            <a:off x="381000" y="2438400"/>
+            <a:ext cx="7467600" cy="3962400"/>
+          </a:xfrm>
+        </p:spPr>
+        <p:txBody>
+          <a:bodyPr anchor="ctr">
+            <a:normAutofit fontScale="85000" lnSpcReduction="10000"/>
+          </a:bodyPr>
+          <a:lstStyle/>
+          <a:p>
+            <a:pPr marL="342900" indent="-342900" algn="l">
+              <a:lnSpc>
+                <a:spcPct val="200000"/>
+              </a:lnSpc>
+              <a:buFont typeface="+mj-lt"/>
+              <a:buAutoNum type="arabicPeriod"/>
+            </a:pPr>
+            <a:r>
+              <a:rPr lang="en-US" sz="2400" cap="none" dirty="0" err="1" smtClean="0">
+                <a:solidFill>
+                  <a:schemeClr val="bg1">
+                    <a:lumMod val="75000"/>
+                  </a:schemeClr>
+                </a:solidFill>
+              </a:rPr>
+              <a:t>Introducción</a:t>
+            </a:r>
+            <a:endParaRPr lang="en-US" sz="2400" cap="none" dirty="0" smtClean="0">
+              <a:solidFill>
+                <a:schemeClr val="bg1">
+                  <a:lumMod val="75000"/>
+                </a:schemeClr>
+              </a:solidFill>
+            </a:endParaRPr>
+          </a:p>
+          <a:p>
+            <a:pPr marL="342900" indent="-342900" algn="l">
+              <a:lnSpc>
+                <a:spcPct val="200000"/>
+              </a:lnSpc>
+              <a:buFont typeface="+mj-lt"/>
+              <a:buAutoNum type="arabicPeriod"/>
+            </a:pPr>
+            <a:r>
+              <a:rPr lang="en-US" sz="2400" cap="none" dirty="0" err="1" smtClean="0">
+                <a:solidFill>
+                  <a:schemeClr val="bg1">
+                    <a:lumMod val="75000"/>
+                  </a:schemeClr>
+                </a:solidFill>
+              </a:rPr>
+              <a:t>Líneas</a:t>
+            </a:r>
+            <a:r>
+              <a:rPr lang="en-US" sz="2400" cap="none" dirty="0" smtClean="0">
+                <a:solidFill>
+                  <a:schemeClr val="bg1">
+                    <a:lumMod val="75000"/>
+                  </a:schemeClr>
+                </a:solidFill>
+              </a:rPr>
+              <a:t> de </a:t>
+            </a:r>
+            <a:r>
+              <a:rPr lang="en-US" sz="2400" cap="none" dirty="0" err="1" smtClean="0">
+                <a:solidFill>
+                  <a:schemeClr val="bg1">
+                    <a:lumMod val="75000"/>
+                  </a:schemeClr>
+                </a:solidFill>
+              </a:rPr>
+              <a:t>Productos</a:t>
+            </a:r>
+            <a:r>
+              <a:rPr lang="en-US" sz="2400" cap="none" dirty="0" smtClean="0">
+                <a:solidFill>
+                  <a:schemeClr val="bg1">
+                    <a:lumMod val="75000"/>
+                  </a:schemeClr>
+                </a:solidFill>
+              </a:rPr>
+              <a:t> Software</a:t>
+            </a:r>
+          </a:p>
+          <a:p>
+            <a:pPr marL="342900" indent="-342900" algn="l">
+              <a:lnSpc>
+                <a:spcPct val="200000"/>
+              </a:lnSpc>
+              <a:buFont typeface="+mj-lt"/>
+              <a:buAutoNum type="arabicPeriod"/>
+            </a:pPr>
+            <a:r>
+              <a:rPr lang="en-US" sz="2400" cap="none" dirty="0" err="1" smtClean="0"/>
+              <a:t>Metodología</a:t>
+            </a:r>
+            <a:r>
+              <a:rPr lang="en-US" sz="2400" cap="none" dirty="0" smtClean="0"/>
+              <a:t> PLUS</a:t>
+            </a:r>
+          </a:p>
+          <a:p>
+            <a:pPr marL="342900" indent="-342900" algn="l">
+              <a:lnSpc>
+                <a:spcPct val="200000"/>
+              </a:lnSpc>
+              <a:buFont typeface="+mj-lt"/>
+              <a:buAutoNum type="arabicPeriod"/>
+            </a:pPr>
+            <a:r>
+              <a:rPr lang="en-US" sz="2400" cap="none" dirty="0" err="1" smtClean="0">
+                <a:solidFill>
+                  <a:schemeClr val="bg1">
+                    <a:lumMod val="75000"/>
+                  </a:schemeClr>
+                </a:solidFill>
+              </a:rPr>
+              <a:t>Juegos</a:t>
+            </a:r>
+            <a:r>
+              <a:rPr lang="en-US" sz="2400" cap="none" dirty="0" smtClean="0">
+                <a:solidFill>
+                  <a:schemeClr val="bg1">
+                    <a:lumMod val="75000"/>
+                  </a:schemeClr>
+                </a:solidFill>
+              </a:rPr>
+              <a:t> de mesa</a:t>
+            </a:r>
+          </a:p>
+          <a:p>
+            <a:pPr marL="342900" indent="-342900" algn="l">
+              <a:lnSpc>
+                <a:spcPct val="200000"/>
+              </a:lnSpc>
+              <a:buFont typeface="+mj-lt"/>
+              <a:buAutoNum type="arabicPeriod"/>
+            </a:pPr>
+            <a:r>
+              <a:rPr lang="en-US" sz="2400" cap="none" dirty="0" err="1" smtClean="0">
+                <a:solidFill>
+                  <a:schemeClr val="bg1">
+                    <a:lumMod val="75000"/>
+                  </a:schemeClr>
+                </a:solidFill>
+              </a:rPr>
+              <a:t>Demostración</a:t>
+            </a:r>
+            <a:endParaRPr lang="en-US" sz="2400" cap="none" dirty="0" smtClean="0">
+              <a:solidFill>
+                <a:schemeClr val="bg1">
+                  <a:lumMod val="75000"/>
+                </a:schemeClr>
+              </a:solidFill>
+            </a:endParaRPr>
+          </a:p>
+          <a:p>
+            <a:pPr marL="342900" indent="-342900" algn="l">
+              <a:lnSpc>
+                <a:spcPct val="200000"/>
+              </a:lnSpc>
+              <a:buFont typeface="+mj-lt"/>
+              <a:buAutoNum type="arabicPeriod"/>
+            </a:pPr>
+            <a:r>
+              <a:rPr lang="en-US" sz="2400" cap="none" dirty="0" err="1" smtClean="0">
+                <a:solidFill>
+                  <a:schemeClr val="bg1">
+                    <a:lumMod val="75000"/>
+                  </a:schemeClr>
+                </a:solidFill>
+              </a:rPr>
+              <a:t>Conclusiones</a:t>
+            </a:r>
+            <a:endParaRPr lang="en-US" sz="2400" cap="none" dirty="0" smtClean="0">
+              <a:solidFill>
+                <a:schemeClr val="bg1">
+                  <a:lumMod val="75000"/>
+                </a:schemeClr>
+              </a:solidFill>
+            </a:endParaRPr>
+          </a:p>
+          <a:p>
+            <a:pPr marL="342900" indent="-342900" algn="l">
+              <a:buFont typeface="+mj-lt"/>
+              <a:buAutoNum type="arabicPeriod"/>
+            </a:pPr>
+            <a:endParaRPr lang="en-US" cap="none" dirty="0"/>
+          </a:p>
+        </p:txBody>
+      </p:sp>
+      <p:sp>
+        <p:nvSpPr>
+          <p:cNvPr id="3" name="Title 2"/>
           <p:cNvSpPr>
             <a:spLocks noGrp="1"/>
           </p:cNvSpPr>
@@ -12739,88 +12901,16 @@
           <a:lstStyle/>
           <a:p>
             <a:r>
-              <a:rPr lang="es-ES" dirty="0" smtClean="0"/>
-              <a:t>Modelo de Proceso </a:t>
-            </a:r>
-            <a:r>
-              <a:rPr lang="es-ES" dirty="0"/>
-              <a:t>E</a:t>
-            </a:r>
-            <a:r>
-              <a:rPr lang="es-ES" dirty="0" smtClean="0"/>
-              <a:t>volutivo</a:t>
-            </a:r>
-            <a:endParaRPr lang="es-ES" dirty="0"/>
-          </a:p>
-        </p:txBody>
-      </p:sp>
-      <p:pic>
-        <p:nvPicPr>
-          <p:cNvPr id="2050" name="Picture 2"/>
-          <p:cNvPicPr>
-            <a:picLocks noChangeAspect="1" noChangeArrowheads="1"/>
-          </p:cNvPicPr>
-          <p:nvPr/>
-        </p:nvPicPr>
-        <p:blipFill>
-          <a:blip r:embed="rId2">
-            <a:extLst>
-              <a:ext uri="{28A0092B-C50C-407E-A947-70E740481C1C}">
-                <a14:useLocalDpi xmlns:a14="http://schemas.microsoft.com/office/drawing/2010/main" val="0"/>
-              </a:ext>
-            </a:extLst>
-          </a:blip>
-          <a:srcRect/>
-          <a:stretch>
-            <a:fillRect/>
-          </a:stretch>
-        </p:blipFill>
-        <p:spPr bwMode="auto">
-          <a:xfrm>
-            <a:off x="762000" y="1828800"/>
-            <a:ext cx="7610475" cy="4152900"/>
-          </a:xfrm>
-          <a:prstGeom prst="rect">
-            <a:avLst/>
-          </a:prstGeom>
-          <a:noFill/>
-          <a:ln>
-            <a:noFill/>
-          </a:ln>
-          <a:effectLst/>
-          <a:extLst>
-            <a:ext uri="{909E8E84-426E-40DD-AFC4-6F175D3DCCD1}">
-              <a14:hiddenFill xmlns:a14="http://schemas.microsoft.com/office/drawing/2010/main">
-                <a:solidFill>
-                  <a:schemeClr val="accent1"/>
-                </a:solidFill>
-              </a14:hiddenFill>
-            </a:ext>
-            <a:ext uri="{91240B29-F687-4F45-9708-019B960494DF}">
-              <a14:hiddenLine xmlns:a14="http://schemas.microsoft.com/office/drawing/2010/main" w="9525">
-                <a:solidFill>
-                  <a:schemeClr val="tx1"/>
-                </a:solidFill>
-                <a:miter lim="800000"/>
-                <a:headEnd/>
-                <a:tailEnd/>
-              </a14:hiddenLine>
-            </a:ext>
-            <a:ext uri="{AF507438-7753-43E0-B8FC-AC1667EBCBE1}">
-              <a14:hiddenEffects xmlns:a14="http://schemas.microsoft.com/office/drawing/2010/main">
-                <a:effectLst>
-                  <a:outerShdw dist="35921" dir="2700000" algn="ctr" rotWithShape="0">
-                    <a:schemeClr val="bg2"/>
-                  </a:outerShdw>
-                </a:effectLst>
-              </a14:hiddenEffects>
-            </a:ext>
-          </a:extLst>
-        </p:spPr>
-      </p:pic>
-      <p:sp>
-        <p:nvSpPr>
-          <p:cNvPr id="9" name="8 Marcador de número de diapositiva"/>
+              <a:rPr lang="en-US" dirty="0" smtClean="0"/>
+              <a:t>CONTENIDO</a:t>
+            </a:r>
+            <a:endParaRPr lang="en-US" dirty="0"/>
+          </a:p>
+        </p:txBody>
+      </p:sp>
+      <p:sp>
+        <p:nvSpPr>
+          <p:cNvPr id="10" name="9 Marcador de número de diapositiva"/>
           <p:cNvSpPr>
             <a:spLocks noGrp="1"/>
           </p:cNvSpPr>
@@ -12838,14 +12928,14 @@
               <a:pPr/>
               <a:t>26</a:t>
             </a:fld>
-            <a:endParaRPr lang="en-US"/>
+            <a:endParaRPr lang="en-US" dirty="0"/>
           </a:p>
         </p:txBody>
       </p:sp>
     </p:spTree>
     <p:extLst>
       <p:ext uri="{BB962C8B-B14F-4D97-AF65-F5344CB8AC3E}">
-        <p14:creationId xmlns:p14="http://schemas.microsoft.com/office/powerpoint/2010/main" val="1853930753"/>
+        <p14:creationId xmlns:p14="http://schemas.microsoft.com/office/powerpoint/2010/main" val="2227639827"/>
       </p:ext>
     </p:extLst>
   </p:cSld>
@@ -12896,41 +12986,72 @@
           <a:p>
             <a:r>
               <a:rPr lang="es-ES" dirty="0" smtClean="0"/>
-              <a:t>Modelo de Proceso Evolutivo</a:t>
+              <a:t>Metodología PLUS</a:t>
             </a:r>
             <a:endParaRPr lang="es-ES" dirty="0"/>
           </a:p>
         </p:txBody>
       </p:sp>
-      <p:pic>
-        <p:nvPicPr>
-          <p:cNvPr id="4" name="3 Marcador de contenido"/>
-          <p:cNvPicPr>
-            <a:picLocks noGrp="1" noChangeAspect="1"/>
-          </p:cNvPicPr>
+      <p:sp>
+        <p:nvSpPr>
+          <p:cNvPr id="3" name="2 Marcador de contenido"/>
+          <p:cNvSpPr>
+            <a:spLocks noGrp="1"/>
+          </p:cNvSpPr>
           <p:nvPr>
             <p:ph sz="quarter" idx="1"/>
           </p:nvPr>
-        </p:nvPicPr>
-        <p:blipFill>
-          <a:blip r:embed="rId2">
-            <a:extLst>
-              <a:ext uri="{28A0092B-C50C-407E-A947-70E740481C1C}">
-                <a14:useLocalDpi xmlns:a14="http://schemas.microsoft.com/office/drawing/2010/main" val="0"/>
-              </a:ext>
-            </a:extLst>
-          </a:blip>
-          <a:stretch>
-            <a:fillRect/>
-          </a:stretch>
-        </p:blipFill>
-        <p:spPr>
-          <a:xfrm>
-            <a:off x="838200" y="1905000"/>
-            <a:ext cx="7401712" cy="3962400"/>
-          </a:xfrm>
-        </p:spPr>
-      </p:pic>
+        </p:nvSpPr>
+        <p:spPr/>
+        <p:txBody>
+          <a:bodyPr/>
+          <a:lstStyle/>
+          <a:p>
+            <a:r>
+              <a:rPr lang="es-ES" dirty="0" smtClean="0"/>
+              <a:t>Product Line UML-Based Software Engineering (PLUS)</a:t>
+            </a:r>
+            <a:br>
+              <a:rPr lang="es-ES" dirty="0" smtClean="0"/>
+            </a:br>
+            <a:endParaRPr lang="es-ES" dirty="0" smtClean="0"/>
+          </a:p>
+          <a:p>
+            <a:pPr lvl="1">
+              <a:spcAft>
+                <a:spcPts val="1000"/>
+              </a:spcAft>
+            </a:pPr>
+            <a:r>
+              <a:rPr lang="es-ES" dirty="0" smtClean="0"/>
+              <a:t>Extiende las metodologías basadas en UML para abordar las LPS</a:t>
+            </a:r>
+          </a:p>
+          <a:p>
+            <a:pPr lvl="1">
+              <a:spcAft>
+                <a:spcPts val="1000"/>
+              </a:spcAft>
+            </a:pPr>
+            <a:r>
+              <a:rPr lang="es-ES" dirty="0" smtClean="0"/>
+              <a:t>Modela explícitamente las características comunes y variables</a:t>
+            </a:r>
+          </a:p>
+          <a:p>
+            <a:pPr lvl="1">
+              <a:spcAft>
+                <a:spcPts val="1000"/>
+              </a:spcAft>
+            </a:pPr>
+            <a:r>
+              <a:rPr lang="es-ES" dirty="0" smtClean="0"/>
+              <a:t>Compatible con el Proceso Unificado de Desarrollo de Software</a:t>
+            </a:r>
+            <a:endParaRPr lang="es-ES" dirty="0"/>
+          </a:p>
+        </p:txBody>
+      </p:sp>
       <p:sp>
         <p:nvSpPr>
           <p:cNvPr id="10" name="9 Marcador de número de diapositiva"/>
@@ -12958,7 +13079,7 @@
     </p:spTree>
     <p:extLst>
       <p:ext uri="{BB962C8B-B14F-4D97-AF65-F5344CB8AC3E}">
-        <p14:creationId xmlns:p14="http://schemas.microsoft.com/office/powerpoint/2010/main" val="3850768287"/>
+        <p14:creationId xmlns:p14="http://schemas.microsoft.com/office/powerpoint/2010/main" val="1688999711"/>
       </p:ext>
     </p:extLst>
   </p:cSld>
@@ -13009,61 +13130,41 @@
           <a:p>
             <a:r>
               <a:rPr lang="es-ES" dirty="0" smtClean="0"/>
-              <a:t>Enfoques de construcción</a:t>
+              <a:t>Fases del proceso de Ingeniería de LPS</a:t>
             </a:r>
             <a:endParaRPr lang="es-ES" dirty="0"/>
           </a:p>
         </p:txBody>
       </p:sp>
-      <p:sp>
-        <p:nvSpPr>
-          <p:cNvPr id="3" name="2 Marcador de contenido"/>
-          <p:cNvSpPr>
-            <a:spLocks noGrp="1"/>
-          </p:cNvSpPr>
+      <p:pic>
+        <p:nvPicPr>
+          <p:cNvPr id="5" name="4 Marcador de contenido"/>
+          <p:cNvPicPr>
+            <a:picLocks noGrp="1" noChangeAspect="1"/>
+          </p:cNvPicPr>
           <p:nvPr>
             <p:ph sz="quarter" idx="1"/>
           </p:nvPr>
-        </p:nvSpPr>
-        <p:spPr/>
-        <p:txBody>
-          <a:bodyPr/>
-          <a:lstStyle/>
-          <a:p>
-            <a:r>
-              <a:rPr lang="es-ES" dirty="0" smtClean="0"/>
-              <a:t>Enfoque sustractivo</a:t>
-            </a:r>
-          </a:p>
-          <a:p>
-            <a:pPr lvl="1"/>
-            <a:r>
-              <a:rPr lang="es-ES" dirty="0" smtClean="0"/>
-              <a:t>Todas las variabilidades se contemplan en el nivel de ingeniería de dominio y, a nivel de ingeniería de producto, se eliminan aquellas que no corresponden al producto concreto que se está desarrollando.</a:t>
-            </a:r>
-          </a:p>
-          <a:p>
-            <a:pPr marL="0" indent="0">
-              <a:buNone/>
-            </a:pPr>
-            <a:endParaRPr lang="es-ES" dirty="0" smtClean="0"/>
-          </a:p>
-          <a:p>
-            <a:r>
-              <a:rPr lang="es-ES" dirty="0" smtClean="0"/>
-              <a:t>Enfoque aditivo</a:t>
-            </a:r>
-          </a:p>
-          <a:p>
-            <a:pPr lvl="1"/>
-            <a:r>
-              <a:rPr lang="es-ES" dirty="0" smtClean="0"/>
-              <a:t>A nivel de ingeniería de dominio se trabaja únicamente con las características comunes. Luego , a nivel de producto , se le incorporan las variabilidades que correspondan.</a:t>
-            </a:r>
-            <a:endParaRPr lang="es-ES" dirty="0"/>
-          </a:p>
-        </p:txBody>
-      </p:sp>
+        </p:nvPicPr>
+        <p:blipFill>
+          <a:blip r:embed="rId2">
+            <a:extLst>
+              <a:ext uri="{28A0092B-C50C-407E-A947-70E740481C1C}">
+                <a14:useLocalDpi xmlns:a14="http://schemas.microsoft.com/office/drawing/2010/main" val="0"/>
+              </a:ext>
+            </a:extLst>
+          </a:blip>
+          <a:stretch>
+            <a:fillRect/>
+          </a:stretch>
+        </p:blipFill>
+        <p:spPr>
+          <a:xfrm>
+            <a:off x="867568" y="1527175"/>
+            <a:ext cx="7372351" cy="4572000"/>
+          </a:xfrm>
+        </p:spPr>
+      </p:pic>
       <p:sp>
         <p:nvSpPr>
           <p:cNvPr id="10" name="9 Marcador de número de diapositiva"/>
@@ -13091,7 +13192,7 @@
     </p:spTree>
     <p:extLst>
       <p:ext uri="{BB962C8B-B14F-4D97-AF65-F5344CB8AC3E}">
-        <p14:creationId xmlns:p14="http://schemas.microsoft.com/office/powerpoint/2010/main" val="1203249160"/>
+        <p14:creationId xmlns:p14="http://schemas.microsoft.com/office/powerpoint/2010/main" val="1323939156"/>
       </p:ext>
     </p:extLst>
   </p:cSld>
@@ -13127,227 +13228,141 @@
       </p:grpSpPr>
       <p:sp>
         <p:nvSpPr>
-          <p:cNvPr id="2" name="Text Placeholder 1"/>
-          <p:cNvSpPr>
-            <a:spLocks noGrp="1"/>
-          </p:cNvSpPr>
-          <p:nvPr>
-            <p:ph type="body" idx="1"/>
+          <p:cNvPr id="2" name="1 Título"/>
+          <p:cNvSpPr>
+            <a:spLocks noGrp="1"/>
+          </p:cNvSpPr>
+          <p:nvPr>
+            <p:ph type="title"/>
+          </p:nvPr>
+        </p:nvSpPr>
+        <p:spPr/>
+        <p:txBody>
+          <a:bodyPr/>
+          <a:lstStyle/>
+          <a:p>
+            <a:r>
+              <a:rPr lang="es-ES" dirty="0" smtClean="0"/>
+              <a:t>Ingeniería de Requisitos</a:t>
+            </a:r>
+            <a:endParaRPr lang="es-ES" dirty="0"/>
+          </a:p>
+        </p:txBody>
+      </p:sp>
+      <p:sp>
+        <p:nvSpPr>
+          <p:cNvPr id="3" name="2 Marcador de contenido"/>
+          <p:cNvSpPr>
+            <a:spLocks noGrp="1"/>
+          </p:cNvSpPr>
+          <p:nvPr>
+            <p:ph sz="quarter" idx="1"/>
           </p:nvPr>
         </p:nvSpPr>
         <p:spPr>
           <a:xfrm>
-            <a:off x="381000" y="2438400"/>
-            <a:ext cx="7467600" cy="3962400"/>
+            <a:off x="301752" y="1527048"/>
+            <a:ext cx="8503920" cy="4873752"/>
           </a:xfrm>
         </p:spPr>
         <p:txBody>
-          <a:bodyPr anchor="ctr">
-            <a:normAutofit fontScale="85000" lnSpcReduction="10000"/>
-          </a:bodyPr>
-          <a:lstStyle/>
-          <a:p>
-            <a:pPr marL="342900" indent="-342900" algn="l">
-              <a:lnSpc>
-                <a:spcPct val="200000"/>
-              </a:lnSpc>
-              <a:buFont typeface="+mj-lt"/>
-              <a:buAutoNum type="arabicPeriod"/>
+          <a:bodyPr/>
+          <a:lstStyle/>
+          <a:p>
+            <a:r>
+              <a:rPr lang="es-ES" dirty="0" smtClean="0"/>
+              <a:t>Se desarrolla un modelo de casos de uso y un </a:t>
+            </a:r>
+            <a:r>
+              <a:rPr lang="es-ES" i="1" dirty="0" smtClean="0"/>
+              <a:t>feature model </a:t>
+            </a:r>
+            <a:r>
+              <a:rPr lang="es-ES" dirty="0" smtClean="0"/>
+              <a:t>(modelo de características)</a:t>
+            </a:r>
+          </a:p>
+          <a:p>
+            <a:pPr lvl="1"/>
+            <a:endParaRPr lang="es-ES" dirty="0"/>
+          </a:p>
+          <a:p>
+            <a:pPr lvl="1">
+              <a:spcAft>
+                <a:spcPts val="800"/>
+              </a:spcAft>
             </a:pPr>
             <a:r>
-              <a:rPr lang="en-US" sz="2400" cap="none" dirty="0" err="1" smtClean="0">
-                <a:solidFill>
-                  <a:schemeClr val="bg1">
-                    <a:lumMod val="75000"/>
-                  </a:schemeClr>
-                </a:solidFill>
-              </a:rPr>
-              <a:t>Introducción</a:t>
-            </a:r>
-            <a:endParaRPr lang="en-US" sz="2400" cap="none" dirty="0" smtClean="0">
-              <a:solidFill>
-                <a:schemeClr val="bg1">
-                  <a:lumMod val="75000"/>
-                </a:schemeClr>
-              </a:solidFill>
-            </a:endParaRPr>
-          </a:p>
-          <a:p>
-            <a:pPr marL="342900" indent="-342900" algn="l">
-              <a:lnSpc>
-                <a:spcPct val="200000"/>
-              </a:lnSpc>
-              <a:buFont typeface="+mj-lt"/>
-              <a:buAutoNum type="arabicPeriod"/>
+              <a:rPr lang="es-ES" b="1" dirty="0" smtClean="0"/>
+              <a:t>Casos de uso </a:t>
+            </a:r>
+            <a:r>
+              <a:rPr lang="es-ES" b="1" i="1" dirty="0" smtClean="0"/>
+              <a:t>Kernel</a:t>
+            </a:r>
+            <a:r>
+              <a:rPr lang="es-ES" b="1" dirty="0" smtClean="0"/>
+              <a:t>: </a:t>
+            </a:r>
+            <a:r>
+              <a:rPr lang="es-ES" dirty="0" smtClean="0"/>
+              <a:t>Estarán presentes en todos los productos de la línea y cuya implementación es fija.</a:t>
+            </a:r>
+          </a:p>
+          <a:p>
+            <a:pPr lvl="1">
+              <a:spcAft>
+                <a:spcPts val="800"/>
+              </a:spcAft>
             </a:pPr>
             <a:r>
-              <a:rPr lang="en-US" sz="2400" cap="none" dirty="0" err="1" smtClean="0">
-                <a:solidFill>
-                  <a:schemeClr val="bg1">
-                    <a:lumMod val="75000"/>
-                  </a:schemeClr>
-                </a:solidFill>
-              </a:rPr>
-              <a:t>Líneas</a:t>
-            </a:r>
-            <a:r>
-              <a:rPr lang="en-US" sz="2400" cap="none" dirty="0" smtClean="0">
-                <a:solidFill>
-                  <a:schemeClr val="bg1">
-                    <a:lumMod val="75000"/>
-                  </a:schemeClr>
-                </a:solidFill>
-              </a:rPr>
-              <a:t> de </a:t>
-            </a:r>
-            <a:r>
-              <a:rPr lang="en-US" sz="2400" cap="none" dirty="0" err="1" smtClean="0">
-                <a:solidFill>
-                  <a:schemeClr val="bg1">
-                    <a:lumMod val="75000"/>
-                  </a:schemeClr>
-                </a:solidFill>
-              </a:rPr>
-              <a:t>Productos</a:t>
-            </a:r>
-            <a:r>
-              <a:rPr lang="en-US" sz="2400" cap="none" dirty="0" smtClean="0">
-                <a:solidFill>
-                  <a:schemeClr val="bg1">
-                    <a:lumMod val="75000"/>
-                  </a:schemeClr>
-                </a:solidFill>
-              </a:rPr>
-              <a:t> Software</a:t>
-            </a:r>
-          </a:p>
-          <a:p>
-            <a:pPr marL="342900" indent="-342900" algn="l">
-              <a:lnSpc>
-                <a:spcPct val="200000"/>
-              </a:lnSpc>
-              <a:buFont typeface="+mj-lt"/>
-              <a:buAutoNum type="arabicPeriod"/>
+              <a:rPr lang="es-ES" b="1" dirty="0" smtClean="0"/>
+              <a:t>Casos de uso </a:t>
+            </a:r>
+            <a:r>
+              <a:rPr lang="es-ES" b="1" i="1" dirty="0" smtClean="0"/>
+              <a:t>Optional</a:t>
+            </a:r>
+            <a:r>
+              <a:rPr lang="es-ES" b="1" dirty="0" smtClean="0"/>
+              <a:t>: </a:t>
+            </a:r>
+            <a:r>
+              <a:rPr lang="es-ES" dirty="0" smtClean="0"/>
+              <a:t>Estarán presentes solo en algunos productos de la línea y su implementación es fija.</a:t>
+            </a:r>
+          </a:p>
+          <a:p>
+            <a:pPr lvl="1">
+              <a:spcAft>
+                <a:spcPts val="800"/>
+              </a:spcAft>
             </a:pPr>
             <a:r>
-              <a:rPr lang="en-US" sz="2400" cap="none" dirty="0" err="1" smtClean="0"/>
-              <a:t>Metodología</a:t>
-            </a:r>
-            <a:r>
-              <a:rPr lang="en-US" sz="2400" cap="none" dirty="0" smtClean="0"/>
-              <a:t> PLUS</a:t>
-            </a:r>
-          </a:p>
-          <a:p>
-            <a:pPr marL="342900" indent="-342900" algn="l">
-              <a:lnSpc>
-                <a:spcPct val="200000"/>
-              </a:lnSpc>
-              <a:buFont typeface="+mj-lt"/>
-              <a:buAutoNum type="arabicPeriod"/>
-            </a:pPr>
-            <a:r>
-              <a:rPr lang="en-US" sz="2400" cap="none" dirty="0" err="1" smtClean="0">
-                <a:solidFill>
-                  <a:schemeClr val="bg1">
-                    <a:lumMod val="75000"/>
-                  </a:schemeClr>
-                </a:solidFill>
-              </a:rPr>
-              <a:t>Juegos</a:t>
-            </a:r>
-            <a:r>
-              <a:rPr lang="en-US" sz="2400" cap="none" dirty="0" smtClean="0">
-                <a:solidFill>
-                  <a:schemeClr val="bg1">
-                    <a:lumMod val="75000"/>
-                  </a:schemeClr>
-                </a:solidFill>
-              </a:rPr>
-              <a:t> de mesa</a:t>
-            </a:r>
-          </a:p>
-          <a:p>
-            <a:pPr marL="342900" indent="-342900" algn="l">
-              <a:lnSpc>
-                <a:spcPct val="200000"/>
-              </a:lnSpc>
-              <a:buFont typeface="+mj-lt"/>
-              <a:buAutoNum type="arabicPeriod"/>
-            </a:pPr>
-            <a:r>
-              <a:rPr lang="en-US" sz="2400" cap="none" dirty="0" err="1" smtClean="0">
-                <a:solidFill>
-                  <a:schemeClr val="bg1">
-                    <a:lumMod val="75000"/>
-                  </a:schemeClr>
-                </a:solidFill>
-              </a:rPr>
-              <a:t>Conclusiones</a:t>
-            </a:r>
-            <a:endParaRPr lang="en-US" sz="2400" cap="none" dirty="0" smtClean="0">
-              <a:solidFill>
-                <a:schemeClr val="bg1">
-                  <a:lumMod val="75000"/>
-                </a:schemeClr>
-              </a:solidFill>
-            </a:endParaRPr>
-          </a:p>
-          <a:p>
-            <a:pPr marL="342900" indent="-342900" algn="l">
-              <a:lnSpc>
-                <a:spcPct val="200000"/>
-              </a:lnSpc>
-              <a:buFont typeface="+mj-lt"/>
-              <a:buAutoNum type="arabicPeriod"/>
-            </a:pPr>
-            <a:r>
-              <a:rPr lang="en-US" sz="2400" cap="none" dirty="0" err="1" smtClean="0">
-                <a:solidFill>
-                  <a:schemeClr val="bg1">
-                    <a:lumMod val="75000"/>
-                  </a:schemeClr>
-                </a:solidFill>
-              </a:rPr>
-              <a:t>Demostración</a:t>
-            </a:r>
-            <a:endParaRPr lang="en-US" sz="2400" cap="none" dirty="0" smtClean="0">
-              <a:solidFill>
-                <a:schemeClr val="bg1">
-                  <a:lumMod val="75000"/>
-                </a:schemeClr>
-              </a:solidFill>
-            </a:endParaRPr>
-          </a:p>
-          <a:p>
-            <a:pPr marL="342900" indent="-342900" algn="l">
-              <a:buFont typeface="+mj-lt"/>
-              <a:buAutoNum type="arabicPeriod"/>
-            </a:pPr>
-            <a:endParaRPr lang="en-US" cap="none" dirty="0"/>
-          </a:p>
-        </p:txBody>
-      </p:sp>
-      <p:sp>
-        <p:nvSpPr>
-          <p:cNvPr id="3" name="Title 2"/>
-          <p:cNvSpPr>
-            <a:spLocks noGrp="1"/>
-          </p:cNvSpPr>
-          <p:nvPr>
-            <p:ph type="title"/>
-          </p:nvPr>
-        </p:nvSpPr>
-        <p:spPr/>
-        <p:txBody>
-          <a:bodyPr/>
-          <a:lstStyle/>
-          <a:p>
-            <a:r>
-              <a:rPr lang="en-US" dirty="0" smtClean="0"/>
-              <a:t>CONTENIDO</a:t>
-            </a:r>
-            <a:endParaRPr lang="en-US" dirty="0"/>
+              <a:rPr lang="es-ES" b="1" dirty="0" smtClean="0"/>
+              <a:t>Casos de uso </a:t>
+            </a:r>
+            <a:r>
+              <a:rPr lang="es-ES" b="1" i="1" dirty="0" smtClean="0"/>
+              <a:t>Alternative</a:t>
+            </a:r>
+            <a:r>
+              <a:rPr lang="es-ES" b="1" dirty="0" smtClean="0"/>
+              <a:t>:</a:t>
+            </a:r>
+            <a:r>
+              <a:rPr lang="es-ES" dirty="0" smtClean="0"/>
+              <a:t> Estarán presentes sólo en algunos productos y además pueden tener diferentes implementaciones en función del producto. Estos casos de uso pueden identificar los puntos de variación </a:t>
+            </a:r>
+            <a:r>
+              <a:rPr lang="es-ES" i="1" dirty="0" smtClean="0"/>
+              <a:t>(variation points</a:t>
+            </a:r>
+            <a:r>
+              <a:rPr lang="es-ES" dirty="0" smtClean="0"/>
+              <a:t>)</a:t>
+            </a:r>
+            <a:endParaRPr lang="es-ES" dirty="0"/>
           </a:p>
         </p:txBody>
       </p:sp>
@@ -13371,14 +13386,14 @@
               <a:pPr/>
               <a:t>29</a:t>
             </a:fld>
-            <a:endParaRPr lang="en-US" dirty="0"/>
+            <a:endParaRPr lang="en-US"/>
           </a:p>
         </p:txBody>
       </p:sp>
     </p:spTree>
     <p:extLst>
       <p:ext uri="{BB962C8B-B14F-4D97-AF65-F5344CB8AC3E}">
-        <p14:creationId xmlns:p14="http://schemas.microsoft.com/office/powerpoint/2010/main" val="2227639827"/>
+        <p14:creationId xmlns:p14="http://schemas.microsoft.com/office/powerpoint/2010/main" val="4117141161"/>
       </p:ext>
     </p:extLst>
   </p:cSld>
@@ -13570,7 +13585,7 @@
                   </a:schemeClr>
                 </a:solidFill>
               </a:rPr>
-              <a:t>Conclusiones</a:t>
+              <a:t>Demostración</a:t>
             </a:r>
             <a:endParaRPr lang="en-US" sz="2400" cap="none" dirty="0" smtClean="0">
               <a:solidFill>
@@ -13596,7 +13611,7 @@
                   </a:schemeClr>
                 </a:solidFill>
               </a:rPr>
-              <a:t>Demostración</a:t>
+              <a:t>Conclusiones</a:t>
             </a:r>
             <a:endParaRPr lang="en-US" sz="2400" cap="none" dirty="0" smtClean="0">
               <a:solidFill>
@@ -13716,7 +13731,7 @@
           <a:p>
             <a:r>
               <a:rPr lang="es-ES" dirty="0" smtClean="0"/>
-              <a:t>Metodología PLUS</a:t>
+              <a:t>Ejemplo de casos de uso</a:t>
             </a:r>
             <a:endParaRPr lang="es-ES" dirty="0"/>
           </a:p>
@@ -13724,67 +13739,7 @@
       </p:sp>
       <p:sp>
         <p:nvSpPr>
-          <p:cNvPr id="3" name="2 Marcador de contenido"/>
-          <p:cNvSpPr>
-            <a:spLocks noGrp="1"/>
-          </p:cNvSpPr>
-          <p:nvPr>
-            <p:ph sz="quarter" idx="1"/>
-          </p:nvPr>
-        </p:nvSpPr>
-        <p:spPr/>
-        <p:txBody>
-          <a:bodyPr/>
-          <a:lstStyle/>
-          <a:p>
-            <a:r>
-              <a:rPr lang="es-ES" dirty="0" smtClean="0"/>
-              <a:t>Product Line UML-Based Software Engineering (PLUS)</a:t>
-            </a:r>
-            <a:br>
-              <a:rPr lang="es-ES" dirty="0" smtClean="0"/>
-            </a:br>
-            <a:endParaRPr lang="es-ES" dirty="0" smtClean="0"/>
-          </a:p>
-          <a:p>
-            <a:pPr lvl="1">
-              <a:spcAft>
-                <a:spcPts val="1000"/>
-              </a:spcAft>
-            </a:pPr>
-            <a:r>
-              <a:rPr lang="es-ES" dirty="0" smtClean="0"/>
-              <a:t>Extiende las metodologías basadas en UML para abordar las LPS</a:t>
-            </a:r>
-          </a:p>
-          <a:p>
-            <a:pPr lvl="1">
-              <a:spcAft>
-                <a:spcPts val="1000"/>
-              </a:spcAft>
-            </a:pPr>
-            <a:r>
-              <a:rPr lang="es-ES" dirty="0" smtClean="0"/>
-              <a:t>Modela explícitamente las características comunes y variables</a:t>
-            </a:r>
-          </a:p>
-          <a:p>
-            <a:pPr lvl="1">
-              <a:spcAft>
-                <a:spcPts val="1000"/>
-              </a:spcAft>
-            </a:pPr>
-            <a:r>
-              <a:rPr lang="es-ES" dirty="0" smtClean="0"/>
-              <a:t>Compatible con el Proceso Unificado de Desarrollo de Software</a:t>
-            </a:r>
-            <a:endParaRPr lang="es-ES" dirty="0"/>
-          </a:p>
-        </p:txBody>
-      </p:sp>
-      <p:sp>
-        <p:nvSpPr>
-          <p:cNvPr id="10" name="9 Marcador de número de diapositiva"/>
+          <p:cNvPr id="3" name="2 Marcador de número de diapositiva"/>
           <p:cNvSpPr>
             <a:spLocks noGrp="1"/>
           </p:cNvSpPr>
@@ -13806,10 +13761,39 @@
           </a:p>
         </p:txBody>
       </p:sp>
+      <p:pic>
+        <p:nvPicPr>
+          <p:cNvPr id="5" name="4 Marcador de contenido"/>
+          <p:cNvPicPr>
+            <a:picLocks noGrp="1" noChangeAspect="1"/>
+          </p:cNvPicPr>
+          <p:nvPr>
+            <p:ph sz="quarter" idx="1"/>
+          </p:nvPr>
+        </p:nvPicPr>
+        <p:blipFill>
+          <a:blip r:embed="rId2">
+            <a:extLst>
+              <a:ext uri="{28A0092B-C50C-407E-A947-70E740481C1C}">
+                <a14:useLocalDpi xmlns:a14="http://schemas.microsoft.com/office/drawing/2010/main" val="0"/>
+              </a:ext>
+            </a:extLst>
+          </a:blip>
+          <a:stretch>
+            <a:fillRect/>
+          </a:stretch>
+        </p:blipFill>
+        <p:spPr>
+          <a:xfrm>
+            <a:off x="152400" y="1524000"/>
+            <a:ext cx="8821238" cy="4419529"/>
+          </a:xfrm>
+        </p:spPr>
+      </p:pic>
     </p:spTree>
     <p:extLst>
       <p:ext uri="{BB962C8B-B14F-4D97-AF65-F5344CB8AC3E}">
-        <p14:creationId xmlns:p14="http://schemas.microsoft.com/office/powerpoint/2010/main" val="1688999711"/>
+        <p14:creationId xmlns:p14="http://schemas.microsoft.com/office/powerpoint/2010/main" val="4037021105"/>
       </p:ext>
     </p:extLst>
   </p:cSld>
@@ -13860,9 +13844,33 @@
           <a:p>
             <a:r>
               <a:rPr lang="es-ES" dirty="0" smtClean="0"/>
-              <a:t>Fases del proceso de Ingeniería de LPS</a:t>
+              <a:t>Ejemplo de casos de uso</a:t>
             </a:r>
             <a:endParaRPr lang="es-ES" dirty="0"/>
+          </a:p>
+        </p:txBody>
+      </p:sp>
+      <p:sp>
+        <p:nvSpPr>
+          <p:cNvPr id="3" name="2 Marcador de número de diapositiva"/>
+          <p:cNvSpPr>
+            <a:spLocks noGrp="1"/>
+          </p:cNvSpPr>
+          <p:nvPr>
+            <p:ph type="sldNum" sz="quarter" idx="12"/>
+          </p:nvPr>
+        </p:nvSpPr>
+        <p:spPr/>
+        <p:txBody>
+          <a:bodyPr/>
+          <a:lstStyle/>
+          <a:p>
+            <a:fld id="{2516FBF6-05D3-4196-BB4D-F73A22954EE3}" type="slidenum">
+              <a:rPr lang="en-US" smtClean="0"/>
+              <a:pPr/>
+              <a:t>31</a:t>
+            </a:fld>
+            <a:endParaRPr lang="en-US"/>
           </a:p>
         </p:txBody>
       </p:sp>
@@ -13890,39 +13898,15 @@
         </p:blipFill>
         <p:spPr>
           <a:xfrm>
-            <a:off x="867568" y="1527175"/>
-            <a:ext cx="7372351" cy="4572000"/>
+            <a:off x="566975" y="1741198"/>
+            <a:ext cx="7973538" cy="4143954"/>
           </a:xfrm>
         </p:spPr>
       </p:pic>
-      <p:sp>
-        <p:nvSpPr>
-          <p:cNvPr id="10" name="9 Marcador de número de diapositiva"/>
-          <p:cNvSpPr>
-            <a:spLocks noGrp="1"/>
-          </p:cNvSpPr>
-          <p:nvPr>
-            <p:ph type="sldNum" sz="quarter" idx="12"/>
-          </p:nvPr>
-        </p:nvSpPr>
-        <p:spPr/>
-        <p:txBody>
-          <a:bodyPr/>
-          <a:lstStyle/>
-          <a:p>
-            <a:fld id="{2516FBF6-05D3-4196-BB4D-F73A22954EE3}" type="slidenum">
-              <a:rPr lang="en-US" smtClean="0"/>
-              <a:pPr/>
-              <a:t>31</a:t>
-            </a:fld>
-            <a:endParaRPr lang="en-US"/>
-          </a:p>
-        </p:txBody>
-      </p:sp>
     </p:spTree>
     <p:extLst>
       <p:ext uri="{BB962C8B-B14F-4D97-AF65-F5344CB8AC3E}">
-        <p14:creationId xmlns:p14="http://schemas.microsoft.com/office/powerpoint/2010/main" val="1323939156"/>
+        <p14:creationId xmlns:p14="http://schemas.microsoft.com/office/powerpoint/2010/main" val="3407779382"/>
       </p:ext>
     </p:extLst>
   </p:cSld>
@@ -13972,10 +13956,10 @@
           <a:lstStyle/>
           <a:p>
             <a:r>
-              <a:rPr lang="es-ES" dirty="0" smtClean="0"/>
-              <a:t>Ingeniería de Requisitos</a:t>
-            </a:r>
-            <a:endParaRPr lang="es-ES" dirty="0"/>
+              <a:rPr lang="es-ES" i="1" dirty="0" smtClean="0"/>
+              <a:t>Feature model</a:t>
+            </a:r>
+            <a:endParaRPr lang="es-ES" i="1" dirty="0"/>
           </a:p>
         </p:txBody>
       </p:sp>
@@ -14001,98 +13985,85 @@
           <a:p>
             <a:r>
               <a:rPr lang="es-ES" dirty="0" smtClean="0"/>
-              <a:t>Se desarrolla un modelo de casos de uso y un </a:t>
-            </a:r>
+              <a:t>Recoge las características de la LPS y representa las dependencias entre ellas</a:t>
+            </a:r>
+          </a:p>
+          <a:p>
+            <a:pPr marL="0" indent="0">
+              <a:buNone/>
+            </a:pPr>
+            <a:endParaRPr lang="es-ES" dirty="0" smtClean="0"/>
+          </a:p>
+          <a:p>
+            <a:r>
+              <a:rPr lang="es-ES" dirty="0" smtClean="0"/>
+              <a:t>Estereotipos:</a:t>
+            </a:r>
+          </a:p>
+          <a:p>
+            <a:pPr lvl="1"/>
             <a:r>
               <a:rPr lang="es-ES" i="1" dirty="0" smtClean="0"/>
-              <a:t>feature model </a:t>
-            </a:r>
-            <a:r>
-              <a:rPr lang="es-ES" dirty="0" smtClean="0"/>
-              <a:t>(modelo de características)</a:t>
+              <a:t>Common feature</a:t>
             </a:r>
           </a:p>
           <a:p>
             <a:pPr lvl="1"/>
-            <a:endParaRPr lang="es-ES" dirty="0"/>
-          </a:p>
-          <a:p>
-            <a:pPr lvl="1">
-              <a:spcAft>
-                <a:spcPts val="800"/>
-              </a:spcAft>
-            </a:pPr>
-            <a:r>
-              <a:rPr lang="es-ES" b="1" dirty="0" smtClean="0"/>
-              <a:t>Casos de uso </a:t>
-            </a:r>
-            <a:r>
-              <a:rPr lang="es-ES" b="1" i="1" dirty="0" smtClean="0"/>
-              <a:t>Kernel</a:t>
-            </a:r>
-            <a:r>
-              <a:rPr lang="es-ES" b="1" dirty="0" smtClean="0"/>
-              <a:t>: </a:t>
-            </a:r>
-            <a:r>
-              <a:rPr lang="es-ES" dirty="0" smtClean="0"/>
-              <a:t>Estarán presentes en todos los productos de la línea y cuya implementación es fija.</a:t>
-            </a:r>
-          </a:p>
-          <a:p>
-            <a:pPr lvl="1">
-              <a:spcAft>
-                <a:spcPts val="800"/>
-              </a:spcAft>
-            </a:pPr>
-            <a:r>
-              <a:rPr lang="es-ES" b="1" dirty="0" smtClean="0"/>
-              <a:t>Casos de uso </a:t>
-            </a:r>
-            <a:r>
-              <a:rPr lang="es-ES" b="1" i="1" dirty="0" smtClean="0"/>
-              <a:t>Optional</a:t>
-            </a:r>
-            <a:r>
-              <a:rPr lang="es-ES" b="1" dirty="0" smtClean="0"/>
-              <a:t>: </a:t>
-            </a:r>
-            <a:r>
-              <a:rPr lang="es-ES" dirty="0" smtClean="0"/>
-              <a:t>Estarán presentes solo en algunos productos de la línea y su implementación es fija.</a:t>
-            </a:r>
-          </a:p>
-          <a:p>
-            <a:pPr lvl="1">
-              <a:spcAft>
-                <a:spcPts val="800"/>
-              </a:spcAft>
-            </a:pPr>
-            <a:r>
-              <a:rPr lang="es-ES" b="1" dirty="0" smtClean="0"/>
-              <a:t>Casos de uso </a:t>
-            </a:r>
-            <a:r>
-              <a:rPr lang="es-ES" b="1" i="1" dirty="0" smtClean="0"/>
-              <a:t>Alternative</a:t>
-            </a:r>
-            <a:r>
-              <a:rPr lang="es-ES" b="1" dirty="0" smtClean="0"/>
-              <a:t>:</a:t>
-            </a:r>
-            <a:r>
-              <a:rPr lang="es-ES" dirty="0" smtClean="0"/>
-              <a:t> Estarán presentes sólo en algunos productos y además pueden tener diferentes implementaciones en función del producto. Estos casos de uso pueden identificar los puntos de variación </a:t>
-            </a:r>
             <a:r>
               <a:rPr lang="es-ES" i="1" dirty="0" smtClean="0"/>
-              <a:t>(variation points</a:t>
-            </a:r>
-            <a:r>
-              <a:rPr lang="es-ES" dirty="0" smtClean="0"/>
-              <a:t>)</a:t>
-            </a:r>
-            <a:endParaRPr lang="es-ES" dirty="0"/>
+              <a:t>Optional feature</a:t>
+            </a:r>
+          </a:p>
+          <a:p>
+            <a:pPr lvl="1"/>
+            <a:r>
+              <a:rPr lang="es-ES" i="1" dirty="0" smtClean="0"/>
+              <a:t>Alternative feature</a:t>
+            </a:r>
+          </a:p>
+          <a:p>
+            <a:pPr lvl="1"/>
+            <a:r>
+              <a:rPr lang="es-ES" i="1" dirty="0" smtClean="0"/>
+              <a:t>Parameterized feature</a:t>
+            </a:r>
+          </a:p>
+          <a:p>
+            <a:pPr lvl="1"/>
+            <a:r>
+              <a:rPr lang="es-ES" i="1" dirty="0" err="1" smtClean="0"/>
+              <a:t>Prerequisite</a:t>
+            </a:r>
+            <a:r>
+              <a:rPr lang="es-ES" i="1" dirty="0" smtClean="0"/>
+              <a:t> features</a:t>
+            </a:r>
+          </a:p>
+          <a:p>
+            <a:pPr lvl="1"/>
+            <a:r>
+              <a:rPr lang="es-ES" i="1" dirty="0" err="1" smtClean="0"/>
+              <a:t>Mutually</a:t>
+            </a:r>
+            <a:r>
+              <a:rPr lang="es-ES" i="1" dirty="0" smtClean="0"/>
+              <a:t> inclusive features</a:t>
+            </a:r>
+          </a:p>
+          <a:p>
+            <a:pPr lvl="1"/>
+            <a:r>
+              <a:rPr lang="es-ES" i="1" dirty="0" err="1" smtClean="0"/>
+              <a:t>Mutually</a:t>
+            </a:r>
+            <a:r>
+              <a:rPr lang="es-ES" i="1" dirty="0" smtClean="0"/>
+              <a:t> exclusive features</a:t>
+            </a:r>
+          </a:p>
+          <a:p>
+            <a:pPr lvl="1"/>
+            <a:endParaRPr lang="es-ES" i="1" dirty="0"/>
           </a:p>
         </p:txBody>
       </p:sp>
@@ -14115,307 +14086,6 @@
               <a:rPr lang="en-US" smtClean="0"/>
               <a:pPr/>
               <a:t>32</a:t>
-            </a:fld>
-            <a:endParaRPr lang="en-US"/>
-          </a:p>
-        </p:txBody>
-      </p:sp>
-    </p:spTree>
-    <p:extLst>
-      <p:ext uri="{BB962C8B-B14F-4D97-AF65-F5344CB8AC3E}">
-        <p14:creationId xmlns:p14="http://schemas.microsoft.com/office/powerpoint/2010/main" val="4117141161"/>
-      </p:ext>
-    </p:extLst>
-  </p:cSld>
-  <p:clrMapOvr>
-    <a:masterClrMapping/>
-  </p:clrMapOvr>
-  <p:timing>
-    <p:tnLst>
-      <p:par>
-        <p:cTn id="1" dur="indefinite" restart="never" nodeType="tmRoot"/>
-      </p:par>
-    </p:tnLst>
-  </p:timing>
-</p:sld>
-</file>
-
-<file path=ppt/slides/slide33.xml><?xml version="1.0" encoding="utf-8"?>
-<p:sld xmlns:a="http://schemas.openxmlformats.org/drawingml/2006/main" xmlns:r="http://schemas.openxmlformats.org/officeDocument/2006/relationships" xmlns:p="http://schemas.openxmlformats.org/presentationml/2006/main">
-  <p:cSld>
-    <p:spTree>
-      <p:nvGrpSpPr>
-        <p:cNvPr id="1" name=""/>
-        <p:cNvGrpSpPr/>
-        <p:nvPr/>
-      </p:nvGrpSpPr>
-      <p:grpSpPr>
-        <a:xfrm>
-          <a:off x="0" y="0"/>
-          <a:ext cx="0" cy="0"/>
-          <a:chOff x="0" y="0"/>
-          <a:chExt cx="0" cy="0"/>
-        </a:xfrm>
-      </p:grpSpPr>
-      <p:sp>
-        <p:nvSpPr>
-          <p:cNvPr id="2" name="1 Título"/>
-          <p:cNvSpPr>
-            <a:spLocks noGrp="1"/>
-          </p:cNvSpPr>
-          <p:nvPr>
-            <p:ph type="title"/>
-          </p:nvPr>
-        </p:nvSpPr>
-        <p:spPr/>
-        <p:txBody>
-          <a:bodyPr/>
-          <a:lstStyle/>
-          <a:p>
-            <a:r>
-              <a:rPr lang="es-ES" dirty="0" smtClean="0"/>
-              <a:t>Ejemplo de casos de uso</a:t>
-            </a:r>
-            <a:endParaRPr lang="es-ES" dirty="0"/>
-          </a:p>
-        </p:txBody>
-      </p:sp>
-      <p:pic>
-        <p:nvPicPr>
-          <p:cNvPr id="4" name="3 Marcador de contenido"/>
-          <p:cNvPicPr>
-            <a:picLocks noGrp="1" noChangeAspect="1"/>
-          </p:cNvPicPr>
-          <p:nvPr>
-            <p:ph sz="quarter" idx="1"/>
-          </p:nvPr>
-        </p:nvPicPr>
-        <p:blipFill>
-          <a:blip r:embed="rId2">
-            <a:extLst>
-              <a:ext uri="{28A0092B-C50C-407E-A947-70E740481C1C}">
-                <a14:useLocalDpi xmlns:a14="http://schemas.microsoft.com/office/drawing/2010/main" val="0"/>
-              </a:ext>
-            </a:extLst>
-          </a:blip>
-          <a:stretch>
-            <a:fillRect/>
-          </a:stretch>
-        </p:blipFill>
-        <p:spPr>
-          <a:xfrm>
-            <a:off x="2057400" y="1295400"/>
-            <a:ext cx="4814129" cy="5032954"/>
-          </a:xfrm>
-        </p:spPr>
-      </p:pic>
-      <p:sp>
-        <p:nvSpPr>
-          <p:cNvPr id="10" name="9 Marcador de número de diapositiva"/>
-          <p:cNvSpPr>
-            <a:spLocks noGrp="1"/>
-          </p:cNvSpPr>
-          <p:nvPr>
-            <p:ph type="sldNum" sz="quarter" idx="12"/>
-          </p:nvPr>
-        </p:nvSpPr>
-        <p:spPr/>
-        <p:txBody>
-          <a:bodyPr/>
-          <a:lstStyle/>
-          <a:p>
-            <a:fld id="{2516FBF6-05D3-4196-BB4D-F73A22954EE3}" type="slidenum">
-              <a:rPr lang="en-US" smtClean="0"/>
-              <a:pPr/>
-              <a:t>33</a:t>
-            </a:fld>
-            <a:endParaRPr lang="en-US"/>
-          </a:p>
-        </p:txBody>
-      </p:sp>
-    </p:spTree>
-    <p:extLst>
-      <p:ext uri="{BB962C8B-B14F-4D97-AF65-F5344CB8AC3E}">
-        <p14:creationId xmlns:p14="http://schemas.microsoft.com/office/powerpoint/2010/main" val="2020707988"/>
-      </p:ext>
-    </p:extLst>
-  </p:cSld>
-  <p:clrMapOvr>
-    <a:masterClrMapping/>
-  </p:clrMapOvr>
-  <p:timing>
-    <p:tnLst>
-      <p:par>
-        <p:cTn id="1" dur="indefinite" restart="never" nodeType="tmRoot"/>
-      </p:par>
-    </p:tnLst>
-  </p:timing>
-</p:sld>
-</file>
-
-<file path=ppt/slides/slide34.xml><?xml version="1.0" encoding="utf-8"?>
-<p:sld xmlns:a="http://schemas.openxmlformats.org/drawingml/2006/main" xmlns:r="http://schemas.openxmlformats.org/officeDocument/2006/relationships" xmlns:p="http://schemas.openxmlformats.org/presentationml/2006/main">
-  <p:cSld>
-    <p:spTree>
-      <p:nvGrpSpPr>
-        <p:cNvPr id="1" name=""/>
-        <p:cNvGrpSpPr/>
-        <p:nvPr/>
-      </p:nvGrpSpPr>
-      <p:grpSpPr>
-        <a:xfrm>
-          <a:off x="0" y="0"/>
-          <a:ext cx="0" cy="0"/>
-          <a:chOff x="0" y="0"/>
-          <a:chExt cx="0" cy="0"/>
-        </a:xfrm>
-      </p:grpSpPr>
-      <p:sp>
-        <p:nvSpPr>
-          <p:cNvPr id="2" name="1 Título"/>
-          <p:cNvSpPr>
-            <a:spLocks noGrp="1"/>
-          </p:cNvSpPr>
-          <p:nvPr>
-            <p:ph type="title"/>
-          </p:nvPr>
-        </p:nvSpPr>
-        <p:spPr/>
-        <p:txBody>
-          <a:bodyPr/>
-          <a:lstStyle/>
-          <a:p>
-            <a:r>
-              <a:rPr lang="es-ES" i="1" dirty="0" smtClean="0"/>
-              <a:t>Feature model</a:t>
-            </a:r>
-            <a:endParaRPr lang="es-ES" i="1" dirty="0"/>
-          </a:p>
-        </p:txBody>
-      </p:sp>
-      <p:sp>
-        <p:nvSpPr>
-          <p:cNvPr id="3" name="2 Marcador de contenido"/>
-          <p:cNvSpPr>
-            <a:spLocks noGrp="1"/>
-          </p:cNvSpPr>
-          <p:nvPr>
-            <p:ph sz="quarter" idx="1"/>
-          </p:nvPr>
-        </p:nvSpPr>
-        <p:spPr>
-          <a:xfrm>
-            <a:off x="301752" y="1527048"/>
-            <a:ext cx="8503920" cy="4873752"/>
-          </a:xfrm>
-        </p:spPr>
-        <p:txBody>
-          <a:bodyPr/>
-          <a:lstStyle/>
-          <a:p>
-            <a:r>
-              <a:rPr lang="es-ES" dirty="0" smtClean="0"/>
-              <a:t>Recoge las características de la LPS y representa las dependencias entre ellas</a:t>
-            </a:r>
-          </a:p>
-          <a:p>
-            <a:pPr marL="0" indent="0">
-              <a:buNone/>
-            </a:pPr>
-            <a:endParaRPr lang="es-ES" dirty="0" smtClean="0"/>
-          </a:p>
-          <a:p>
-            <a:r>
-              <a:rPr lang="es-ES" dirty="0" smtClean="0"/>
-              <a:t>Estereotipos:</a:t>
-            </a:r>
-          </a:p>
-          <a:p>
-            <a:pPr lvl="1"/>
-            <a:r>
-              <a:rPr lang="es-ES" i="1" dirty="0" smtClean="0"/>
-              <a:t>Common feature</a:t>
-            </a:r>
-          </a:p>
-          <a:p>
-            <a:pPr lvl="1"/>
-            <a:r>
-              <a:rPr lang="es-ES" i="1" dirty="0" smtClean="0"/>
-              <a:t>Optional feature</a:t>
-            </a:r>
-          </a:p>
-          <a:p>
-            <a:pPr lvl="1"/>
-            <a:r>
-              <a:rPr lang="es-ES" i="1" dirty="0" smtClean="0"/>
-              <a:t>Alternative feature</a:t>
-            </a:r>
-          </a:p>
-          <a:p>
-            <a:pPr lvl="1"/>
-            <a:r>
-              <a:rPr lang="es-ES" i="1" dirty="0" smtClean="0"/>
-              <a:t>Parameterized feature</a:t>
-            </a:r>
-          </a:p>
-          <a:p>
-            <a:pPr lvl="1"/>
-            <a:r>
-              <a:rPr lang="es-ES" i="1" dirty="0" err="1" smtClean="0"/>
-              <a:t>Prerequisite</a:t>
-            </a:r>
-            <a:r>
-              <a:rPr lang="es-ES" i="1" dirty="0" smtClean="0"/>
-              <a:t> features</a:t>
-            </a:r>
-          </a:p>
-          <a:p>
-            <a:pPr lvl="1"/>
-            <a:r>
-              <a:rPr lang="es-ES" i="1" dirty="0" err="1" smtClean="0"/>
-              <a:t>Mutually</a:t>
-            </a:r>
-            <a:r>
-              <a:rPr lang="es-ES" i="1" dirty="0" smtClean="0"/>
-              <a:t> inclusive features</a:t>
-            </a:r>
-          </a:p>
-          <a:p>
-            <a:pPr lvl="1"/>
-            <a:r>
-              <a:rPr lang="es-ES" i="1" dirty="0" err="1" smtClean="0"/>
-              <a:t>Mutually</a:t>
-            </a:r>
-            <a:r>
-              <a:rPr lang="es-ES" i="1" dirty="0" smtClean="0"/>
-              <a:t> exclusive features</a:t>
-            </a:r>
-          </a:p>
-          <a:p>
-            <a:pPr lvl="1"/>
-            <a:endParaRPr lang="es-ES" i="1" dirty="0"/>
-          </a:p>
-        </p:txBody>
-      </p:sp>
-      <p:sp>
-        <p:nvSpPr>
-          <p:cNvPr id="10" name="9 Marcador de número de diapositiva"/>
-          <p:cNvSpPr>
-            <a:spLocks noGrp="1"/>
-          </p:cNvSpPr>
-          <p:nvPr>
-            <p:ph type="sldNum" sz="quarter" idx="12"/>
-          </p:nvPr>
-        </p:nvSpPr>
-        <p:spPr/>
-        <p:txBody>
-          <a:bodyPr/>
-          <a:lstStyle/>
-          <a:p>
-            <a:fld id="{2516FBF6-05D3-4196-BB4D-F73A22954EE3}" type="slidenum">
-              <a:rPr lang="en-US" smtClean="0"/>
-              <a:pPr/>
-              <a:t>34</a:t>
             </a:fld>
             <a:endParaRPr lang="en-US"/>
           </a:p>
@@ -14441,7 +14111,7 @@
 </p:sld>
 </file>
 
-<file path=ppt/slides/slide35.xml><?xml version="1.0" encoding="utf-8"?>
+<file path=ppt/slides/slide33.xml><?xml version="1.0" encoding="utf-8"?>
 <p:sld xmlns:a="http://schemas.openxmlformats.org/drawingml/2006/main" xmlns:r="http://schemas.openxmlformats.org/officeDocument/2006/relationships" xmlns:p="http://schemas.openxmlformats.org/presentationml/2006/main">
   <p:cSld>
     <p:spTree>
@@ -14596,7 +14266,7 @@
             <a:fld id="{2516FBF6-05D3-4196-BB4D-F73A22954EE3}" type="slidenum">
               <a:rPr lang="en-US" smtClean="0"/>
               <a:pPr/>
-              <a:t>35</a:t>
+              <a:t>33</a:t>
             </a:fld>
             <a:endParaRPr lang="en-US"/>
           </a:p>
@@ -14606,6 +14276,283 @@
     <p:extLst>
       <p:ext uri="{BB962C8B-B14F-4D97-AF65-F5344CB8AC3E}">
         <p14:creationId xmlns:p14="http://schemas.microsoft.com/office/powerpoint/2010/main" val="3049481728"/>
+      </p:ext>
+    </p:extLst>
+  </p:cSld>
+  <p:clrMapOvr>
+    <a:masterClrMapping/>
+  </p:clrMapOvr>
+  <p:timing>
+    <p:tnLst>
+      <p:par>
+        <p:cTn id="1" dur="indefinite" restart="never" nodeType="tmRoot"/>
+      </p:par>
+    </p:tnLst>
+  </p:timing>
+</p:sld>
+</file>
+
+<file path=ppt/slides/slide34.xml><?xml version="1.0" encoding="utf-8"?>
+<p:sld xmlns:a="http://schemas.openxmlformats.org/drawingml/2006/main" xmlns:r="http://schemas.openxmlformats.org/officeDocument/2006/relationships" xmlns:p="http://schemas.openxmlformats.org/presentationml/2006/main">
+  <p:cSld>
+    <p:spTree>
+      <p:nvGrpSpPr>
+        <p:cNvPr id="1" name=""/>
+        <p:cNvGrpSpPr/>
+        <p:nvPr/>
+      </p:nvGrpSpPr>
+      <p:grpSpPr>
+        <a:xfrm>
+          <a:off x="0" y="0"/>
+          <a:ext cx="0" cy="0"/>
+          <a:chOff x="0" y="0"/>
+          <a:chExt cx="0" cy="0"/>
+        </a:xfrm>
+      </p:grpSpPr>
+      <p:sp>
+        <p:nvSpPr>
+          <p:cNvPr id="2" name="1 Título"/>
+          <p:cNvSpPr>
+            <a:spLocks noGrp="1"/>
+          </p:cNvSpPr>
+          <p:nvPr>
+            <p:ph type="title"/>
+          </p:nvPr>
+        </p:nvSpPr>
+        <p:spPr/>
+        <p:txBody>
+          <a:bodyPr/>
+          <a:lstStyle/>
+          <a:p>
+            <a:r>
+              <a:rPr lang="es-ES" dirty="0" smtClean="0"/>
+              <a:t>Feature model</a:t>
+            </a:r>
+            <a:endParaRPr lang="es-ES" dirty="0"/>
+          </a:p>
+        </p:txBody>
+      </p:sp>
+      <p:pic>
+        <p:nvPicPr>
+          <p:cNvPr id="4" name="3 Marcador de contenido"/>
+          <p:cNvPicPr>
+            <a:picLocks noGrp="1" noChangeAspect="1"/>
+          </p:cNvPicPr>
+          <p:nvPr>
+            <p:ph sz="quarter" idx="1"/>
+          </p:nvPr>
+        </p:nvPicPr>
+        <p:blipFill>
+          <a:blip r:embed="rId2">
+            <a:extLst>
+              <a:ext uri="{28A0092B-C50C-407E-A947-70E740481C1C}">
+                <a14:useLocalDpi xmlns:a14="http://schemas.microsoft.com/office/drawing/2010/main" val="0"/>
+              </a:ext>
+            </a:extLst>
+          </a:blip>
+          <a:stretch>
+            <a:fillRect/>
+          </a:stretch>
+        </p:blipFill>
+        <p:spPr>
+          <a:xfrm>
+            <a:off x="990600" y="1600200"/>
+            <a:ext cx="6992497" cy="4754182"/>
+          </a:xfrm>
+        </p:spPr>
+      </p:pic>
+      <p:sp>
+        <p:nvSpPr>
+          <p:cNvPr id="10" name="9 Marcador de número de diapositiva"/>
+          <p:cNvSpPr>
+            <a:spLocks noGrp="1"/>
+          </p:cNvSpPr>
+          <p:nvPr>
+            <p:ph type="sldNum" sz="quarter" idx="12"/>
+          </p:nvPr>
+        </p:nvSpPr>
+        <p:spPr/>
+        <p:txBody>
+          <a:bodyPr/>
+          <a:lstStyle/>
+          <a:p>
+            <a:fld id="{2516FBF6-05D3-4196-BB4D-F73A22954EE3}" type="slidenum">
+              <a:rPr lang="en-US" smtClean="0"/>
+              <a:pPr/>
+              <a:t>34</a:t>
+            </a:fld>
+            <a:endParaRPr lang="en-US"/>
+          </a:p>
+        </p:txBody>
+      </p:sp>
+    </p:spTree>
+    <p:extLst>
+      <p:ext uri="{BB962C8B-B14F-4D97-AF65-F5344CB8AC3E}">
+        <p14:creationId xmlns:p14="http://schemas.microsoft.com/office/powerpoint/2010/main" val="3456602484"/>
+      </p:ext>
+    </p:extLst>
+  </p:cSld>
+  <p:clrMapOvr>
+    <a:masterClrMapping/>
+  </p:clrMapOvr>
+  <p:timing>
+    <p:tnLst>
+      <p:par>
+        <p:cTn id="1" dur="indefinite" restart="never" nodeType="tmRoot"/>
+      </p:par>
+    </p:tnLst>
+  </p:timing>
+</p:sld>
+</file>
+
+<file path=ppt/slides/slide35.xml><?xml version="1.0" encoding="utf-8"?>
+<p:sld xmlns:a="http://schemas.openxmlformats.org/drawingml/2006/main" xmlns:r="http://schemas.openxmlformats.org/officeDocument/2006/relationships" xmlns:p="http://schemas.openxmlformats.org/presentationml/2006/main">
+  <p:cSld>
+    <p:spTree>
+      <p:nvGrpSpPr>
+        <p:cNvPr id="1" name=""/>
+        <p:cNvGrpSpPr/>
+        <p:nvPr/>
+      </p:nvGrpSpPr>
+      <p:grpSpPr>
+        <a:xfrm>
+          <a:off x="0" y="0"/>
+          <a:ext cx="0" cy="0"/>
+          <a:chOff x="0" y="0"/>
+          <a:chExt cx="0" cy="0"/>
+        </a:xfrm>
+      </p:grpSpPr>
+      <p:sp>
+        <p:nvSpPr>
+          <p:cNvPr id="2" name="1 Título"/>
+          <p:cNvSpPr>
+            <a:spLocks noGrp="1"/>
+          </p:cNvSpPr>
+          <p:nvPr>
+            <p:ph type="title"/>
+          </p:nvPr>
+        </p:nvSpPr>
+        <p:spPr/>
+        <p:txBody>
+          <a:bodyPr/>
+          <a:lstStyle/>
+          <a:p>
+            <a:r>
+              <a:rPr lang="es-ES" dirty="0" smtClean="0"/>
+              <a:t>Análisis</a:t>
+            </a:r>
+            <a:endParaRPr lang="es-ES" dirty="0"/>
+          </a:p>
+        </p:txBody>
+      </p:sp>
+      <p:sp>
+        <p:nvSpPr>
+          <p:cNvPr id="3" name="2 Marcador de contenido"/>
+          <p:cNvSpPr>
+            <a:spLocks noGrp="1"/>
+          </p:cNvSpPr>
+          <p:nvPr>
+            <p:ph sz="quarter" idx="1"/>
+          </p:nvPr>
+        </p:nvSpPr>
+        <p:spPr/>
+        <p:txBody>
+          <a:bodyPr/>
+          <a:lstStyle/>
+          <a:p>
+            <a:r>
+              <a:rPr lang="es-ES" dirty="0" smtClean="0"/>
+              <a:t>Modelo estático de la LPS</a:t>
+            </a:r>
+          </a:p>
+          <a:p>
+            <a:pPr lvl="1"/>
+            <a:r>
+              <a:rPr lang="es-ES" dirty="0" smtClean="0"/>
+              <a:t>Diagrama de clases de análisis donde cada clase se estereotipa</a:t>
+            </a:r>
+          </a:p>
+          <a:p>
+            <a:pPr lvl="2"/>
+            <a:r>
+              <a:rPr lang="es-ES" i="1" dirty="0" smtClean="0"/>
+              <a:t>Kernel</a:t>
+            </a:r>
+          </a:p>
+          <a:p>
+            <a:pPr lvl="2"/>
+            <a:r>
+              <a:rPr lang="es-ES" i="1" dirty="0" smtClean="0"/>
+              <a:t>Optional</a:t>
+            </a:r>
+          </a:p>
+          <a:p>
+            <a:pPr lvl="2"/>
+            <a:r>
+              <a:rPr lang="es-ES" i="1" dirty="0" smtClean="0"/>
+              <a:t>Variant</a:t>
+            </a:r>
+            <a:r>
+              <a:rPr lang="es-ES" dirty="0" smtClean="0"/>
+              <a:t> </a:t>
+            </a:r>
+          </a:p>
+          <a:p>
+            <a:pPr marL="594360" lvl="2" indent="0">
+              <a:buNone/>
+            </a:pPr>
+            <a:endParaRPr lang="es-ES" dirty="0"/>
+          </a:p>
+          <a:p>
+            <a:r>
+              <a:rPr lang="es-ES" dirty="0" smtClean="0"/>
+              <a:t>Modelo dinámico de la LPS</a:t>
+            </a:r>
+          </a:p>
+          <a:p>
+            <a:pPr lvl="1"/>
+            <a:r>
+              <a:rPr lang="es-ES" dirty="0" smtClean="0"/>
+              <a:t>Diagramas de colaboración entre objetos</a:t>
+            </a:r>
+          </a:p>
+          <a:p>
+            <a:pPr lvl="1"/>
+            <a:r>
+              <a:rPr lang="es-ES" dirty="0" smtClean="0"/>
+              <a:t>Máquinas de estado</a:t>
+            </a:r>
+          </a:p>
+        </p:txBody>
+      </p:sp>
+      <p:sp>
+        <p:nvSpPr>
+          <p:cNvPr id="10" name="9 Marcador de número de diapositiva"/>
+          <p:cNvSpPr>
+            <a:spLocks noGrp="1"/>
+          </p:cNvSpPr>
+          <p:nvPr>
+            <p:ph type="sldNum" sz="quarter" idx="12"/>
+          </p:nvPr>
+        </p:nvSpPr>
+        <p:spPr/>
+        <p:txBody>
+          <a:bodyPr/>
+          <a:lstStyle/>
+          <a:p>
+            <a:fld id="{2516FBF6-05D3-4196-BB4D-F73A22954EE3}" type="slidenum">
+              <a:rPr lang="en-US" smtClean="0"/>
+              <a:pPr/>
+              <a:t>35</a:t>
+            </a:fld>
+            <a:endParaRPr lang="en-US"/>
+          </a:p>
+        </p:txBody>
+      </p:sp>
+    </p:spTree>
+    <p:extLst>
+      <p:ext uri="{BB962C8B-B14F-4D97-AF65-F5344CB8AC3E}">
+        <p14:creationId xmlns:p14="http://schemas.microsoft.com/office/powerpoint/2010/main" val="638764839"/>
       </p:ext>
     </p:extLst>
   </p:cSld>
@@ -14662,170 +14609,6 @@
           </a:p>
         </p:txBody>
       </p:sp>
-      <p:sp>
-        <p:nvSpPr>
-          <p:cNvPr id="3" name="2 Marcador de contenido"/>
-          <p:cNvSpPr>
-            <a:spLocks noGrp="1"/>
-          </p:cNvSpPr>
-          <p:nvPr>
-            <p:ph sz="quarter" idx="1"/>
-          </p:nvPr>
-        </p:nvSpPr>
-        <p:spPr/>
-        <p:txBody>
-          <a:bodyPr/>
-          <a:lstStyle/>
-          <a:p>
-            <a:r>
-              <a:rPr lang="es-ES" dirty="0" smtClean="0"/>
-              <a:t>Modelo estático de la LPS</a:t>
-            </a:r>
-          </a:p>
-          <a:p>
-            <a:pPr lvl="1"/>
-            <a:r>
-              <a:rPr lang="es-ES" dirty="0" smtClean="0"/>
-              <a:t>Diagrama de clases de análisis donde cada clase se estereotipa</a:t>
-            </a:r>
-          </a:p>
-          <a:p>
-            <a:pPr lvl="2"/>
-            <a:r>
-              <a:rPr lang="es-ES" i="1" dirty="0" smtClean="0"/>
-              <a:t>Kernel</a:t>
-            </a:r>
-          </a:p>
-          <a:p>
-            <a:pPr lvl="2"/>
-            <a:r>
-              <a:rPr lang="es-ES" i="1" dirty="0" smtClean="0"/>
-              <a:t>Optional</a:t>
-            </a:r>
-          </a:p>
-          <a:p>
-            <a:pPr lvl="2"/>
-            <a:r>
-              <a:rPr lang="es-ES" i="1" dirty="0" smtClean="0"/>
-              <a:t>Variant</a:t>
-            </a:r>
-            <a:r>
-              <a:rPr lang="es-ES" dirty="0" smtClean="0"/>
-              <a:t> </a:t>
-            </a:r>
-          </a:p>
-          <a:p>
-            <a:pPr marL="594360" lvl="2" indent="0">
-              <a:buNone/>
-            </a:pPr>
-            <a:endParaRPr lang="es-ES" dirty="0"/>
-          </a:p>
-          <a:p>
-            <a:r>
-              <a:rPr lang="es-ES" dirty="0" smtClean="0"/>
-              <a:t>Modelo dinámico de la LPS</a:t>
-            </a:r>
-          </a:p>
-          <a:p>
-            <a:pPr lvl="1"/>
-            <a:r>
-              <a:rPr lang="es-ES" dirty="0" smtClean="0"/>
-              <a:t>Diagramas de colaboración entre objetos</a:t>
-            </a:r>
-          </a:p>
-          <a:p>
-            <a:pPr lvl="1"/>
-            <a:r>
-              <a:rPr lang="es-ES" dirty="0" smtClean="0"/>
-              <a:t>Máquinas de estado</a:t>
-            </a:r>
-          </a:p>
-        </p:txBody>
-      </p:sp>
-      <p:sp>
-        <p:nvSpPr>
-          <p:cNvPr id="10" name="9 Marcador de número de diapositiva"/>
-          <p:cNvSpPr>
-            <a:spLocks noGrp="1"/>
-          </p:cNvSpPr>
-          <p:nvPr>
-            <p:ph type="sldNum" sz="quarter" idx="12"/>
-          </p:nvPr>
-        </p:nvSpPr>
-        <p:spPr/>
-        <p:txBody>
-          <a:bodyPr/>
-          <a:lstStyle/>
-          <a:p>
-            <a:fld id="{2516FBF6-05D3-4196-BB4D-F73A22954EE3}" type="slidenum">
-              <a:rPr lang="en-US" smtClean="0"/>
-              <a:pPr/>
-              <a:t>36</a:t>
-            </a:fld>
-            <a:endParaRPr lang="en-US"/>
-          </a:p>
-        </p:txBody>
-      </p:sp>
-    </p:spTree>
-    <p:extLst>
-      <p:ext uri="{BB962C8B-B14F-4D97-AF65-F5344CB8AC3E}">
-        <p14:creationId xmlns:p14="http://schemas.microsoft.com/office/powerpoint/2010/main" val="638764839"/>
-      </p:ext>
-    </p:extLst>
-  </p:cSld>
-  <p:clrMapOvr>
-    <a:masterClrMapping/>
-  </p:clrMapOvr>
-  <p:timing>
-    <p:tnLst>
-      <p:par>
-        <p:cTn id="1" dur="indefinite" restart="never" nodeType="tmRoot"/>
-      </p:par>
-    </p:tnLst>
-  </p:timing>
-</p:sld>
-</file>
-
-<file path=ppt/slides/slide37.xml><?xml version="1.0" encoding="utf-8"?>
-<p:sld xmlns:a="http://schemas.openxmlformats.org/drawingml/2006/main" xmlns:r="http://schemas.openxmlformats.org/officeDocument/2006/relationships" xmlns:p="http://schemas.openxmlformats.org/presentationml/2006/main">
-  <p:cSld>
-    <p:spTree>
-      <p:nvGrpSpPr>
-        <p:cNvPr id="1" name=""/>
-        <p:cNvGrpSpPr/>
-        <p:nvPr/>
-      </p:nvGrpSpPr>
-      <p:grpSpPr>
-        <a:xfrm>
-          <a:off x="0" y="0"/>
-          <a:ext cx="0" cy="0"/>
-          <a:chOff x="0" y="0"/>
-          <a:chExt cx="0" cy="0"/>
-        </a:xfrm>
-      </p:grpSpPr>
-      <p:sp>
-        <p:nvSpPr>
-          <p:cNvPr id="2" name="1 Título"/>
-          <p:cNvSpPr>
-            <a:spLocks noGrp="1"/>
-          </p:cNvSpPr>
-          <p:nvPr>
-            <p:ph type="title"/>
-          </p:nvPr>
-        </p:nvSpPr>
-        <p:spPr/>
-        <p:txBody>
-          <a:bodyPr/>
-          <a:lstStyle/>
-          <a:p>
-            <a:r>
-              <a:rPr lang="es-ES" dirty="0" smtClean="0"/>
-              <a:t>Análisis</a:t>
-            </a:r>
-            <a:endParaRPr lang="es-ES" dirty="0"/>
-          </a:p>
-        </p:txBody>
-      </p:sp>
       <p:pic>
         <p:nvPicPr>
           <p:cNvPr id="4" name="3 Marcador de contenido"/>
@@ -14873,7 +14656,7 @@
             <a:fld id="{2516FBF6-05D3-4196-BB4D-F73A22954EE3}" type="slidenum">
               <a:rPr lang="en-US" smtClean="0"/>
               <a:pPr/>
-              <a:t>37</a:t>
+              <a:t>36</a:t>
             </a:fld>
             <a:endParaRPr lang="en-US"/>
           </a:p>
@@ -14899,7 +14682,7 @@
 </p:sld>
 </file>
 
-<file path=ppt/slides/slide38.xml><?xml version="1.0" encoding="utf-8"?>
+<file path=ppt/slides/slide37.xml><?xml version="1.0" encoding="utf-8"?>
 <p:sld xmlns:a="http://schemas.openxmlformats.org/drawingml/2006/main" xmlns:r="http://schemas.openxmlformats.org/officeDocument/2006/relationships" xmlns:p="http://schemas.openxmlformats.org/presentationml/2006/main">
   <p:cSld>
     <p:spTree>
@@ -15067,7 +14850,7 @@
             <a:fld id="{2516FBF6-05D3-4196-BB4D-F73A22954EE3}" type="slidenum">
               <a:rPr lang="en-US" smtClean="0"/>
               <a:pPr/>
-              <a:t>38</a:t>
+              <a:t>37</a:t>
             </a:fld>
             <a:endParaRPr lang="en-US"/>
           </a:p>
@@ -15077,6 +14860,97 @@
     <p:extLst>
       <p:ext uri="{BB962C8B-B14F-4D97-AF65-F5344CB8AC3E}">
         <p14:creationId xmlns:p14="http://schemas.microsoft.com/office/powerpoint/2010/main" val="1201731176"/>
+      </p:ext>
+    </p:extLst>
+  </p:cSld>
+  <p:clrMapOvr>
+    <a:masterClrMapping/>
+  </p:clrMapOvr>
+  <p:timing>
+    <p:tnLst>
+      <p:par>
+        <p:cTn id="1" dur="indefinite" restart="never" nodeType="tmRoot"/>
+      </p:par>
+    </p:tnLst>
+  </p:timing>
+</p:sld>
+</file>
+
+<file path=ppt/slides/slide38.xml><?xml version="1.0" encoding="utf-8"?>
+<p:sld xmlns:a="http://schemas.openxmlformats.org/drawingml/2006/main" xmlns:r="http://schemas.openxmlformats.org/officeDocument/2006/relationships" xmlns:p="http://schemas.openxmlformats.org/presentationml/2006/main">
+  <p:cSld>
+    <p:spTree>
+      <p:nvGrpSpPr>
+        <p:cNvPr id="1" name=""/>
+        <p:cNvGrpSpPr/>
+        <p:nvPr/>
+      </p:nvGrpSpPr>
+      <p:grpSpPr>
+        <a:xfrm>
+          <a:off x="0" y="0"/>
+          <a:ext cx="0" cy="0"/>
+          <a:chOff x="0" y="0"/>
+          <a:chExt cx="0" cy="0"/>
+        </a:xfrm>
+      </p:grpSpPr>
+      <p:sp>
+        <p:nvSpPr>
+          <p:cNvPr id="3" name="2 Marcador de número de diapositiva"/>
+          <p:cNvSpPr>
+            <a:spLocks noGrp="1"/>
+          </p:cNvSpPr>
+          <p:nvPr>
+            <p:ph type="sldNum" sz="quarter" idx="12"/>
+          </p:nvPr>
+        </p:nvSpPr>
+        <p:spPr/>
+        <p:txBody>
+          <a:bodyPr/>
+          <a:lstStyle/>
+          <a:p>
+            <a:fld id="{2516FBF6-05D3-4196-BB4D-F73A22954EE3}" type="slidenum">
+              <a:rPr lang="en-US" smtClean="0"/>
+              <a:pPr/>
+              <a:t>38</a:t>
+            </a:fld>
+            <a:endParaRPr lang="en-US"/>
+          </a:p>
+        </p:txBody>
+      </p:sp>
+      <p:pic>
+        <p:nvPicPr>
+          <p:cNvPr id="7" name="4 Marcador de contenido"/>
+          <p:cNvPicPr>
+            <a:picLocks noChangeAspect="1"/>
+          </p:cNvPicPr>
+          <p:nvPr/>
+        </p:nvPicPr>
+        <p:blipFill>
+          <a:blip r:embed="rId2">
+            <a:extLst>
+              <a:ext uri="{28A0092B-C50C-407E-A947-70E740481C1C}">
+                <a14:useLocalDpi xmlns:a14="http://schemas.microsoft.com/office/drawing/2010/main" val="0"/>
+              </a:ext>
+            </a:extLst>
+          </a:blip>
+          <a:stretch>
+            <a:fillRect/>
+          </a:stretch>
+        </p:blipFill>
+        <p:spPr>
+          <a:xfrm>
+            <a:off x="152400" y="152400"/>
+            <a:ext cx="8840863" cy="6553200"/>
+          </a:xfrm>
+          <a:prstGeom prst="rect">
+            <a:avLst/>
+          </a:prstGeom>
+        </p:spPr>
+      </p:pic>
+    </p:spTree>
+    <p:extLst>
+      <p:ext uri="{BB962C8B-B14F-4D97-AF65-F5344CB8AC3E}">
+        <p14:creationId xmlns:p14="http://schemas.microsoft.com/office/powerpoint/2010/main" val="581533977"/>
       </p:ext>
     </p:extLst>
   </p:cSld>
@@ -15127,15 +15001,39 @@
           <a:p>
             <a:r>
               <a:rPr lang="es-ES" dirty="0" smtClean="0"/>
-              <a:t>Diseño</a:t>
+              <a:t>Componentes</a:t>
             </a:r>
             <a:endParaRPr lang="es-ES" dirty="0"/>
+          </a:p>
+        </p:txBody>
+      </p:sp>
+      <p:sp>
+        <p:nvSpPr>
+          <p:cNvPr id="3" name="2 Marcador de número de diapositiva"/>
+          <p:cNvSpPr>
+            <a:spLocks noGrp="1"/>
+          </p:cNvSpPr>
+          <p:nvPr>
+            <p:ph type="sldNum" sz="quarter" idx="12"/>
+          </p:nvPr>
+        </p:nvSpPr>
+        <p:spPr/>
+        <p:txBody>
+          <a:bodyPr/>
+          <a:lstStyle/>
+          <a:p>
+            <a:fld id="{2516FBF6-05D3-4196-BB4D-F73A22954EE3}" type="slidenum">
+              <a:rPr lang="en-US" smtClean="0"/>
+              <a:pPr/>
+              <a:t>39</a:t>
+            </a:fld>
+            <a:endParaRPr lang="en-US"/>
           </a:p>
         </p:txBody>
       </p:sp>
       <p:pic>
         <p:nvPicPr>
-          <p:cNvPr id="4" name="3 Marcador de contenido"/>
+          <p:cNvPr id="9" name="8 Marcador de contenido"/>
           <p:cNvPicPr>
             <a:picLocks noGrp="1" noChangeAspect="1"/>
           </p:cNvPicPr>
@@ -15157,39 +15055,15 @@
         </p:blipFill>
         <p:spPr>
           <a:xfrm>
-            <a:off x="301625" y="2109127"/>
-            <a:ext cx="8504238" cy="3408095"/>
+            <a:off x="1447800" y="1524000"/>
+            <a:ext cx="6359983" cy="5178426"/>
           </a:xfrm>
         </p:spPr>
       </p:pic>
-      <p:sp>
-        <p:nvSpPr>
-          <p:cNvPr id="10" name="9 Marcador de número de diapositiva"/>
-          <p:cNvSpPr>
-            <a:spLocks noGrp="1"/>
-          </p:cNvSpPr>
-          <p:nvPr>
-            <p:ph type="sldNum" sz="quarter" idx="12"/>
-          </p:nvPr>
-        </p:nvSpPr>
-        <p:spPr/>
-        <p:txBody>
-          <a:bodyPr/>
-          <a:lstStyle/>
-          <a:p>
-            <a:fld id="{2516FBF6-05D3-4196-BB4D-F73A22954EE3}" type="slidenum">
-              <a:rPr lang="en-US" smtClean="0"/>
-              <a:pPr/>
-              <a:t>39</a:t>
-            </a:fld>
-            <a:endParaRPr lang="en-US"/>
-          </a:p>
-        </p:txBody>
-      </p:sp>
     </p:spTree>
     <p:extLst>
       <p:ext uri="{BB962C8B-B14F-4D97-AF65-F5344CB8AC3E}">
-        <p14:creationId xmlns:p14="http://schemas.microsoft.com/office/powerpoint/2010/main" val="2032923774"/>
+        <p14:creationId xmlns:p14="http://schemas.microsoft.com/office/powerpoint/2010/main" val="1216948681"/>
       </p:ext>
     </p:extLst>
   </p:cSld>
@@ -15405,7 +15279,7 @@
           <a:p>
             <a:r>
               <a:rPr lang="es-ES" dirty="0" smtClean="0"/>
-              <a:t>Implementación y pruebas</a:t>
+              <a:t>Componentes</a:t>
             </a:r>
             <a:endParaRPr lang="es-ES" dirty="0"/>
           </a:p>
@@ -15413,75 +15287,7 @@
       </p:sp>
       <p:sp>
         <p:nvSpPr>
-          <p:cNvPr id="3" name="2 Marcador de contenido"/>
-          <p:cNvSpPr>
-            <a:spLocks noGrp="1"/>
-          </p:cNvSpPr>
-          <p:nvPr>
-            <p:ph sz="quarter" idx="1"/>
-          </p:nvPr>
-        </p:nvSpPr>
-        <p:spPr/>
-        <p:txBody>
-          <a:bodyPr/>
-          <a:lstStyle/>
-          <a:p>
-            <a:r>
-              <a:rPr lang="es-ES" dirty="0" smtClean="0"/>
-              <a:t>Implementación</a:t>
-            </a:r>
-          </a:p>
-          <a:p>
-            <a:pPr lvl="1"/>
-            <a:r>
-              <a:rPr lang="es-ES" dirty="0" smtClean="0"/>
-              <a:t>Se selecciona un subconjunto de la línea para ser implementado en cada incremento</a:t>
-            </a:r>
-          </a:p>
-          <a:p>
-            <a:pPr lvl="1"/>
-            <a:r>
-              <a:rPr lang="es-ES" dirty="0" smtClean="0"/>
-              <a:t>Se comienza con los casos de uso </a:t>
-            </a:r>
-            <a:r>
-              <a:rPr lang="es-ES" i="1" dirty="0" smtClean="0"/>
-              <a:t>kernel</a:t>
-            </a:r>
-            <a:endParaRPr lang="es-ES" dirty="0" smtClean="0"/>
-          </a:p>
-          <a:p>
-            <a:pPr marL="274320" lvl="1" indent="0">
-              <a:buNone/>
-            </a:pPr>
-            <a:endParaRPr lang="es-ES" dirty="0"/>
-          </a:p>
-          <a:p>
-            <a:r>
-              <a:rPr lang="es-ES" dirty="0" smtClean="0"/>
-              <a:t>Pruebas</a:t>
-            </a:r>
-          </a:p>
-          <a:p>
-            <a:pPr lvl="1"/>
-            <a:r>
-              <a:rPr lang="es-ES" dirty="0" smtClean="0"/>
-              <a:t>Pruebas unitarias</a:t>
-            </a:r>
-          </a:p>
-          <a:p>
-            <a:pPr lvl="1"/>
-            <a:r>
-              <a:rPr lang="es-ES" dirty="0" smtClean="0"/>
-              <a:t>Prueba de integración</a:t>
-            </a:r>
-            <a:endParaRPr lang="es-ES" dirty="0"/>
-          </a:p>
-        </p:txBody>
-      </p:sp>
-      <p:sp>
-        <p:nvSpPr>
-          <p:cNvPr id="10" name="9 Marcador de número de diapositiva"/>
+          <p:cNvPr id="3" name="2 Marcador de número de diapositiva"/>
           <p:cNvSpPr>
             <a:spLocks noGrp="1"/>
           </p:cNvSpPr>
@@ -15503,10 +15309,39 @@
           </a:p>
         </p:txBody>
       </p:sp>
+      <p:pic>
+        <p:nvPicPr>
+          <p:cNvPr id="5" name="4 Marcador de contenido"/>
+          <p:cNvPicPr>
+            <a:picLocks noGrp="1" noChangeAspect="1"/>
+          </p:cNvPicPr>
+          <p:nvPr>
+            <p:ph sz="quarter" idx="1"/>
+          </p:nvPr>
+        </p:nvPicPr>
+        <p:blipFill>
+          <a:blip r:embed="rId2">
+            <a:extLst>
+              <a:ext uri="{28A0092B-C50C-407E-A947-70E740481C1C}">
+                <a14:useLocalDpi xmlns:a14="http://schemas.microsoft.com/office/drawing/2010/main" val="0"/>
+              </a:ext>
+            </a:extLst>
+          </a:blip>
+          <a:stretch>
+            <a:fillRect/>
+          </a:stretch>
+        </p:blipFill>
+        <p:spPr>
+          <a:xfrm>
+            <a:off x="301625" y="1824836"/>
+            <a:ext cx="8504238" cy="3976678"/>
+          </a:xfrm>
+        </p:spPr>
+      </p:pic>
     </p:spTree>
     <p:extLst>
       <p:ext uri="{BB962C8B-B14F-4D97-AF65-F5344CB8AC3E}">
-        <p14:creationId xmlns:p14="http://schemas.microsoft.com/office/powerpoint/2010/main" val="3960668368"/>
+        <p14:creationId xmlns:p14="http://schemas.microsoft.com/office/powerpoint/2010/main" val="1527481225"/>
       </p:ext>
     </p:extLst>
   </p:cSld>
@@ -15557,7 +15392,7 @@
           <a:p>
             <a:r>
               <a:rPr lang="es-ES" dirty="0" smtClean="0"/>
-              <a:t>Ingeniería de dominio</a:t>
+              <a:t>Integración de componentes</a:t>
             </a:r>
             <a:endParaRPr lang="es-ES" dirty="0"/>
           </a:p>
@@ -15565,135 +15400,7 @@
       </p:sp>
       <p:sp>
         <p:nvSpPr>
-          <p:cNvPr id="3" name="2 Marcador de contenido"/>
-          <p:cNvSpPr>
-            <a:spLocks noGrp="1"/>
-          </p:cNvSpPr>
-          <p:nvPr>
-            <p:ph sz="quarter" idx="1"/>
-          </p:nvPr>
-        </p:nvSpPr>
-        <p:spPr>
-          <a:xfrm>
-            <a:off x="301752" y="1527048"/>
-            <a:ext cx="8503920" cy="5178552"/>
-          </a:xfrm>
-        </p:spPr>
-        <p:txBody>
-          <a:bodyPr>
-            <a:normAutofit lnSpcReduction="10000"/>
-          </a:bodyPr>
-          <a:lstStyle/>
-          <a:p>
-            <a:r>
-              <a:rPr lang="es-ES" dirty="0" smtClean="0"/>
-              <a:t>Inicio</a:t>
-            </a:r>
-          </a:p>
-          <a:p>
-            <a:pPr lvl="1"/>
-            <a:r>
-              <a:rPr lang="es-ES" dirty="0" smtClean="0"/>
-              <a:t>Estudio de viabilidad, tamaño, alcance, productos potenciales</a:t>
-            </a:r>
-          </a:p>
-          <a:p>
-            <a:r>
-              <a:rPr lang="es-ES" dirty="0" smtClean="0"/>
-              <a:t>Elaboración</a:t>
-            </a:r>
-          </a:p>
-          <a:p>
-            <a:pPr lvl="1"/>
-            <a:r>
-              <a:rPr lang="es-ES" dirty="0" smtClean="0"/>
-              <a:t>Kernel </a:t>
-            </a:r>
-            <a:r>
-              <a:rPr lang="es-ES" dirty="0" err="1" smtClean="0"/>
-              <a:t>first</a:t>
-            </a:r>
-            <a:endParaRPr lang="es-ES" dirty="0" smtClean="0"/>
-          </a:p>
-          <a:p>
-            <a:pPr lvl="1"/>
-            <a:r>
-              <a:rPr lang="es-ES" dirty="0" smtClean="0"/>
-              <a:t>Product </a:t>
-            </a:r>
-            <a:r>
-              <a:rPr lang="es-ES" dirty="0" err="1" smtClean="0"/>
-              <a:t>Evolution</a:t>
-            </a:r>
-            <a:endParaRPr lang="es-ES" dirty="0" smtClean="0"/>
-          </a:p>
-          <a:p>
-            <a:r>
-              <a:rPr lang="es-ES" dirty="0" smtClean="0"/>
-              <a:t>Construcción</a:t>
-            </a:r>
-          </a:p>
-          <a:p>
-            <a:pPr lvl="1"/>
-            <a:r>
-              <a:rPr lang="es-ES" dirty="0" smtClean="0"/>
-              <a:t>Implementación de los componentes </a:t>
-            </a:r>
-            <a:r>
-              <a:rPr lang="es-ES" i="1" dirty="0" smtClean="0"/>
-              <a:t>kernel</a:t>
-            </a:r>
-            <a:endParaRPr lang="es-ES" dirty="0" smtClean="0"/>
-          </a:p>
-          <a:p>
-            <a:r>
-              <a:rPr lang="es-ES" dirty="0" smtClean="0"/>
-              <a:t>Transición</a:t>
-            </a:r>
-          </a:p>
-          <a:p>
-            <a:pPr lvl="1"/>
-            <a:r>
-              <a:rPr lang="es-ES" dirty="0" smtClean="0"/>
-              <a:t>Pruebas funcionales y de integración de los componentes </a:t>
-            </a:r>
-            <a:r>
-              <a:rPr lang="es-ES" i="1" dirty="0" smtClean="0"/>
-              <a:t>kernel</a:t>
-            </a:r>
-            <a:endParaRPr lang="es-ES" dirty="0" smtClean="0"/>
-          </a:p>
-          <a:p>
-            <a:r>
-              <a:rPr lang="es-ES" dirty="0" smtClean="0"/>
-              <a:t>Iteraciones adicionales</a:t>
-            </a:r>
-          </a:p>
-          <a:p>
-            <a:pPr lvl="1"/>
-            <a:r>
-              <a:rPr lang="es-ES" dirty="0" smtClean="0"/>
-              <a:t>Desarrollo de casos de uso </a:t>
-            </a:r>
-            <a:r>
-              <a:rPr lang="es-ES" i="1" dirty="0" smtClean="0"/>
-              <a:t>optional </a:t>
-            </a:r>
-            <a:r>
-              <a:rPr lang="es-ES" dirty="0" smtClean="0"/>
-              <a:t>y </a:t>
-            </a:r>
-            <a:r>
-              <a:rPr lang="es-ES" i="1" dirty="0" smtClean="0"/>
-              <a:t>alternative</a:t>
-            </a:r>
-            <a:endParaRPr lang="es-ES" dirty="0"/>
-          </a:p>
-        </p:txBody>
-      </p:sp>
-      <p:sp>
-        <p:nvSpPr>
-          <p:cNvPr id="10" name="9 Marcador de número de diapositiva"/>
+          <p:cNvPr id="3" name="2 Marcador de número de diapositiva"/>
           <p:cNvSpPr>
             <a:spLocks noGrp="1"/>
           </p:cNvSpPr>
@@ -15715,10 +15422,39 @@
           </a:p>
         </p:txBody>
       </p:sp>
+      <p:pic>
+        <p:nvPicPr>
+          <p:cNvPr id="5" name="4 Marcador de contenido"/>
+          <p:cNvPicPr>
+            <a:picLocks noGrp="1" noChangeAspect="1"/>
+          </p:cNvPicPr>
+          <p:nvPr>
+            <p:ph sz="quarter" idx="1"/>
+          </p:nvPr>
+        </p:nvPicPr>
+        <p:blipFill>
+          <a:blip r:embed="rId2">
+            <a:extLst>
+              <a:ext uri="{28A0092B-C50C-407E-A947-70E740481C1C}">
+                <a14:useLocalDpi xmlns:a14="http://schemas.microsoft.com/office/drawing/2010/main" val="0"/>
+              </a:ext>
+            </a:extLst>
+          </a:blip>
+          <a:stretch>
+            <a:fillRect/>
+          </a:stretch>
+        </p:blipFill>
+        <p:spPr>
+          <a:xfrm>
+            <a:off x="1066800" y="1447800"/>
+            <a:ext cx="7045688" cy="4953000"/>
+          </a:xfrm>
+        </p:spPr>
+      </p:pic>
     </p:spTree>
     <p:extLst>
       <p:ext uri="{BB962C8B-B14F-4D97-AF65-F5344CB8AC3E}">
-        <p14:creationId xmlns:p14="http://schemas.microsoft.com/office/powerpoint/2010/main" val="1125066522"/>
+        <p14:creationId xmlns:p14="http://schemas.microsoft.com/office/powerpoint/2010/main" val="679283753"/>
       </p:ext>
     </p:extLst>
   </p:cSld>
@@ -15769,7 +15505,7 @@
           <a:p>
             <a:r>
               <a:rPr lang="es-ES" dirty="0" smtClean="0"/>
-              <a:t>Ingeniería de Producto</a:t>
+              <a:t>Implementación y pruebas</a:t>
             </a:r>
             <a:endParaRPr lang="es-ES" dirty="0"/>
           </a:p>
@@ -15792,61 +15528,54 @@
           <a:p>
             <a:r>
               <a:rPr lang="es-ES" dirty="0" smtClean="0"/>
-              <a:t>Inicio</a:t>
+              <a:t>Implementación</a:t>
             </a:r>
           </a:p>
           <a:p>
             <a:pPr lvl="1"/>
             <a:r>
               <a:rPr lang="es-ES" dirty="0" smtClean="0"/>
-              <a:t>Análisis de los requisitos del producto a desarrollar</a:t>
-            </a:r>
-          </a:p>
-          <a:p>
+              <a:t>Se selecciona un subconjunto de la línea para ser implementado en cada incremento</a:t>
+            </a:r>
+          </a:p>
+          <a:p>
+            <a:pPr lvl="1"/>
             <a:r>
               <a:rPr lang="es-ES" dirty="0" smtClean="0"/>
-              <a:t>Elaboración</a:t>
+              <a:t>Se comienza con los casos de uso </a:t>
+            </a:r>
+            <a:r>
+              <a:rPr lang="es-ES" i="1" dirty="0" smtClean="0"/>
+              <a:t>kernel</a:t>
+            </a:r>
+            <a:endParaRPr lang="es-ES" dirty="0" smtClean="0"/>
+          </a:p>
+          <a:p>
+            <a:pPr marL="274320" lvl="1" indent="0">
+              <a:buNone/>
+            </a:pPr>
+            <a:endParaRPr lang="es-ES" dirty="0"/>
+          </a:p>
+          <a:p>
+            <a:r>
+              <a:rPr lang="es-ES" dirty="0" smtClean="0"/>
+              <a:t>Pruebas</a:t>
             </a:r>
           </a:p>
           <a:p>
             <a:pPr lvl="1"/>
             <a:r>
               <a:rPr lang="es-ES" dirty="0" smtClean="0"/>
-              <a:t>Evolución</a:t>
+              <a:t>Pruebas unitarias</a:t>
             </a:r>
           </a:p>
           <a:p>
             <a:pPr lvl="1"/>
             <a:r>
               <a:rPr lang="es-ES" dirty="0" smtClean="0"/>
-              <a:t>Adaptación</a:t>
-            </a:r>
-          </a:p>
-          <a:p>
-            <a:r>
-              <a:rPr lang="es-ES" dirty="0" smtClean="0"/>
-              <a:t>Construcción</a:t>
-            </a:r>
-          </a:p>
-          <a:p>
-            <a:pPr lvl="1"/>
-            <a:r>
-              <a:rPr lang="es-ES" dirty="0" smtClean="0"/>
-              <a:t>Selección de los componentes necesario del repositorio</a:t>
-            </a:r>
-          </a:p>
-          <a:p>
-            <a:r>
-              <a:rPr lang="es-ES" dirty="0" smtClean="0"/>
-              <a:t>Transición</a:t>
-            </a:r>
-          </a:p>
-          <a:p>
-            <a:pPr lvl="1"/>
-            <a:r>
-              <a:rPr lang="es-ES" dirty="0" smtClean="0"/>
-              <a:t>Pruebas intensivas sobre el nuevo producto</a:t>
-            </a:r>
+              <a:t>Prueba de integración</a:t>
+            </a:r>
+            <a:endParaRPr lang="es-ES" dirty="0"/>
           </a:p>
         </p:txBody>
       </p:sp>
@@ -15877,7 +15606,7 @@
     </p:spTree>
     <p:extLst>
       <p:ext uri="{BB962C8B-B14F-4D97-AF65-F5344CB8AC3E}">
-        <p14:creationId xmlns:p14="http://schemas.microsoft.com/office/powerpoint/2010/main" val="778587730"/>
+        <p14:creationId xmlns:p14="http://schemas.microsoft.com/office/powerpoint/2010/main" val="3960668368"/>
       </p:ext>
     </p:extLst>
   </p:cSld>
@@ -15913,227 +15642,152 @@
       </p:grpSpPr>
       <p:sp>
         <p:nvSpPr>
-          <p:cNvPr id="2" name="Text Placeholder 1"/>
-          <p:cNvSpPr>
-            <a:spLocks noGrp="1"/>
-          </p:cNvSpPr>
-          <p:nvPr>
-            <p:ph type="body" idx="1"/>
+          <p:cNvPr id="2" name="1 Título"/>
+          <p:cNvSpPr>
+            <a:spLocks noGrp="1"/>
+          </p:cNvSpPr>
+          <p:nvPr>
+            <p:ph type="title"/>
+          </p:nvPr>
+        </p:nvSpPr>
+        <p:spPr/>
+        <p:txBody>
+          <a:bodyPr/>
+          <a:lstStyle/>
+          <a:p>
+            <a:r>
+              <a:rPr lang="es-ES" dirty="0" smtClean="0"/>
+              <a:t>Ingeniería de dominio</a:t>
+            </a:r>
+            <a:endParaRPr lang="es-ES" dirty="0"/>
+          </a:p>
+        </p:txBody>
+      </p:sp>
+      <p:sp>
+        <p:nvSpPr>
+          <p:cNvPr id="3" name="2 Marcador de contenido"/>
+          <p:cNvSpPr>
+            <a:spLocks noGrp="1"/>
+          </p:cNvSpPr>
+          <p:nvPr>
+            <p:ph sz="quarter" idx="1"/>
           </p:nvPr>
         </p:nvSpPr>
         <p:spPr>
           <a:xfrm>
-            <a:off x="381000" y="2438400"/>
-            <a:ext cx="7467600" cy="3962400"/>
+            <a:off x="301752" y="1527048"/>
+            <a:ext cx="8503920" cy="5178552"/>
           </a:xfrm>
         </p:spPr>
         <p:txBody>
-          <a:bodyPr anchor="ctr">
-            <a:normAutofit fontScale="85000" lnSpcReduction="10000"/>
+          <a:bodyPr>
+            <a:normAutofit lnSpcReduction="10000"/>
           </a:bodyPr>
           <a:lstStyle/>
           <a:p>
-            <a:pPr marL="342900" indent="-342900" algn="l">
-              <a:lnSpc>
-                <a:spcPct val="200000"/>
-              </a:lnSpc>
-              <a:buFont typeface="+mj-lt"/>
-              <a:buAutoNum type="arabicPeriod"/>
-            </a:pPr>
-            <a:r>
-              <a:rPr lang="en-US" sz="2400" cap="none" dirty="0" err="1" smtClean="0">
-                <a:solidFill>
-                  <a:schemeClr val="bg1">
-                    <a:lumMod val="75000"/>
-                  </a:schemeClr>
-                </a:solidFill>
-              </a:rPr>
-              <a:t>Introducción</a:t>
-            </a:r>
-            <a:endParaRPr lang="en-US" sz="2400" cap="none" dirty="0" smtClean="0">
-              <a:solidFill>
-                <a:schemeClr val="bg1">
-                  <a:lumMod val="75000"/>
-                </a:schemeClr>
-              </a:solidFill>
-            </a:endParaRPr>
-          </a:p>
-          <a:p>
-            <a:pPr marL="342900" indent="-342900" algn="l">
-              <a:lnSpc>
-                <a:spcPct val="200000"/>
-              </a:lnSpc>
-              <a:buFont typeface="+mj-lt"/>
-              <a:buAutoNum type="arabicPeriod"/>
-            </a:pPr>
-            <a:r>
-              <a:rPr lang="en-US" sz="2400" cap="none" dirty="0" err="1" smtClean="0">
-                <a:solidFill>
-                  <a:schemeClr val="bg1">
-                    <a:lumMod val="75000"/>
-                  </a:schemeClr>
-                </a:solidFill>
-              </a:rPr>
-              <a:t>Líneas</a:t>
-            </a:r>
-            <a:r>
-              <a:rPr lang="en-US" sz="2400" cap="none" dirty="0" smtClean="0">
-                <a:solidFill>
-                  <a:schemeClr val="bg1">
-                    <a:lumMod val="75000"/>
-                  </a:schemeClr>
-                </a:solidFill>
-              </a:rPr>
-              <a:t> de </a:t>
-            </a:r>
-            <a:r>
-              <a:rPr lang="en-US" sz="2400" cap="none" dirty="0" err="1" smtClean="0">
-                <a:solidFill>
-                  <a:schemeClr val="bg1">
-                    <a:lumMod val="75000"/>
-                  </a:schemeClr>
-                </a:solidFill>
-              </a:rPr>
-              <a:t>Productos</a:t>
-            </a:r>
-            <a:r>
-              <a:rPr lang="en-US" sz="2400" cap="none" dirty="0" smtClean="0">
-                <a:solidFill>
-                  <a:schemeClr val="bg1">
-                    <a:lumMod val="75000"/>
-                  </a:schemeClr>
-                </a:solidFill>
-              </a:rPr>
-              <a:t> Software</a:t>
-            </a:r>
-          </a:p>
-          <a:p>
-            <a:pPr marL="342900" indent="-342900" algn="l">
-              <a:lnSpc>
-                <a:spcPct val="200000"/>
-              </a:lnSpc>
-              <a:buFont typeface="+mj-lt"/>
-              <a:buAutoNum type="arabicPeriod"/>
-            </a:pPr>
-            <a:r>
-              <a:rPr lang="en-US" sz="2400" cap="none" dirty="0" err="1" smtClean="0">
-                <a:solidFill>
-                  <a:schemeClr val="bg1">
-                    <a:lumMod val="75000"/>
-                  </a:schemeClr>
-                </a:solidFill>
-              </a:rPr>
-              <a:t>Metodología</a:t>
-            </a:r>
-            <a:r>
-              <a:rPr lang="en-US" sz="2400" cap="none" dirty="0" smtClean="0">
-                <a:solidFill>
-                  <a:schemeClr val="bg1">
-                    <a:lumMod val="75000"/>
-                  </a:schemeClr>
-                </a:solidFill>
-              </a:rPr>
-              <a:t> PLUS</a:t>
-            </a:r>
-          </a:p>
-          <a:p>
-            <a:pPr marL="342900" indent="-342900" algn="l">
-              <a:lnSpc>
-                <a:spcPct val="200000"/>
-              </a:lnSpc>
-              <a:buFont typeface="+mj-lt"/>
-              <a:buAutoNum type="arabicPeriod"/>
-            </a:pPr>
-            <a:r>
-              <a:rPr lang="en-US" sz="2400" cap="none" dirty="0" err="1" smtClean="0"/>
-              <a:t>Juegos</a:t>
-            </a:r>
-            <a:r>
-              <a:rPr lang="en-US" sz="2400" cap="none" dirty="0" smtClean="0"/>
-              <a:t> de mesa</a:t>
-            </a:r>
-          </a:p>
-          <a:p>
-            <a:pPr marL="342900" indent="-342900" algn="l">
-              <a:lnSpc>
-                <a:spcPct val="200000"/>
-              </a:lnSpc>
-              <a:buFont typeface="+mj-lt"/>
-              <a:buAutoNum type="arabicPeriod"/>
-            </a:pPr>
-            <a:r>
-              <a:rPr lang="en-US" sz="2400" cap="none" dirty="0" err="1" smtClean="0">
-                <a:solidFill>
-                  <a:schemeClr val="bg1">
-                    <a:lumMod val="75000"/>
-                  </a:schemeClr>
-                </a:solidFill>
-              </a:rPr>
-              <a:t>Conclusiones</a:t>
-            </a:r>
-            <a:endParaRPr lang="en-US" sz="2400" cap="none" dirty="0" smtClean="0">
-              <a:solidFill>
-                <a:schemeClr val="bg1">
-                  <a:lumMod val="75000"/>
-                </a:schemeClr>
-              </a:solidFill>
-            </a:endParaRPr>
-          </a:p>
-          <a:p>
-            <a:pPr marL="342900" indent="-342900" algn="l">
-              <a:lnSpc>
-                <a:spcPct val="200000"/>
-              </a:lnSpc>
-              <a:buFont typeface="+mj-lt"/>
-              <a:buAutoNum type="arabicPeriod"/>
-            </a:pPr>
-            <a:r>
-              <a:rPr lang="en-US" sz="2400" cap="none" dirty="0" err="1" smtClean="0">
-                <a:solidFill>
-                  <a:schemeClr val="bg1">
-                    <a:lumMod val="75000"/>
-                  </a:schemeClr>
-                </a:solidFill>
-              </a:rPr>
-              <a:t>Demostración</a:t>
-            </a:r>
-            <a:endParaRPr lang="en-US" sz="2400" cap="none" dirty="0" smtClean="0">
-              <a:solidFill>
-                <a:schemeClr val="bg1">
-                  <a:lumMod val="75000"/>
-                </a:schemeClr>
-              </a:solidFill>
-            </a:endParaRPr>
-          </a:p>
-          <a:p>
-            <a:pPr marL="342900" indent="-342900" algn="l">
-              <a:buFont typeface="+mj-lt"/>
-              <a:buAutoNum type="arabicPeriod"/>
-            </a:pPr>
-            <a:endParaRPr lang="en-US" cap="none" dirty="0"/>
-          </a:p>
-        </p:txBody>
-      </p:sp>
-      <p:sp>
-        <p:nvSpPr>
-          <p:cNvPr id="3" name="Title 2"/>
-          <p:cNvSpPr>
-            <a:spLocks noGrp="1"/>
-          </p:cNvSpPr>
-          <p:nvPr>
-            <p:ph type="title"/>
-          </p:nvPr>
-        </p:nvSpPr>
-        <p:spPr/>
-        <p:txBody>
-          <a:bodyPr/>
-          <a:lstStyle/>
-          <a:p>
-            <a:r>
-              <a:rPr lang="en-US" dirty="0" smtClean="0"/>
-              <a:t>CONTENIDO</a:t>
-            </a:r>
-            <a:endParaRPr lang="en-US" dirty="0"/>
+            <a:r>
+              <a:rPr lang="es-ES" dirty="0" smtClean="0"/>
+              <a:t>Inicio</a:t>
+            </a:r>
+          </a:p>
+          <a:p>
+            <a:pPr lvl="1"/>
+            <a:r>
+              <a:rPr lang="es-ES" dirty="0" smtClean="0"/>
+              <a:t>Estudio de viabilidad, tamaño, alcance, productos potenciales</a:t>
+            </a:r>
+          </a:p>
+          <a:p>
+            <a:r>
+              <a:rPr lang="es-ES" dirty="0" smtClean="0"/>
+              <a:t>Elaboración</a:t>
+            </a:r>
+          </a:p>
+          <a:p>
+            <a:pPr lvl="1"/>
+            <a:r>
+              <a:rPr lang="es-ES" dirty="0" smtClean="0"/>
+              <a:t>Kernel </a:t>
+            </a:r>
+            <a:r>
+              <a:rPr lang="es-ES" dirty="0" err="1" smtClean="0"/>
+              <a:t>first</a:t>
+            </a:r>
+            <a:endParaRPr lang="es-ES" dirty="0" smtClean="0"/>
+          </a:p>
+          <a:p>
+            <a:pPr lvl="1"/>
+            <a:r>
+              <a:rPr lang="es-ES" dirty="0" smtClean="0"/>
+              <a:t>Product </a:t>
+            </a:r>
+            <a:r>
+              <a:rPr lang="es-ES" dirty="0" err="1" smtClean="0"/>
+              <a:t>Evolution</a:t>
+            </a:r>
+            <a:endParaRPr lang="es-ES" dirty="0" smtClean="0"/>
+          </a:p>
+          <a:p>
+            <a:r>
+              <a:rPr lang="es-ES" dirty="0" smtClean="0"/>
+              <a:t>Construcción</a:t>
+            </a:r>
+          </a:p>
+          <a:p>
+            <a:pPr lvl="1"/>
+            <a:r>
+              <a:rPr lang="es-ES" dirty="0" smtClean="0"/>
+              <a:t>Implementación de los componentes </a:t>
+            </a:r>
+            <a:r>
+              <a:rPr lang="es-ES" i="1" dirty="0" smtClean="0"/>
+              <a:t>kernel</a:t>
+            </a:r>
+            <a:endParaRPr lang="es-ES" dirty="0" smtClean="0"/>
+          </a:p>
+          <a:p>
+            <a:r>
+              <a:rPr lang="es-ES" dirty="0" smtClean="0"/>
+              <a:t>Transición</a:t>
+            </a:r>
+          </a:p>
+          <a:p>
+            <a:pPr lvl="1"/>
+            <a:r>
+              <a:rPr lang="es-ES" dirty="0" smtClean="0"/>
+              <a:t>Pruebas funcionales y de integración de los componentes </a:t>
+            </a:r>
+            <a:r>
+              <a:rPr lang="es-ES" i="1" dirty="0" smtClean="0"/>
+              <a:t>kernel</a:t>
+            </a:r>
+            <a:endParaRPr lang="es-ES" dirty="0" smtClean="0"/>
+          </a:p>
+          <a:p>
+            <a:r>
+              <a:rPr lang="es-ES" dirty="0" smtClean="0"/>
+              <a:t>Iteraciones adicionales</a:t>
+            </a:r>
+          </a:p>
+          <a:p>
+            <a:pPr lvl="1"/>
+            <a:r>
+              <a:rPr lang="es-ES" dirty="0" smtClean="0"/>
+              <a:t>Desarrollo de casos de uso </a:t>
+            </a:r>
+            <a:r>
+              <a:rPr lang="es-ES" i="1" dirty="0" smtClean="0"/>
+              <a:t>optional </a:t>
+            </a:r>
+            <a:r>
+              <a:rPr lang="es-ES" dirty="0" smtClean="0"/>
+              <a:t>y </a:t>
+            </a:r>
+            <a:r>
+              <a:rPr lang="es-ES" i="1" dirty="0" smtClean="0"/>
+              <a:t>alternative</a:t>
+            </a:r>
+            <a:endParaRPr lang="es-ES" dirty="0"/>
           </a:p>
         </p:txBody>
       </p:sp>
@@ -16157,14 +15811,14 @@
               <a:pPr/>
               <a:t>43</a:t>
             </a:fld>
-            <a:endParaRPr lang="en-US" dirty="0"/>
+            <a:endParaRPr lang="en-US"/>
           </a:p>
         </p:txBody>
       </p:sp>
     </p:spTree>
     <p:extLst>
       <p:ext uri="{BB962C8B-B14F-4D97-AF65-F5344CB8AC3E}">
-        <p14:creationId xmlns:p14="http://schemas.microsoft.com/office/powerpoint/2010/main" val="2127887604"/>
+        <p14:creationId xmlns:p14="http://schemas.microsoft.com/office/powerpoint/2010/main" val="1125066522"/>
       </p:ext>
     </p:extLst>
   </p:cSld>
@@ -16215,7 +15869,7 @@
           <a:p>
             <a:r>
               <a:rPr lang="es-ES" dirty="0" smtClean="0"/>
-              <a:t>LPS: Juegos de mesa</a:t>
+              <a:t>Ingeniería de Producto</a:t>
             </a:r>
             <a:endParaRPr lang="es-ES" dirty="0"/>
           </a:p>
@@ -16238,47 +15892,61 @@
           <a:p>
             <a:r>
               <a:rPr lang="es-ES" dirty="0" smtClean="0"/>
-              <a:t>Sistema cliente-servidor que permite jugar a varios juegos de mesa de manera remota</a:t>
-            </a:r>
-            <a:br>
+              <a:t>Inicio</a:t>
+            </a:r>
+          </a:p>
+          <a:p>
+            <a:pPr lvl="1"/>
+            <a:r>
               <a:rPr lang="es-ES" dirty="0" smtClean="0"/>
-            </a:br>
-            <a:endParaRPr lang="es-ES" dirty="0" smtClean="0"/>
+              <a:t>Análisis de los requisitos del producto a desarrollar</a:t>
+            </a:r>
           </a:p>
           <a:p>
             <a:r>
               <a:rPr lang="es-ES" dirty="0" smtClean="0"/>
-              <a:t>Características comunes</a:t>
+              <a:t>Elaboración</a:t>
             </a:r>
           </a:p>
           <a:p>
             <a:pPr lvl="1"/>
             <a:r>
               <a:rPr lang="es-ES" dirty="0" smtClean="0"/>
-              <a:t>Sistema de registro</a:t>
+              <a:t>Evolución</a:t>
             </a:r>
           </a:p>
           <a:p>
             <a:pPr lvl="1"/>
             <a:r>
               <a:rPr lang="es-ES" dirty="0" smtClean="0"/>
-              <a:t>Sistema de identificación</a:t>
+              <a:t>Adaptación</a:t>
+            </a:r>
+          </a:p>
+          <a:p>
+            <a:r>
+              <a:rPr lang="es-ES" dirty="0" smtClean="0"/>
+              <a:t>Construcción</a:t>
             </a:r>
           </a:p>
           <a:p>
             <a:pPr lvl="1"/>
             <a:r>
               <a:rPr lang="es-ES" dirty="0" smtClean="0"/>
-              <a:t>Gestión de partidas</a:t>
+              <a:t>Selección de los componentes necesario del repositorio</a:t>
+            </a:r>
+          </a:p>
+          <a:p>
+            <a:r>
+              <a:rPr lang="es-ES" dirty="0" smtClean="0"/>
+              <a:t>Transición</a:t>
             </a:r>
           </a:p>
           <a:p>
             <a:pPr lvl="1"/>
             <a:r>
               <a:rPr lang="es-ES" dirty="0" smtClean="0"/>
-              <a:t>Información de la cuenta</a:t>
-            </a:r>
-            <a:endParaRPr lang="es-ES" dirty="0"/>
+              <a:t>Pruebas intensivas sobre el nuevo producto</a:t>
+            </a:r>
           </a:p>
         </p:txBody>
       </p:sp>
@@ -16309,7 +15977,7 @@
     </p:spTree>
     <p:extLst>
       <p:ext uri="{BB962C8B-B14F-4D97-AF65-F5344CB8AC3E}">
-        <p14:creationId xmlns:p14="http://schemas.microsoft.com/office/powerpoint/2010/main" val="886109621"/>
+        <p14:creationId xmlns:p14="http://schemas.microsoft.com/office/powerpoint/2010/main" val="778587730"/>
       </p:ext>
     </p:extLst>
   </p:cSld>
@@ -16345,55 +16013,230 @@
       </p:grpSpPr>
       <p:sp>
         <p:nvSpPr>
-          <p:cNvPr id="2" name="1 Título"/>
-          <p:cNvSpPr>
-            <a:spLocks noGrp="1"/>
-          </p:cNvSpPr>
-          <p:nvPr>
-            <p:ph type="title"/>
-          </p:nvPr>
-        </p:nvSpPr>
-        <p:spPr/>
-        <p:txBody>
-          <a:bodyPr/>
-          <a:lstStyle/>
-          <a:p>
-            <a:r>
-              <a:rPr lang="es-ES" dirty="0"/>
-              <a:t>LPS: Juegos de mesa</a:t>
-            </a:r>
-          </a:p>
-        </p:txBody>
-      </p:sp>
-      <p:pic>
-        <p:nvPicPr>
-          <p:cNvPr id="4" name="3 Marcador de contenido"/>
-          <p:cNvPicPr>
-            <a:picLocks noGrp="1" noChangeAspect="1"/>
-          </p:cNvPicPr>
-          <p:nvPr>
-            <p:ph sz="quarter" idx="1"/>
-          </p:nvPr>
-        </p:nvPicPr>
-        <p:blipFill>
-          <a:blip r:embed="rId2">
-            <a:extLst>
-              <a:ext uri="{28A0092B-C50C-407E-A947-70E740481C1C}">
-                <a14:useLocalDpi xmlns:a14="http://schemas.microsoft.com/office/drawing/2010/main" val="0"/>
-              </a:ext>
-            </a:extLst>
-          </a:blip>
-          <a:stretch>
-            <a:fillRect/>
-          </a:stretch>
-        </p:blipFill>
+          <p:cNvPr id="2" name="Text Placeholder 1"/>
+          <p:cNvSpPr>
+            <a:spLocks noGrp="1"/>
+          </p:cNvSpPr>
+          <p:nvPr>
+            <p:ph type="body" idx="1"/>
+          </p:nvPr>
+        </p:nvSpPr>
         <p:spPr>
           <a:xfrm>
-            <a:off x="1752600" y="1380186"/>
-            <a:ext cx="5606029" cy="4974364"/>
+            <a:off x="381000" y="2438400"/>
+            <a:ext cx="7467600" cy="3962400"/>
           </a:xfrm>
         </p:spPr>
-      </p:pic>
+        <p:txBody>
+          <a:bodyPr anchor="ctr">
+            <a:normAutofit fontScale="85000" lnSpcReduction="10000"/>
+          </a:bodyPr>
+          <a:lstStyle/>
+          <a:p>
+            <a:pPr marL="342900" indent="-342900" algn="l">
+              <a:lnSpc>
+                <a:spcPct val="200000"/>
+              </a:lnSpc>
+              <a:buFont typeface="+mj-lt"/>
+              <a:buAutoNum type="arabicPeriod"/>
+            </a:pPr>
+            <a:r>
+              <a:rPr lang="en-US" sz="2400" cap="none" dirty="0" err="1" smtClean="0">
+                <a:solidFill>
+                  <a:schemeClr val="bg1">
+                    <a:lumMod val="75000"/>
+                  </a:schemeClr>
+                </a:solidFill>
+              </a:rPr>
+              <a:t>Introducción</a:t>
+            </a:r>
+            <a:endParaRPr lang="en-US" sz="2400" cap="none" dirty="0" smtClean="0">
+              <a:solidFill>
+                <a:schemeClr val="bg1">
+                  <a:lumMod val="75000"/>
+                </a:schemeClr>
+              </a:solidFill>
+            </a:endParaRPr>
+          </a:p>
+          <a:p>
+            <a:pPr marL="342900" indent="-342900" algn="l">
+              <a:lnSpc>
+                <a:spcPct val="200000"/>
+              </a:lnSpc>
+              <a:buFont typeface="+mj-lt"/>
+              <a:buAutoNum type="arabicPeriod"/>
+            </a:pPr>
+            <a:r>
+              <a:rPr lang="en-US" sz="2400" cap="none" dirty="0" err="1" smtClean="0">
+                <a:solidFill>
+                  <a:schemeClr val="bg1">
+                    <a:lumMod val="75000"/>
+                  </a:schemeClr>
+                </a:solidFill>
+              </a:rPr>
+              <a:t>Líneas</a:t>
+            </a:r>
+            <a:r>
+              <a:rPr lang="en-US" sz="2400" cap="none" dirty="0" smtClean="0">
+                <a:solidFill>
+                  <a:schemeClr val="bg1">
+                    <a:lumMod val="75000"/>
+                  </a:schemeClr>
+                </a:solidFill>
+              </a:rPr>
+              <a:t> de </a:t>
+            </a:r>
+            <a:r>
+              <a:rPr lang="en-US" sz="2400" cap="none" dirty="0" err="1" smtClean="0">
+                <a:solidFill>
+                  <a:schemeClr val="bg1">
+                    <a:lumMod val="75000"/>
+                  </a:schemeClr>
+                </a:solidFill>
+              </a:rPr>
+              <a:t>Productos</a:t>
+            </a:r>
+            <a:r>
+              <a:rPr lang="en-US" sz="2400" cap="none" dirty="0" smtClean="0">
+                <a:solidFill>
+                  <a:schemeClr val="bg1">
+                    <a:lumMod val="75000"/>
+                  </a:schemeClr>
+                </a:solidFill>
+              </a:rPr>
+              <a:t> Software</a:t>
+            </a:r>
+          </a:p>
+          <a:p>
+            <a:pPr marL="342900" indent="-342900" algn="l">
+              <a:lnSpc>
+                <a:spcPct val="200000"/>
+              </a:lnSpc>
+              <a:buFont typeface="+mj-lt"/>
+              <a:buAutoNum type="arabicPeriod"/>
+            </a:pPr>
+            <a:r>
+              <a:rPr lang="en-US" sz="2400" cap="none" dirty="0" err="1" smtClean="0">
+                <a:solidFill>
+                  <a:schemeClr val="bg1">
+                    <a:lumMod val="75000"/>
+                  </a:schemeClr>
+                </a:solidFill>
+              </a:rPr>
+              <a:t>Metodología</a:t>
+            </a:r>
+            <a:r>
+              <a:rPr lang="en-US" sz="2400" cap="none" dirty="0" smtClean="0">
+                <a:solidFill>
+                  <a:schemeClr val="bg1">
+                    <a:lumMod val="75000"/>
+                  </a:schemeClr>
+                </a:solidFill>
+              </a:rPr>
+              <a:t> PLUS</a:t>
+            </a:r>
+          </a:p>
+          <a:p>
+            <a:pPr marL="342900" indent="-342900" algn="l">
+              <a:lnSpc>
+                <a:spcPct val="200000"/>
+              </a:lnSpc>
+              <a:buFont typeface="+mj-lt"/>
+              <a:buAutoNum type="arabicPeriod"/>
+            </a:pPr>
+            <a:r>
+              <a:rPr lang="en-US" sz="2400" cap="none" dirty="0" err="1" smtClean="0"/>
+              <a:t>Juegos</a:t>
+            </a:r>
+            <a:r>
+              <a:rPr lang="en-US" sz="2400" cap="none" dirty="0" smtClean="0"/>
+              <a:t> de mesa</a:t>
+            </a:r>
+          </a:p>
+          <a:p>
+            <a:pPr marL="342900" indent="-342900" algn="l">
+              <a:lnSpc>
+                <a:spcPct val="200000"/>
+              </a:lnSpc>
+              <a:buFont typeface="+mj-lt"/>
+              <a:buAutoNum type="arabicPeriod"/>
+            </a:pPr>
+            <a:r>
+              <a:rPr lang="en-US" sz="2400" cap="none" dirty="0" err="1" smtClean="0">
+                <a:solidFill>
+                  <a:schemeClr val="bg1">
+                    <a:lumMod val="75000"/>
+                  </a:schemeClr>
+                </a:solidFill>
+              </a:rPr>
+              <a:t>Demostración</a:t>
+            </a:r>
+            <a:endParaRPr lang="en-US" sz="2400" cap="none" dirty="0" smtClean="0">
+              <a:solidFill>
+                <a:schemeClr val="bg1">
+                  <a:lumMod val="75000"/>
+                </a:schemeClr>
+              </a:solidFill>
+            </a:endParaRPr>
+          </a:p>
+          <a:p>
+            <a:pPr marL="342900" indent="-342900" algn="l">
+              <a:lnSpc>
+                <a:spcPct val="200000"/>
+              </a:lnSpc>
+              <a:buFont typeface="+mj-lt"/>
+              <a:buAutoNum type="arabicPeriod"/>
+            </a:pPr>
+            <a:r>
+              <a:rPr lang="en-US" sz="2400" cap="none" dirty="0" err="1" smtClean="0">
+                <a:solidFill>
+                  <a:schemeClr val="bg1">
+                    <a:lumMod val="75000"/>
+                  </a:schemeClr>
+                </a:solidFill>
+              </a:rPr>
+              <a:t>Conclusiones</a:t>
+            </a:r>
+            <a:endParaRPr lang="en-US" sz="2400" cap="none" dirty="0" smtClean="0">
+              <a:solidFill>
+                <a:schemeClr val="bg1">
+                  <a:lumMod val="75000"/>
+                </a:schemeClr>
+              </a:solidFill>
+            </a:endParaRPr>
+          </a:p>
+          <a:p>
+            <a:pPr marL="342900" indent="-342900" algn="l">
+              <a:buFont typeface="+mj-lt"/>
+              <a:buAutoNum type="arabicPeriod"/>
+            </a:pPr>
+            <a:endParaRPr lang="en-US" cap="none" dirty="0"/>
+          </a:p>
+        </p:txBody>
+      </p:sp>
+      <p:sp>
+        <p:nvSpPr>
+          <p:cNvPr id="3" name="Title 2"/>
+          <p:cNvSpPr>
+            <a:spLocks noGrp="1"/>
+          </p:cNvSpPr>
+          <p:nvPr>
+            <p:ph type="title"/>
+          </p:nvPr>
+        </p:nvSpPr>
+        <p:spPr/>
+        <p:txBody>
+          <a:bodyPr/>
+          <a:lstStyle/>
+          <a:p>
+            <a:r>
+              <a:rPr lang="en-US" dirty="0" smtClean="0"/>
+              <a:t>CONTENIDO</a:t>
+            </a:r>
+            <a:endParaRPr lang="en-US" dirty="0"/>
+          </a:p>
+        </p:txBody>
+      </p:sp>
       <p:sp>
         <p:nvSpPr>
           <p:cNvPr id="10" name="9 Marcador de número de diapositiva"/>
@@ -16414,14 +16257,14 @@
               <a:pPr/>
               <a:t>45</a:t>
             </a:fld>
-            <a:endParaRPr lang="en-US"/>
+            <a:endParaRPr lang="en-US" dirty="0"/>
           </a:p>
         </p:txBody>
       </p:sp>
     </p:spTree>
     <p:extLst>
       <p:ext uri="{BB962C8B-B14F-4D97-AF65-F5344CB8AC3E}">
-        <p14:creationId xmlns:p14="http://schemas.microsoft.com/office/powerpoint/2010/main" val="4212495140"/>
+        <p14:creationId xmlns:p14="http://schemas.microsoft.com/office/powerpoint/2010/main" val="2127887604"/>
       </p:ext>
     </p:extLst>
   </p:cSld>
@@ -16471,41 +16314,74 @@
           <a:lstStyle/>
           <a:p>
             <a:r>
-              <a:rPr lang="es-ES" dirty="0"/>
+              <a:rPr lang="es-ES" dirty="0" smtClean="0"/>
               <a:t>LPS: Juegos de mesa</a:t>
             </a:r>
-          </a:p>
-        </p:txBody>
-      </p:sp>
-      <p:pic>
-        <p:nvPicPr>
-          <p:cNvPr id="4" name="3 Marcador de contenido"/>
-          <p:cNvPicPr>
-            <a:picLocks noGrp="1" noChangeAspect="1"/>
-          </p:cNvPicPr>
+            <a:endParaRPr lang="es-ES" dirty="0"/>
+          </a:p>
+        </p:txBody>
+      </p:sp>
+      <p:sp>
+        <p:nvSpPr>
+          <p:cNvPr id="3" name="2 Marcador de contenido"/>
+          <p:cNvSpPr>
+            <a:spLocks noGrp="1"/>
+          </p:cNvSpPr>
           <p:nvPr>
             <p:ph sz="quarter" idx="1"/>
           </p:nvPr>
-        </p:nvPicPr>
-        <p:blipFill>
-          <a:blip r:embed="rId2">
-            <a:extLst>
-              <a:ext uri="{28A0092B-C50C-407E-A947-70E740481C1C}">
-                <a14:useLocalDpi xmlns:a14="http://schemas.microsoft.com/office/drawing/2010/main" val="0"/>
-              </a:ext>
-            </a:extLst>
-          </a:blip>
-          <a:stretch>
-            <a:fillRect/>
-          </a:stretch>
-        </p:blipFill>
-        <p:spPr>
-          <a:xfrm>
-            <a:off x="990600" y="1600200"/>
-            <a:ext cx="6992497" cy="4754182"/>
-          </a:xfrm>
-        </p:spPr>
-      </p:pic>
+        </p:nvSpPr>
+        <p:spPr/>
+        <p:txBody>
+          <a:bodyPr/>
+          <a:lstStyle/>
+          <a:p>
+            <a:r>
+              <a:rPr lang="es-ES" dirty="0" smtClean="0"/>
+              <a:t>Sistema cliente-servidor que permite jugar a varios juegos de mesa de manera remota</a:t>
+            </a:r>
+            <a:br>
+              <a:rPr lang="es-ES" dirty="0" smtClean="0"/>
+            </a:br>
+            <a:endParaRPr lang="es-ES" dirty="0" smtClean="0"/>
+          </a:p>
+          <a:p>
+            <a:r>
+              <a:rPr lang="es-ES" dirty="0" smtClean="0"/>
+              <a:t>Características comunes</a:t>
+            </a:r>
+          </a:p>
+          <a:p>
+            <a:pPr lvl="1"/>
+            <a:r>
+              <a:rPr lang="es-ES" dirty="0" smtClean="0"/>
+              <a:t>Sistema de registro</a:t>
+            </a:r>
+          </a:p>
+          <a:p>
+            <a:pPr lvl="1"/>
+            <a:r>
+              <a:rPr lang="es-ES" dirty="0" smtClean="0"/>
+              <a:t>Sistema de identificación</a:t>
+            </a:r>
+          </a:p>
+          <a:p>
+            <a:pPr lvl="1"/>
+            <a:r>
+              <a:rPr lang="es-ES" dirty="0" smtClean="0"/>
+              <a:t>Gestión de partidas</a:t>
+            </a:r>
+          </a:p>
+          <a:p>
+            <a:pPr lvl="1"/>
+            <a:r>
+              <a:rPr lang="es-ES" dirty="0" smtClean="0"/>
+              <a:t>Información de la cuenta</a:t>
+            </a:r>
+            <a:endParaRPr lang="es-ES" dirty="0"/>
+          </a:p>
+        </p:txBody>
+      </p:sp>
       <p:sp>
         <p:nvSpPr>
           <p:cNvPr id="10" name="9 Marcador de número de diapositiva"/>
@@ -16533,7 +16409,7 @@
     </p:spTree>
     <p:extLst>
       <p:ext uri="{BB962C8B-B14F-4D97-AF65-F5344CB8AC3E}">
-        <p14:creationId xmlns:p14="http://schemas.microsoft.com/office/powerpoint/2010/main" val="3062926096"/>
+        <p14:creationId xmlns:p14="http://schemas.microsoft.com/office/powerpoint/2010/main" val="886109621"/>
       </p:ext>
     </p:extLst>
   </p:cSld>
@@ -16613,8 +16489,8 @@
         </p:blipFill>
         <p:spPr>
           <a:xfrm>
-            <a:off x="1828800" y="1371600"/>
-            <a:ext cx="5181600" cy="5374465"/>
+            <a:off x="1752600" y="1380186"/>
+            <a:ext cx="5606029" cy="4974364"/>
           </a:xfrm>
         </p:spPr>
       </p:pic>
@@ -16645,7 +16521,7 @@
     </p:spTree>
     <p:extLst>
       <p:ext uri="{BB962C8B-B14F-4D97-AF65-F5344CB8AC3E}">
-        <p14:creationId xmlns:p14="http://schemas.microsoft.com/office/powerpoint/2010/main" val="3620608091"/>
+        <p14:creationId xmlns:p14="http://schemas.microsoft.com/office/powerpoint/2010/main" val="4212495140"/>
       </p:ext>
     </p:extLst>
   </p:cSld>
@@ -16681,230 +16557,55 @@
       </p:grpSpPr>
       <p:sp>
         <p:nvSpPr>
-          <p:cNvPr id="2" name="Text Placeholder 1"/>
-          <p:cNvSpPr>
-            <a:spLocks noGrp="1"/>
-          </p:cNvSpPr>
-          <p:nvPr>
-            <p:ph type="body" idx="1"/>
-          </p:nvPr>
-        </p:nvSpPr>
+          <p:cNvPr id="2" name="1 Título"/>
+          <p:cNvSpPr>
+            <a:spLocks noGrp="1"/>
+          </p:cNvSpPr>
+          <p:nvPr>
+            <p:ph type="title"/>
+          </p:nvPr>
+        </p:nvSpPr>
+        <p:spPr/>
+        <p:txBody>
+          <a:bodyPr/>
+          <a:lstStyle/>
+          <a:p>
+            <a:r>
+              <a:rPr lang="es-ES" dirty="0"/>
+              <a:t>LPS: Juegos de mesa</a:t>
+            </a:r>
+          </a:p>
+        </p:txBody>
+      </p:sp>
+      <p:pic>
+        <p:nvPicPr>
+          <p:cNvPr id="4" name="3 Marcador de contenido"/>
+          <p:cNvPicPr>
+            <a:picLocks noGrp="1" noChangeAspect="1"/>
+          </p:cNvPicPr>
+          <p:nvPr>
+            <p:ph sz="quarter" idx="1"/>
+          </p:nvPr>
+        </p:nvPicPr>
+        <p:blipFill>
+          <a:blip r:embed="rId2">
+            <a:extLst>
+              <a:ext uri="{28A0092B-C50C-407E-A947-70E740481C1C}">
+                <a14:useLocalDpi xmlns:a14="http://schemas.microsoft.com/office/drawing/2010/main" val="0"/>
+              </a:ext>
+            </a:extLst>
+          </a:blip>
+          <a:stretch>
+            <a:fillRect/>
+          </a:stretch>
+        </p:blipFill>
         <p:spPr>
           <a:xfrm>
-            <a:off x="381000" y="2438400"/>
-            <a:ext cx="7467600" cy="3962400"/>
+            <a:off x="990600" y="1600200"/>
+            <a:ext cx="6992497" cy="4754182"/>
           </a:xfrm>
         </p:spPr>
-        <p:txBody>
-          <a:bodyPr anchor="ctr">
-            <a:normAutofit fontScale="85000" lnSpcReduction="10000"/>
-          </a:bodyPr>
-          <a:lstStyle/>
-          <a:p>
-            <a:pPr marL="342900" indent="-342900" algn="l">
-              <a:lnSpc>
-                <a:spcPct val="200000"/>
-              </a:lnSpc>
-              <a:buFont typeface="+mj-lt"/>
-              <a:buAutoNum type="arabicPeriod"/>
-            </a:pPr>
-            <a:r>
-              <a:rPr lang="en-US" sz="2400" cap="none" dirty="0" err="1" smtClean="0">
-                <a:solidFill>
-                  <a:schemeClr val="bg1">
-                    <a:lumMod val="75000"/>
-                  </a:schemeClr>
-                </a:solidFill>
-              </a:rPr>
-              <a:t>Introducción</a:t>
-            </a:r>
-            <a:endParaRPr lang="en-US" sz="2400" cap="none" dirty="0" smtClean="0">
-              <a:solidFill>
-                <a:schemeClr val="bg1">
-                  <a:lumMod val="75000"/>
-                </a:schemeClr>
-              </a:solidFill>
-            </a:endParaRPr>
-          </a:p>
-          <a:p>
-            <a:pPr marL="342900" indent="-342900" algn="l">
-              <a:lnSpc>
-                <a:spcPct val="200000"/>
-              </a:lnSpc>
-              <a:buFont typeface="+mj-lt"/>
-              <a:buAutoNum type="arabicPeriod"/>
-            </a:pPr>
-            <a:r>
-              <a:rPr lang="en-US" sz="2400" cap="none" dirty="0" err="1" smtClean="0">
-                <a:solidFill>
-                  <a:schemeClr val="bg1">
-                    <a:lumMod val="75000"/>
-                  </a:schemeClr>
-                </a:solidFill>
-              </a:rPr>
-              <a:t>Líneas</a:t>
-            </a:r>
-            <a:r>
-              <a:rPr lang="en-US" sz="2400" cap="none" dirty="0" smtClean="0">
-                <a:solidFill>
-                  <a:schemeClr val="bg1">
-                    <a:lumMod val="75000"/>
-                  </a:schemeClr>
-                </a:solidFill>
-              </a:rPr>
-              <a:t> de </a:t>
-            </a:r>
-            <a:r>
-              <a:rPr lang="en-US" sz="2400" cap="none" dirty="0" err="1" smtClean="0">
-                <a:solidFill>
-                  <a:schemeClr val="bg1">
-                    <a:lumMod val="75000"/>
-                  </a:schemeClr>
-                </a:solidFill>
-              </a:rPr>
-              <a:t>Productos</a:t>
-            </a:r>
-            <a:r>
-              <a:rPr lang="en-US" sz="2400" cap="none" dirty="0" smtClean="0">
-                <a:solidFill>
-                  <a:schemeClr val="bg1">
-                    <a:lumMod val="75000"/>
-                  </a:schemeClr>
-                </a:solidFill>
-              </a:rPr>
-              <a:t> Software</a:t>
-            </a:r>
-          </a:p>
-          <a:p>
-            <a:pPr marL="342900" indent="-342900" algn="l">
-              <a:lnSpc>
-                <a:spcPct val="200000"/>
-              </a:lnSpc>
-              <a:buFont typeface="+mj-lt"/>
-              <a:buAutoNum type="arabicPeriod"/>
-            </a:pPr>
-            <a:r>
-              <a:rPr lang="en-US" sz="2400" cap="none" dirty="0" err="1" smtClean="0">
-                <a:solidFill>
-                  <a:schemeClr val="bg1">
-                    <a:lumMod val="75000"/>
-                  </a:schemeClr>
-                </a:solidFill>
-              </a:rPr>
-              <a:t>Metodología</a:t>
-            </a:r>
-            <a:r>
-              <a:rPr lang="en-US" sz="2400" cap="none" dirty="0" smtClean="0">
-                <a:solidFill>
-                  <a:schemeClr val="bg1">
-                    <a:lumMod val="75000"/>
-                  </a:schemeClr>
-                </a:solidFill>
-              </a:rPr>
-              <a:t> PLUS</a:t>
-            </a:r>
-          </a:p>
-          <a:p>
-            <a:pPr marL="342900" indent="-342900" algn="l">
-              <a:lnSpc>
-                <a:spcPct val="200000"/>
-              </a:lnSpc>
-              <a:buFont typeface="+mj-lt"/>
-              <a:buAutoNum type="arabicPeriod"/>
-            </a:pPr>
-            <a:r>
-              <a:rPr lang="en-US" sz="2400" cap="none" dirty="0" err="1" smtClean="0">
-                <a:solidFill>
-                  <a:schemeClr val="bg1">
-                    <a:lumMod val="75000"/>
-                  </a:schemeClr>
-                </a:solidFill>
-              </a:rPr>
-              <a:t>Juegos</a:t>
-            </a:r>
-            <a:r>
-              <a:rPr lang="en-US" sz="2400" cap="none" dirty="0" smtClean="0">
-                <a:solidFill>
-                  <a:schemeClr val="bg1">
-                    <a:lumMod val="75000"/>
-                  </a:schemeClr>
-                </a:solidFill>
-              </a:rPr>
-              <a:t> de mesa</a:t>
-            </a:r>
-          </a:p>
-          <a:p>
-            <a:pPr marL="342900" indent="-342900" algn="l">
-              <a:lnSpc>
-                <a:spcPct val="200000"/>
-              </a:lnSpc>
-              <a:buFont typeface="+mj-lt"/>
-              <a:buAutoNum type="arabicPeriod"/>
-            </a:pPr>
-            <a:r>
-              <a:rPr lang="en-US" sz="2400" cap="none" dirty="0" err="1" smtClean="0"/>
-              <a:t>Conclusiones</a:t>
-            </a:r>
-            <a:endParaRPr lang="en-US" sz="2400" cap="none" dirty="0" smtClean="0"/>
-          </a:p>
-          <a:p>
-            <a:pPr marL="342900" indent="-342900" algn="l">
-              <a:lnSpc>
-                <a:spcPct val="200000"/>
-              </a:lnSpc>
-              <a:buFont typeface="+mj-lt"/>
-              <a:buAutoNum type="arabicPeriod"/>
-            </a:pPr>
-            <a:r>
-              <a:rPr lang="en-US" sz="2400" cap="none" dirty="0" err="1" smtClean="0">
-                <a:solidFill>
-                  <a:schemeClr val="bg1">
-                    <a:lumMod val="75000"/>
-                  </a:schemeClr>
-                </a:solidFill>
-              </a:rPr>
-              <a:t>Demostración</a:t>
-            </a:r>
-            <a:endParaRPr lang="en-US" sz="2400" cap="none" dirty="0" smtClean="0">
-              <a:solidFill>
-                <a:schemeClr val="bg1">
-                  <a:lumMod val="75000"/>
-                </a:schemeClr>
-              </a:solidFill>
-            </a:endParaRPr>
-          </a:p>
-          <a:p>
-            <a:pPr marL="342900" indent="-342900" algn="l">
-              <a:buFont typeface="+mj-lt"/>
-              <a:buAutoNum type="arabicPeriod"/>
-            </a:pPr>
-            <a:endParaRPr lang="en-US" cap="none" dirty="0"/>
-          </a:p>
-        </p:txBody>
-      </p:sp>
-      <p:sp>
-        <p:nvSpPr>
-          <p:cNvPr id="3" name="Title 2"/>
-          <p:cNvSpPr>
-            <a:spLocks noGrp="1"/>
-          </p:cNvSpPr>
-          <p:nvPr>
-            <p:ph type="title"/>
-          </p:nvPr>
-        </p:nvSpPr>
-        <p:spPr/>
-        <p:txBody>
-          <a:bodyPr/>
-          <a:lstStyle/>
-          <a:p>
-            <a:r>
-              <a:rPr lang="en-US" dirty="0" smtClean="0"/>
-              <a:t>CONTENIDO</a:t>
-            </a:r>
-            <a:endParaRPr lang="en-US" dirty="0"/>
-          </a:p>
-        </p:txBody>
-      </p:sp>
+      </p:pic>
       <p:sp>
         <p:nvSpPr>
           <p:cNvPr id="10" name="9 Marcador de número de diapositiva"/>
@@ -16925,14 +16626,14 @@
               <a:pPr/>
               <a:t>48</a:t>
             </a:fld>
-            <a:endParaRPr lang="en-US" dirty="0"/>
+            <a:endParaRPr lang="en-US"/>
           </a:p>
         </p:txBody>
       </p:sp>
     </p:spTree>
     <p:extLst>
       <p:ext uri="{BB962C8B-B14F-4D97-AF65-F5344CB8AC3E}">
-        <p14:creationId xmlns:p14="http://schemas.microsoft.com/office/powerpoint/2010/main" val="1272268120"/>
+        <p14:creationId xmlns:p14="http://schemas.microsoft.com/office/powerpoint/2010/main" val="3062926096"/>
       </p:ext>
     </p:extLst>
   </p:cSld>
@@ -16968,7 +16669,7 @@
       </p:grpSpPr>
       <p:sp>
         <p:nvSpPr>
-          <p:cNvPr id="2" name="Title 1"/>
+          <p:cNvPr id="2" name="1 Título"/>
           <p:cNvSpPr>
             <a:spLocks noGrp="1"/>
           </p:cNvSpPr>
@@ -16982,123 +16683,21 @@
           <a:lstStyle/>
           <a:p>
             <a:r>
-              <a:rPr lang="en-US" dirty="0" err="1" smtClean="0"/>
-              <a:t>Beneficios</a:t>
-            </a:r>
-            <a:endParaRPr lang="en-US" dirty="0"/>
-          </a:p>
-        </p:txBody>
-      </p:sp>
-      <p:sp>
-        <p:nvSpPr>
-          <p:cNvPr id="3" name="Content Placeholder 2"/>
-          <p:cNvSpPr>
-            <a:spLocks noGrp="1"/>
-          </p:cNvSpPr>
-          <p:nvPr>
-            <p:ph sz="quarter" idx="1"/>
-          </p:nvPr>
-        </p:nvSpPr>
-        <p:spPr/>
-        <p:txBody>
-          <a:bodyPr/>
-          <a:lstStyle/>
-          <a:p>
-            <a:r>
-              <a:rPr lang="en-US" dirty="0" err="1" smtClean="0"/>
-              <a:t>Producción</a:t>
-            </a:r>
-            <a:r>
-              <a:rPr lang="en-US" dirty="0" smtClean="0"/>
-              <a:t> en </a:t>
-            </a:r>
-            <a:r>
-              <a:rPr lang="en-US" dirty="0" err="1" smtClean="0"/>
-              <a:t>masa</a:t>
-            </a:r>
-            <a:endParaRPr lang="en-US" dirty="0" smtClean="0"/>
-          </a:p>
-          <a:p>
-            <a:r>
-              <a:rPr lang="en-US" dirty="0" err="1" smtClean="0"/>
-              <a:t>Personalización</a:t>
-            </a:r>
-            <a:r>
-              <a:rPr lang="en-US" dirty="0" smtClean="0"/>
-              <a:t> en </a:t>
-            </a:r>
-            <a:r>
-              <a:rPr lang="en-US" dirty="0" err="1" smtClean="0"/>
-              <a:t>serie</a:t>
-            </a:r>
-            <a:endParaRPr lang="en-US" dirty="0" smtClean="0"/>
-          </a:p>
-          <a:p>
-            <a:r>
-              <a:rPr lang="en-US" dirty="0" err="1" smtClean="0"/>
-              <a:t>Mejora</a:t>
-            </a:r>
-            <a:r>
-              <a:rPr lang="en-US" dirty="0" smtClean="0"/>
-              <a:t> de la </a:t>
-            </a:r>
-            <a:r>
-              <a:rPr lang="en-US" dirty="0" err="1" smtClean="0"/>
-              <a:t>productividad</a:t>
-            </a:r>
-            <a:r>
-              <a:rPr lang="en-US" dirty="0" smtClean="0"/>
-              <a:t> del </a:t>
-            </a:r>
-            <a:r>
-              <a:rPr lang="en-US" dirty="0" err="1" smtClean="0"/>
-              <a:t>desarrollo</a:t>
-            </a:r>
-            <a:r>
-              <a:rPr lang="en-US" dirty="0" smtClean="0"/>
-              <a:t> de software</a:t>
-            </a:r>
-          </a:p>
-          <a:p>
-            <a:r>
-              <a:rPr lang="en-US" dirty="0" err="1" smtClean="0"/>
-              <a:t>Escalabilidad</a:t>
-            </a:r>
-            <a:endParaRPr lang="en-US" dirty="0" smtClean="0"/>
-          </a:p>
-          <a:p>
-            <a:r>
-              <a:rPr lang="en-US" dirty="0" err="1" smtClean="0"/>
-              <a:t>Reducción</a:t>
-            </a:r>
-            <a:r>
-              <a:rPr lang="en-US" dirty="0" smtClean="0"/>
-              <a:t> de </a:t>
-            </a:r>
-            <a:r>
-              <a:rPr lang="en-US" dirty="0" err="1" smtClean="0"/>
-              <a:t>costes</a:t>
-            </a:r>
-            <a:endParaRPr lang="en-US" dirty="0" smtClean="0"/>
-          </a:p>
-          <a:p>
-            <a:r>
-              <a:rPr lang="en-US" dirty="0" smtClean="0"/>
-              <a:t>Time to market</a:t>
-            </a:r>
-          </a:p>
-          <a:p>
-            <a:endParaRPr lang="en-US" dirty="0"/>
+              <a:rPr lang="es-ES" dirty="0"/>
+              <a:t>LPS: Juegos de mesa</a:t>
+            </a:r>
           </a:p>
         </p:txBody>
       </p:sp>
       <p:pic>
         <p:nvPicPr>
-          <p:cNvPr id="12" name="11 Imagen"/>
+          <p:cNvPr id="4" name="3 Marcador de contenido"/>
           <p:cNvPicPr>
-            <a:picLocks noChangeAspect="1"/>
+            <a:picLocks noGrp="1" noChangeAspect="1"/>
           </p:cNvPicPr>
-          <p:nvPr/>
+          <p:nvPr>
+            <p:ph sz="quarter" idx="1"/>
+          </p:nvPr>
         </p:nvPicPr>
         <p:blipFill>
           <a:blip r:embed="rId2">
@@ -17114,12 +16713,9 @@
         </p:blipFill>
         <p:spPr>
           <a:xfrm>
-            <a:off x="3761172" y="3048000"/>
-            <a:ext cx="4925627" cy="3225772"/>
+            <a:off x="1828800" y="1371600"/>
+            <a:ext cx="5181600" cy="5374465"/>
           </a:xfrm>
-          <a:prstGeom prst="rect">
-            <a:avLst/>
-          </a:prstGeom>
         </p:spPr>
       </p:pic>
       <p:sp>
@@ -17147,6 +16743,11 @@
         </p:txBody>
       </p:sp>
     </p:spTree>
+    <p:extLst>
+      <p:ext uri="{BB962C8B-B14F-4D97-AF65-F5344CB8AC3E}">
+        <p14:creationId xmlns:p14="http://schemas.microsoft.com/office/powerpoint/2010/main" val="3620608091"/>
+      </p:ext>
+    </p:extLst>
   </p:cSld>
   <p:clrMapOvr>
     <a:masterClrMapping/>
@@ -17319,6 +16920,895 @@
 </file>
 
 <file path=ppt/slides/slide50.xml><?xml version="1.0" encoding="utf-8"?>
+<p:sld xmlns:a="http://schemas.openxmlformats.org/drawingml/2006/main" xmlns:r="http://schemas.openxmlformats.org/officeDocument/2006/relationships" xmlns:p="http://schemas.openxmlformats.org/presentationml/2006/main">
+  <p:cSld>
+    <p:spTree>
+      <p:nvGrpSpPr>
+        <p:cNvPr id="1" name=""/>
+        <p:cNvGrpSpPr/>
+        <p:nvPr/>
+      </p:nvGrpSpPr>
+      <p:grpSpPr>
+        <a:xfrm>
+          <a:off x="0" y="0"/>
+          <a:ext cx="0" cy="0"/>
+          <a:chOff x="0" y="0"/>
+          <a:chExt cx="0" cy="0"/>
+        </a:xfrm>
+      </p:grpSpPr>
+      <p:sp>
+        <p:nvSpPr>
+          <p:cNvPr id="2" name="Text Placeholder 1"/>
+          <p:cNvSpPr>
+            <a:spLocks noGrp="1"/>
+          </p:cNvSpPr>
+          <p:nvPr>
+            <p:ph type="body" idx="1"/>
+          </p:nvPr>
+        </p:nvSpPr>
+        <p:spPr>
+          <a:xfrm>
+            <a:off x="381000" y="2438400"/>
+            <a:ext cx="7467600" cy="3962400"/>
+          </a:xfrm>
+        </p:spPr>
+        <p:txBody>
+          <a:bodyPr anchor="ctr">
+            <a:normAutofit fontScale="85000" lnSpcReduction="10000"/>
+          </a:bodyPr>
+          <a:lstStyle/>
+          <a:p>
+            <a:pPr marL="342900" indent="-342900" algn="l">
+              <a:lnSpc>
+                <a:spcPct val="200000"/>
+              </a:lnSpc>
+              <a:buFont typeface="+mj-lt"/>
+              <a:buAutoNum type="arabicPeriod"/>
+            </a:pPr>
+            <a:r>
+              <a:rPr lang="en-US" sz="2400" cap="none" dirty="0" err="1" smtClean="0">
+                <a:solidFill>
+                  <a:schemeClr val="bg1">
+                    <a:lumMod val="75000"/>
+                  </a:schemeClr>
+                </a:solidFill>
+              </a:rPr>
+              <a:t>Introducción</a:t>
+            </a:r>
+            <a:endParaRPr lang="en-US" sz="2400" cap="none" dirty="0" smtClean="0">
+              <a:solidFill>
+                <a:schemeClr val="bg1">
+                  <a:lumMod val="75000"/>
+                </a:schemeClr>
+              </a:solidFill>
+            </a:endParaRPr>
+          </a:p>
+          <a:p>
+            <a:pPr marL="342900" indent="-342900" algn="l">
+              <a:lnSpc>
+                <a:spcPct val="200000"/>
+              </a:lnSpc>
+              <a:buFont typeface="+mj-lt"/>
+              <a:buAutoNum type="arabicPeriod"/>
+            </a:pPr>
+            <a:r>
+              <a:rPr lang="en-US" sz="2400" cap="none" dirty="0" err="1" smtClean="0">
+                <a:solidFill>
+                  <a:schemeClr val="bg1">
+                    <a:lumMod val="75000"/>
+                  </a:schemeClr>
+                </a:solidFill>
+              </a:rPr>
+              <a:t>Líneas</a:t>
+            </a:r>
+            <a:r>
+              <a:rPr lang="en-US" sz="2400" cap="none" dirty="0" smtClean="0">
+                <a:solidFill>
+                  <a:schemeClr val="bg1">
+                    <a:lumMod val="75000"/>
+                  </a:schemeClr>
+                </a:solidFill>
+              </a:rPr>
+              <a:t> de </a:t>
+            </a:r>
+            <a:r>
+              <a:rPr lang="en-US" sz="2400" cap="none" dirty="0" err="1" smtClean="0">
+                <a:solidFill>
+                  <a:schemeClr val="bg1">
+                    <a:lumMod val="75000"/>
+                  </a:schemeClr>
+                </a:solidFill>
+              </a:rPr>
+              <a:t>Productos</a:t>
+            </a:r>
+            <a:r>
+              <a:rPr lang="en-US" sz="2400" cap="none" dirty="0" smtClean="0">
+                <a:solidFill>
+                  <a:schemeClr val="bg1">
+                    <a:lumMod val="75000"/>
+                  </a:schemeClr>
+                </a:solidFill>
+              </a:rPr>
+              <a:t> Software</a:t>
+            </a:r>
+          </a:p>
+          <a:p>
+            <a:pPr marL="342900" indent="-342900" algn="l">
+              <a:lnSpc>
+                <a:spcPct val="200000"/>
+              </a:lnSpc>
+              <a:buFont typeface="+mj-lt"/>
+              <a:buAutoNum type="arabicPeriod"/>
+            </a:pPr>
+            <a:r>
+              <a:rPr lang="en-US" sz="2400" cap="none" dirty="0" err="1" smtClean="0">
+                <a:solidFill>
+                  <a:schemeClr val="bg1">
+                    <a:lumMod val="75000"/>
+                  </a:schemeClr>
+                </a:solidFill>
+              </a:rPr>
+              <a:t>Metodología</a:t>
+            </a:r>
+            <a:r>
+              <a:rPr lang="en-US" sz="2400" cap="none" dirty="0" smtClean="0">
+                <a:solidFill>
+                  <a:schemeClr val="bg1">
+                    <a:lumMod val="75000"/>
+                  </a:schemeClr>
+                </a:solidFill>
+              </a:rPr>
+              <a:t> PLUS</a:t>
+            </a:r>
+          </a:p>
+          <a:p>
+            <a:pPr marL="342900" indent="-342900" algn="l">
+              <a:lnSpc>
+                <a:spcPct val="200000"/>
+              </a:lnSpc>
+              <a:buFont typeface="+mj-lt"/>
+              <a:buAutoNum type="arabicPeriod"/>
+            </a:pPr>
+            <a:r>
+              <a:rPr lang="en-US" sz="2400" cap="none" dirty="0" err="1" smtClean="0">
+                <a:solidFill>
+                  <a:schemeClr val="bg1">
+                    <a:lumMod val="75000"/>
+                  </a:schemeClr>
+                </a:solidFill>
+              </a:rPr>
+              <a:t>Juegos</a:t>
+            </a:r>
+            <a:r>
+              <a:rPr lang="en-US" sz="2400" cap="none" dirty="0" smtClean="0">
+                <a:solidFill>
+                  <a:schemeClr val="bg1">
+                    <a:lumMod val="75000"/>
+                  </a:schemeClr>
+                </a:solidFill>
+              </a:rPr>
+              <a:t> de mesa</a:t>
+            </a:r>
+          </a:p>
+          <a:p>
+            <a:pPr marL="342900" indent="-342900" algn="l">
+              <a:lnSpc>
+                <a:spcPct val="200000"/>
+              </a:lnSpc>
+              <a:buFont typeface="+mj-lt"/>
+              <a:buAutoNum type="arabicPeriod"/>
+            </a:pPr>
+            <a:r>
+              <a:rPr lang="en-US" sz="2400" cap="none" dirty="0" err="1" smtClean="0"/>
+              <a:t>Demostración</a:t>
+            </a:r>
+            <a:endParaRPr lang="en-US" sz="2400" cap="none" dirty="0" smtClean="0"/>
+          </a:p>
+          <a:p>
+            <a:pPr marL="342900" indent="-342900" algn="l">
+              <a:lnSpc>
+                <a:spcPct val="200000"/>
+              </a:lnSpc>
+              <a:buFont typeface="+mj-lt"/>
+              <a:buAutoNum type="arabicPeriod"/>
+            </a:pPr>
+            <a:r>
+              <a:rPr lang="en-US" sz="2400" cap="none" dirty="0" err="1" smtClean="0">
+                <a:solidFill>
+                  <a:schemeClr val="bg1">
+                    <a:lumMod val="75000"/>
+                  </a:schemeClr>
+                </a:solidFill>
+              </a:rPr>
+              <a:t>Conclusiones</a:t>
+            </a:r>
+            <a:endParaRPr lang="en-US" sz="2400" cap="none" dirty="0" smtClean="0">
+              <a:solidFill>
+                <a:schemeClr val="bg1">
+                  <a:lumMod val="75000"/>
+                </a:schemeClr>
+              </a:solidFill>
+            </a:endParaRPr>
+          </a:p>
+          <a:p>
+            <a:pPr marL="342900" indent="-342900" algn="l">
+              <a:buFont typeface="+mj-lt"/>
+              <a:buAutoNum type="arabicPeriod"/>
+            </a:pPr>
+            <a:endParaRPr lang="en-US" cap="none" dirty="0"/>
+          </a:p>
+        </p:txBody>
+      </p:sp>
+      <p:sp>
+        <p:nvSpPr>
+          <p:cNvPr id="3" name="Title 2"/>
+          <p:cNvSpPr>
+            <a:spLocks noGrp="1"/>
+          </p:cNvSpPr>
+          <p:nvPr>
+            <p:ph type="title"/>
+          </p:nvPr>
+        </p:nvSpPr>
+        <p:spPr/>
+        <p:txBody>
+          <a:bodyPr/>
+          <a:lstStyle/>
+          <a:p>
+            <a:r>
+              <a:rPr lang="en-US" dirty="0" smtClean="0"/>
+              <a:t>CONTENIDO</a:t>
+            </a:r>
+            <a:endParaRPr lang="en-US" dirty="0"/>
+          </a:p>
+        </p:txBody>
+      </p:sp>
+      <p:sp>
+        <p:nvSpPr>
+          <p:cNvPr id="10" name="9 Marcador de número de diapositiva"/>
+          <p:cNvSpPr>
+            <a:spLocks noGrp="1"/>
+          </p:cNvSpPr>
+          <p:nvPr>
+            <p:ph type="sldNum" sz="quarter" idx="12"/>
+          </p:nvPr>
+        </p:nvSpPr>
+        <p:spPr/>
+        <p:txBody>
+          <a:bodyPr/>
+          <a:lstStyle/>
+          <a:p>
+            <a:fld id="{2516FBF6-05D3-4196-BB4D-F73A22954EE3}" type="slidenum">
+              <a:rPr lang="en-US" smtClean="0"/>
+              <a:pPr/>
+              <a:t>50</a:t>
+            </a:fld>
+            <a:endParaRPr lang="en-US" dirty="0"/>
+          </a:p>
+        </p:txBody>
+      </p:sp>
+    </p:spTree>
+    <p:extLst>
+      <p:ext uri="{BB962C8B-B14F-4D97-AF65-F5344CB8AC3E}">
+        <p14:creationId xmlns:p14="http://schemas.microsoft.com/office/powerpoint/2010/main" val="1272268120"/>
+      </p:ext>
+    </p:extLst>
+  </p:cSld>
+  <p:clrMapOvr>
+    <a:masterClrMapping/>
+  </p:clrMapOvr>
+  <p:timing>
+    <p:tnLst>
+      <p:par>
+        <p:cTn id="1" dur="indefinite" restart="never" nodeType="tmRoot"/>
+      </p:par>
+    </p:tnLst>
+  </p:timing>
+</p:sld>
+</file>
+
+<file path=ppt/slides/slide51.xml><?xml version="1.0" encoding="utf-8"?>
+<p:sld xmlns:a="http://schemas.openxmlformats.org/drawingml/2006/main" xmlns:r="http://schemas.openxmlformats.org/officeDocument/2006/relationships" xmlns:p="http://schemas.openxmlformats.org/presentationml/2006/main">
+  <p:cSld>
+    <p:spTree>
+      <p:nvGrpSpPr>
+        <p:cNvPr id="1" name=""/>
+        <p:cNvGrpSpPr/>
+        <p:nvPr/>
+      </p:nvGrpSpPr>
+      <p:grpSpPr>
+        <a:xfrm>
+          <a:off x="0" y="0"/>
+          <a:ext cx="0" cy="0"/>
+          <a:chOff x="0" y="0"/>
+          <a:chExt cx="0" cy="0"/>
+        </a:xfrm>
+      </p:grpSpPr>
+      <p:sp>
+        <p:nvSpPr>
+          <p:cNvPr id="2" name="1 Título"/>
+          <p:cNvSpPr>
+            <a:spLocks noGrp="1"/>
+          </p:cNvSpPr>
+          <p:nvPr>
+            <p:ph type="title"/>
+          </p:nvPr>
+        </p:nvSpPr>
+        <p:spPr/>
+        <p:txBody>
+          <a:bodyPr/>
+          <a:lstStyle/>
+          <a:p>
+            <a:r>
+              <a:rPr lang="es-ES" dirty="0" smtClean="0"/>
+              <a:t>Demostración</a:t>
+            </a:r>
+            <a:endParaRPr lang="es-ES" dirty="0"/>
+          </a:p>
+        </p:txBody>
+      </p:sp>
+      <p:sp>
+        <p:nvSpPr>
+          <p:cNvPr id="3" name="2 Marcador de contenido"/>
+          <p:cNvSpPr>
+            <a:spLocks noGrp="1"/>
+          </p:cNvSpPr>
+          <p:nvPr>
+            <p:ph sz="quarter" idx="1"/>
+          </p:nvPr>
+        </p:nvSpPr>
+        <p:spPr/>
+        <p:txBody>
+          <a:bodyPr/>
+          <a:lstStyle/>
+          <a:p>
+            <a:endParaRPr lang="es-ES"/>
+          </a:p>
+        </p:txBody>
+      </p:sp>
+      <p:sp>
+        <p:nvSpPr>
+          <p:cNvPr id="10" name="9 Marcador de número de diapositiva"/>
+          <p:cNvSpPr>
+            <a:spLocks noGrp="1"/>
+          </p:cNvSpPr>
+          <p:nvPr>
+            <p:ph type="sldNum" sz="quarter" idx="12"/>
+          </p:nvPr>
+        </p:nvSpPr>
+        <p:spPr/>
+        <p:txBody>
+          <a:bodyPr/>
+          <a:lstStyle/>
+          <a:p>
+            <a:fld id="{2516FBF6-05D3-4196-BB4D-F73A22954EE3}" type="slidenum">
+              <a:rPr lang="en-US" smtClean="0"/>
+              <a:pPr/>
+              <a:t>51</a:t>
+            </a:fld>
+            <a:endParaRPr lang="en-US"/>
+          </a:p>
+        </p:txBody>
+      </p:sp>
+    </p:spTree>
+    <p:extLst>
+      <p:ext uri="{BB962C8B-B14F-4D97-AF65-F5344CB8AC3E}">
+        <p14:creationId xmlns:p14="http://schemas.microsoft.com/office/powerpoint/2010/main" val="338073087"/>
+      </p:ext>
+    </p:extLst>
+  </p:cSld>
+  <p:clrMapOvr>
+    <a:masterClrMapping/>
+  </p:clrMapOvr>
+  <p:timing>
+    <p:tnLst>
+      <p:par>
+        <p:cTn id="1" dur="indefinite" restart="never" nodeType="tmRoot"/>
+      </p:par>
+    </p:tnLst>
+  </p:timing>
+</p:sld>
+</file>
+
+<file path=ppt/slides/slide52.xml><?xml version="1.0" encoding="utf-8"?>
+<p:sld xmlns:a="http://schemas.openxmlformats.org/drawingml/2006/main" xmlns:r="http://schemas.openxmlformats.org/officeDocument/2006/relationships" xmlns:p="http://schemas.openxmlformats.org/presentationml/2006/main">
+  <p:cSld>
+    <p:spTree>
+      <p:nvGrpSpPr>
+        <p:cNvPr id="1" name=""/>
+        <p:cNvGrpSpPr/>
+        <p:nvPr/>
+      </p:nvGrpSpPr>
+      <p:grpSpPr>
+        <a:xfrm>
+          <a:off x="0" y="0"/>
+          <a:ext cx="0" cy="0"/>
+          <a:chOff x="0" y="0"/>
+          <a:chExt cx="0" cy="0"/>
+        </a:xfrm>
+      </p:grpSpPr>
+      <p:sp>
+        <p:nvSpPr>
+          <p:cNvPr id="2" name="Text Placeholder 1"/>
+          <p:cNvSpPr>
+            <a:spLocks noGrp="1"/>
+          </p:cNvSpPr>
+          <p:nvPr>
+            <p:ph type="body" idx="1"/>
+          </p:nvPr>
+        </p:nvSpPr>
+        <p:spPr>
+          <a:xfrm>
+            <a:off x="381000" y="2438400"/>
+            <a:ext cx="7467600" cy="3962400"/>
+          </a:xfrm>
+        </p:spPr>
+        <p:txBody>
+          <a:bodyPr anchor="ctr">
+            <a:normAutofit fontScale="85000" lnSpcReduction="10000"/>
+          </a:bodyPr>
+          <a:lstStyle/>
+          <a:p>
+            <a:pPr marL="342900" indent="-342900" algn="l">
+              <a:lnSpc>
+                <a:spcPct val="200000"/>
+              </a:lnSpc>
+              <a:buFont typeface="+mj-lt"/>
+              <a:buAutoNum type="arabicPeriod"/>
+            </a:pPr>
+            <a:r>
+              <a:rPr lang="en-US" sz="2400" cap="none" dirty="0" err="1" smtClean="0">
+                <a:solidFill>
+                  <a:schemeClr val="bg1">
+                    <a:lumMod val="75000"/>
+                  </a:schemeClr>
+                </a:solidFill>
+              </a:rPr>
+              <a:t>Introducción</a:t>
+            </a:r>
+            <a:endParaRPr lang="en-US" sz="2400" cap="none" dirty="0" smtClean="0">
+              <a:solidFill>
+                <a:schemeClr val="bg1">
+                  <a:lumMod val="75000"/>
+                </a:schemeClr>
+              </a:solidFill>
+            </a:endParaRPr>
+          </a:p>
+          <a:p>
+            <a:pPr marL="342900" indent="-342900" algn="l">
+              <a:lnSpc>
+                <a:spcPct val="200000"/>
+              </a:lnSpc>
+              <a:buFont typeface="+mj-lt"/>
+              <a:buAutoNum type="arabicPeriod"/>
+            </a:pPr>
+            <a:r>
+              <a:rPr lang="en-US" sz="2400" cap="none" dirty="0" err="1" smtClean="0">
+                <a:solidFill>
+                  <a:schemeClr val="bg1">
+                    <a:lumMod val="75000"/>
+                  </a:schemeClr>
+                </a:solidFill>
+              </a:rPr>
+              <a:t>Líneas</a:t>
+            </a:r>
+            <a:r>
+              <a:rPr lang="en-US" sz="2400" cap="none" dirty="0" smtClean="0">
+                <a:solidFill>
+                  <a:schemeClr val="bg1">
+                    <a:lumMod val="75000"/>
+                  </a:schemeClr>
+                </a:solidFill>
+              </a:rPr>
+              <a:t> de </a:t>
+            </a:r>
+            <a:r>
+              <a:rPr lang="en-US" sz="2400" cap="none" dirty="0" err="1" smtClean="0">
+                <a:solidFill>
+                  <a:schemeClr val="bg1">
+                    <a:lumMod val="75000"/>
+                  </a:schemeClr>
+                </a:solidFill>
+              </a:rPr>
+              <a:t>Productos</a:t>
+            </a:r>
+            <a:r>
+              <a:rPr lang="en-US" sz="2400" cap="none" dirty="0" smtClean="0">
+                <a:solidFill>
+                  <a:schemeClr val="bg1">
+                    <a:lumMod val="75000"/>
+                  </a:schemeClr>
+                </a:solidFill>
+              </a:rPr>
+              <a:t> Software</a:t>
+            </a:r>
+          </a:p>
+          <a:p>
+            <a:pPr marL="342900" indent="-342900" algn="l">
+              <a:lnSpc>
+                <a:spcPct val="200000"/>
+              </a:lnSpc>
+              <a:buFont typeface="+mj-lt"/>
+              <a:buAutoNum type="arabicPeriod"/>
+            </a:pPr>
+            <a:r>
+              <a:rPr lang="en-US" sz="2400" cap="none" dirty="0" err="1" smtClean="0">
+                <a:solidFill>
+                  <a:schemeClr val="bg1">
+                    <a:lumMod val="75000"/>
+                  </a:schemeClr>
+                </a:solidFill>
+              </a:rPr>
+              <a:t>Metodología</a:t>
+            </a:r>
+            <a:r>
+              <a:rPr lang="en-US" sz="2400" cap="none" dirty="0" smtClean="0">
+                <a:solidFill>
+                  <a:schemeClr val="bg1">
+                    <a:lumMod val="75000"/>
+                  </a:schemeClr>
+                </a:solidFill>
+              </a:rPr>
+              <a:t> PLUS</a:t>
+            </a:r>
+          </a:p>
+          <a:p>
+            <a:pPr marL="342900" indent="-342900" algn="l">
+              <a:lnSpc>
+                <a:spcPct val="200000"/>
+              </a:lnSpc>
+              <a:buFont typeface="+mj-lt"/>
+              <a:buAutoNum type="arabicPeriod"/>
+            </a:pPr>
+            <a:r>
+              <a:rPr lang="en-US" sz="2400" cap="none" dirty="0" err="1" smtClean="0">
+                <a:solidFill>
+                  <a:schemeClr val="bg1">
+                    <a:lumMod val="75000"/>
+                  </a:schemeClr>
+                </a:solidFill>
+              </a:rPr>
+              <a:t>Juegos</a:t>
+            </a:r>
+            <a:r>
+              <a:rPr lang="en-US" sz="2400" cap="none" dirty="0" smtClean="0">
+                <a:solidFill>
+                  <a:schemeClr val="bg1">
+                    <a:lumMod val="75000"/>
+                  </a:schemeClr>
+                </a:solidFill>
+              </a:rPr>
+              <a:t> de mesa</a:t>
+            </a:r>
+          </a:p>
+          <a:p>
+            <a:pPr marL="342900" indent="-342900" algn="l">
+              <a:lnSpc>
+                <a:spcPct val="200000"/>
+              </a:lnSpc>
+              <a:buFont typeface="+mj-lt"/>
+              <a:buAutoNum type="arabicPeriod"/>
+            </a:pPr>
+            <a:r>
+              <a:rPr lang="en-US" sz="2400" cap="none" dirty="0" err="1" smtClean="0">
+                <a:solidFill>
+                  <a:schemeClr val="bg1">
+                    <a:lumMod val="75000"/>
+                  </a:schemeClr>
+                </a:solidFill>
+              </a:rPr>
+              <a:t>Demostración</a:t>
+            </a:r>
+            <a:endParaRPr lang="en-US" sz="2400" cap="none" dirty="0" smtClean="0">
+              <a:solidFill>
+                <a:schemeClr val="bg1">
+                  <a:lumMod val="75000"/>
+                </a:schemeClr>
+              </a:solidFill>
+            </a:endParaRPr>
+          </a:p>
+          <a:p>
+            <a:pPr marL="342900" indent="-342900" algn="l">
+              <a:lnSpc>
+                <a:spcPct val="200000"/>
+              </a:lnSpc>
+              <a:buFont typeface="+mj-lt"/>
+              <a:buAutoNum type="arabicPeriod"/>
+            </a:pPr>
+            <a:r>
+              <a:rPr lang="en-US" sz="2400" cap="none" dirty="0" err="1" smtClean="0"/>
+              <a:t>Conclusiones</a:t>
+            </a:r>
+            <a:endParaRPr lang="en-US" sz="2400" cap="none" dirty="0" smtClean="0"/>
+          </a:p>
+          <a:p>
+            <a:pPr marL="342900" indent="-342900" algn="l">
+              <a:buFont typeface="+mj-lt"/>
+              <a:buAutoNum type="arabicPeriod"/>
+            </a:pPr>
+            <a:endParaRPr lang="en-US" cap="none" dirty="0"/>
+          </a:p>
+        </p:txBody>
+      </p:sp>
+      <p:sp>
+        <p:nvSpPr>
+          <p:cNvPr id="3" name="Title 2"/>
+          <p:cNvSpPr>
+            <a:spLocks noGrp="1"/>
+          </p:cNvSpPr>
+          <p:nvPr>
+            <p:ph type="title"/>
+          </p:nvPr>
+        </p:nvSpPr>
+        <p:spPr/>
+        <p:txBody>
+          <a:bodyPr/>
+          <a:lstStyle/>
+          <a:p>
+            <a:r>
+              <a:rPr lang="en-US" dirty="0" smtClean="0"/>
+              <a:t>CONTENIDO</a:t>
+            </a:r>
+            <a:endParaRPr lang="en-US" dirty="0"/>
+          </a:p>
+        </p:txBody>
+      </p:sp>
+      <p:sp>
+        <p:nvSpPr>
+          <p:cNvPr id="10" name="9 Marcador de número de diapositiva"/>
+          <p:cNvSpPr>
+            <a:spLocks noGrp="1"/>
+          </p:cNvSpPr>
+          <p:nvPr>
+            <p:ph type="sldNum" sz="quarter" idx="12"/>
+          </p:nvPr>
+        </p:nvSpPr>
+        <p:spPr/>
+        <p:txBody>
+          <a:bodyPr/>
+          <a:lstStyle/>
+          <a:p>
+            <a:fld id="{2516FBF6-05D3-4196-BB4D-F73A22954EE3}" type="slidenum">
+              <a:rPr lang="en-US" smtClean="0"/>
+              <a:pPr/>
+              <a:t>52</a:t>
+            </a:fld>
+            <a:endParaRPr lang="en-US" dirty="0"/>
+          </a:p>
+        </p:txBody>
+      </p:sp>
+    </p:spTree>
+    <p:extLst>
+      <p:ext uri="{BB962C8B-B14F-4D97-AF65-F5344CB8AC3E}">
+        <p14:creationId xmlns:p14="http://schemas.microsoft.com/office/powerpoint/2010/main" val="3656859533"/>
+      </p:ext>
+    </p:extLst>
+  </p:cSld>
+  <p:clrMapOvr>
+    <a:masterClrMapping/>
+  </p:clrMapOvr>
+  <p:timing>
+    <p:tnLst>
+      <p:par>
+        <p:cTn id="1" dur="indefinite" restart="never" nodeType="tmRoot"/>
+      </p:par>
+    </p:tnLst>
+  </p:timing>
+</p:sld>
+</file>
+
+<file path=ppt/slides/slide53.xml><?xml version="1.0" encoding="utf-8"?>
+<p:sld xmlns:a="http://schemas.openxmlformats.org/drawingml/2006/main" xmlns:r="http://schemas.openxmlformats.org/officeDocument/2006/relationships" xmlns:p="http://schemas.openxmlformats.org/presentationml/2006/main">
+  <p:cSld>
+    <p:spTree>
+      <p:nvGrpSpPr>
+        <p:cNvPr id="1" name=""/>
+        <p:cNvGrpSpPr/>
+        <p:nvPr/>
+      </p:nvGrpSpPr>
+      <p:grpSpPr>
+        <a:xfrm>
+          <a:off x="0" y="0"/>
+          <a:ext cx="0" cy="0"/>
+          <a:chOff x="0" y="0"/>
+          <a:chExt cx="0" cy="0"/>
+        </a:xfrm>
+      </p:grpSpPr>
+      <p:sp>
+        <p:nvSpPr>
+          <p:cNvPr id="2" name="Title 1"/>
+          <p:cNvSpPr>
+            <a:spLocks noGrp="1"/>
+          </p:cNvSpPr>
+          <p:nvPr>
+            <p:ph type="title"/>
+          </p:nvPr>
+        </p:nvSpPr>
+        <p:spPr/>
+        <p:txBody>
+          <a:bodyPr/>
+          <a:lstStyle/>
+          <a:p>
+            <a:r>
+              <a:rPr lang="en-US" dirty="0" err="1" smtClean="0"/>
+              <a:t>Beneficios</a:t>
+            </a:r>
+            <a:endParaRPr lang="en-US" dirty="0"/>
+          </a:p>
+        </p:txBody>
+      </p:sp>
+      <p:sp>
+        <p:nvSpPr>
+          <p:cNvPr id="3" name="Content Placeholder 2"/>
+          <p:cNvSpPr>
+            <a:spLocks noGrp="1"/>
+          </p:cNvSpPr>
+          <p:nvPr>
+            <p:ph sz="quarter" idx="1"/>
+          </p:nvPr>
+        </p:nvSpPr>
+        <p:spPr/>
+        <p:txBody>
+          <a:bodyPr/>
+          <a:lstStyle/>
+          <a:p>
+            <a:r>
+              <a:rPr lang="en-US" dirty="0" err="1" smtClean="0"/>
+              <a:t>Producción</a:t>
+            </a:r>
+            <a:r>
+              <a:rPr lang="en-US" dirty="0" smtClean="0"/>
+              <a:t> en </a:t>
+            </a:r>
+            <a:r>
+              <a:rPr lang="en-US" dirty="0" err="1" smtClean="0"/>
+              <a:t>masa</a:t>
+            </a:r>
+            <a:endParaRPr lang="en-US" dirty="0" smtClean="0"/>
+          </a:p>
+          <a:p>
+            <a:r>
+              <a:rPr lang="en-US" dirty="0" err="1" smtClean="0"/>
+              <a:t>Personalización</a:t>
+            </a:r>
+            <a:r>
+              <a:rPr lang="en-US" dirty="0" smtClean="0"/>
+              <a:t> en </a:t>
+            </a:r>
+            <a:r>
+              <a:rPr lang="en-US" dirty="0" err="1" smtClean="0"/>
+              <a:t>serie</a:t>
+            </a:r>
+            <a:endParaRPr lang="en-US" dirty="0" smtClean="0"/>
+          </a:p>
+          <a:p>
+            <a:r>
+              <a:rPr lang="en-US" dirty="0" err="1" smtClean="0"/>
+              <a:t>Mejora</a:t>
+            </a:r>
+            <a:r>
+              <a:rPr lang="en-US" dirty="0" smtClean="0"/>
+              <a:t> de la </a:t>
+            </a:r>
+            <a:r>
+              <a:rPr lang="en-US" dirty="0" err="1" smtClean="0"/>
+              <a:t>productividad</a:t>
+            </a:r>
+            <a:r>
+              <a:rPr lang="en-US" dirty="0" smtClean="0"/>
+              <a:t> del </a:t>
+            </a:r>
+            <a:r>
+              <a:rPr lang="en-US" dirty="0" err="1" smtClean="0"/>
+              <a:t>desarrollo</a:t>
+            </a:r>
+            <a:r>
+              <a:rPr lang="en-US" dirty="0" smtClean="0"/>
+              <a:t> de software</a:t>
+            </a:r>
+          </a:p>
+          <a:p>
+            <a:r>
+              <a:rPr lang="en-US" dirty="0" err="1" smtClean="0"/>
+              <a:t>Escalabilidad</a:t>
+            </a:r>
+            <a:endParaRPr lang="en-US" dirty="0" smtClean="0"/>
+          </a:p>
+          <a:p>
+            <a:r>
+              <a:rPr lang="en-US" dirty="0" err="1" smtClean="0"/>
+              <a:t>Reducción</a:t>
+            </a:r>
+            <a:r>
+              <a:rPr lang="en-US" dirty="0" smtClean="0"/>
+              <a:t> de </a:t>
+            </a:r>
+            <a:r>
+              <a:rPr lang="en-US" dirty="0" err="1" smtClean="0"/>
+              <a:t>costes</a:t>
+            </a:r>
+            <a:endParaRPr lang="en-US" dirty="0" smtClean="0"/>
+          </a:p>
+          <a:p>
+            <a:r>
+              <a:rPr lang="en-US" dirty="0" smtClean="0"/>
+              <a:t>Time to market</a:t>
+            </a:r>
+          </a:p>
+          <a:p>
+            <a:endParaRPr lang="en-US" dirty="0"/>
+          </a:p>
+        </p:txBody>
+      </p:sp>
+      <p:pic>
+        <p:nvPicPr>
+          <p:cNvPr id="12" name="11 Imagen"/>
+          <p:cNvPicPr>
+            <a:picLocks noChangeAspect="1"/>
+          </p:cNvPicPr>
+          <p:nvPr/>
+        </p:nvPicPr>
+        <p:blipFill>
+          <a:blip r:embed="rId2">
+            <a:extLst>
+              <a:ext uri="{28A0092B-C50C-407E-A947-70E740481C1C}">
+                <a14:useLocalDpi xmlns:a14="http://schemas.microsoft.com/office/drawing/2010/main" val="0"/>
+              </a:ext>
+            </a:extLst>
+          </a:blip>
+          <a:stretch>
+            <a:fillRect/>
+          </a:stretch>
+        </p:blipFill>
+        <p:spPr>
+          <a:xfrm>
+            <a:off x="3761172" y="3048000"/>
+            <a:ext cx="4925627" cy="3225772"/>
+          </a:xfrm>
+          <a:prstGeom prst="rect">
+            <a:avLst/>
+          </a:prstGeom>
+        </p:spPr>
+      </p:pic>
+      <p:sp>
+        <p:nvSpPr>
+          <p:cNvPr id="10" name="9 Marcador de número de diapositiva"/>
+          <p:cNvSpPr>
+            <a:spLocks noGrp="1"/>
+          </p:cNvSpPr>
+          <p:nvPr>
+            <p:ph type="sldNum" sz="quarter" idx="12"/>
+          </p:nvPr>
+        </p:nvSpPr>
+        <p:spPr/>
+        <p:txBody>
+          <a:bodyPr/>
+          <a:lstStyle/>
+          <a:p>
+            <a:fld id="{2516FBF6-05D3-4196-BB4D-F73A22954EE3}" type="slidenum">
+              <a:rPr lang="en-US" smtClean="0"/>
+              <a:pPr/>
+              <a:t>53</a:t>
+            </a:fld>
+            <a:endParaRPr lang="en-US"/>
+          </a:p>
+        </p:txBody>
+      </p:sp>
+    </p:spTree>
+  </p:cSld>
+  <p:clrMapOvr>
+    <a:masterClrMapping/>
+  </p:clrMapOvr>
+  <p:timing>
+    <p:tnLst>
+      <p:par>
+        <p:cTn id="1" dur="indefinite" restart="never" nodeType="tmRoot"/>
+      </p:par>
+    </p:tnLst>
+  </p:timing>
+</p:sld>
+</file>
+
+<file path=ppt/slides/slide54.xml><?xml version="1.0" encoding="utf-8"?>
 <p:sld xmlns:a="http://schemas.openxmlformats.org/drawingml/2006/main" xmlns:r="http://schemas.openxmlformats.org/officeDocument/2006/relationships" xmlns:p="http://schemas.openxmlformats.org/presentationml/2006/main">
   <p:cSld>
     <p:spTree>
@@ -17461,7 +17951,7 @@
             <a:fld id="{2516FBF6-05D3-4196-BB4D-F73A22954EE3}" type="slidenum">
               <a:rPr lang="en-US" smtClean="0"/>
               <a:pPr/>
-              <a:t>50</a:t>
+              <a:t>54</a:t>
             </a:fld>
             <a:endParaRPr lang="en-US"/>
           </a:p>
@@ -17471,911 +17961,6 @@
     <p:extLst>
       <p:ext uri="{BB962C8B-B14F-4D97-AF65-F5344CB8AC3E}">
         <p14:creationId xmlns:p14="http://schemas.microsoft.com/office/powerpoint/2010/main" val="1379890739"/>
-      </p:ext>
-    </p:extLst>
-  </p:cSld>
-  <p:clrMapOvr>
-    <a:masterClrMapping/>
-  </p:clrMapOvr>
-  <p:timing>
-    <p:tnLst>
-      <p:par>
-        <p:cTn id="1" dur="indefinite" restart="never" nodeType="tmRoot"/>
-      </p:par>
-    </p:tnLst>
-  </p:timing>
-</p:sld>
-</file>
-
-<file path=ppt/slides/slide51.xml><?xml version="1.0" encoding="utf-8"?>
-<p:sld xmlns:a="http://schemas.openxmlformats.org/drawingml/2006/main" xmlns:r="http://schemas.openxmlformats.org/officeDocument/2006/relationships" xmlns:p="http://schemas.openxmlformats.org/presentationml/2006/main">
-  <p:cSld>
-    <p:spTree>
-      <p:nvGrpSpPr>
-        <p:cNvPr id="1" name=""/>
-        <p:cNvGrpSpPr/>
-        <p:nvPr/>
-      </p:nvGrpSpPr>
-      <p:grpSpPr>
-        <a:xfrm>
-          <a:off x="0" y="0"/>
-          <a:ext cx="0" cy="0"/>
-          <a:chOff x="0" y="0"/>
-          <a:chExt cx="0" cy="0"/>
-        </a:xfrm>
-      </p:grpSpPr>
-      <p:sp>
-        <p:nvSpPr>
-          <p:cNvPr id="3" name="2 Marcador de contenido"/>
-          <p:cNvSpPr>
-            <a:spLocks noGrp="1"/>
-          </p:cNvSpPr>
-          <p:nvPr>
-            <p:ph sz="quarter" idx="1"/>
-          </p:nvPr>
-        </p:nvSpPr>
-        <p:spPr/>
-        <p:txBody>
-          <a:bodyPr/>
-          <a:lstStyle/>
-          <a:p>
-            <a:r>
-              <a:rPr lang="es-ES" dirty="0" smtClean="0"/>
-              <a:t>Una familia de 55 sistemas controles de mando y navegación</a:t>
-            </a:r>
-          </a:p>
-          <a:p>
-            <a:pPr lvl="1">
-              <a:spcAft>
-                <a:spcPts val="600"/>
-              </a:spcAft>
-            </a:pPr>
-            <a:r>
-              <a:rPr lang="es-ES" dirty="0" smtClean="0"/>
-              <a:t>La necesidad de desarrolladores bajó</a:t>
-            </a:r>
-            <a:br>
-              <a:rPr lang="es-ES" dirty="0" smtClean="0"/>
-            </a:br>
-            <a:r>
-              <a:rPr lang="es-ES" dirty="0" smtClean="0"/>
-              <a:t>de 210 a apenas 30</a:t>
-            </a:r>
-          </a:p>
-          <a:p>
-            <a:pPr lvl="1">
-              <a:spcAft>
-                <a:spcPts val="600"/>
-              </a:spcAft>
-            </a:pPr>
-            <a:r>
-              <a:rPr lang="es-ES" dirty="0" smtClean="0"/>
-              <a:t>El tiempo de despliegue disminuyó</a:t>
-            </a:r>
-            <a:br>
-              <a:rPr lang="es-ES" dirty="0" smtClean="0"/>
-            </a:br>
-            <a:r>
-              <a:rPr lang="es-ES" dirty="0" smtClean="0"/>
-              <a:t>de 9 años a aproximadamente 3 años</a:t>
-            </a:r>
-          </a:p>
-          <a:p>
-            <a:pPr lvl="1">
-              <a:spcAft>
-                <a:spcPts val="600"/>
-              </a:spcAft>
-            </a:pPr>
-            <a:r>
-              <a:rPr lang="es-ES" dirty="0" smtClean="0"/>
-              <a:t>Los test de integración de entre 1-1.5</a:t>
-            </a:r>
-            <a:br>
-              <a:rPr lang="es-ES" dirty="0" smtClean="0"/>
-            </a:br>
-            <a:r>
-              <a:rPr lang="es-ES" dirty="0" smtClean="0"/>
-              <a:t>millones de líneas requirieron 1-2 </a:t>
-            </a:r>
-            <a:br>
-              <a:rPr lang="es-ES" dirty="0" smtClean="0"/>
-            </a:br>
-            <a:r>
-              <a:rPr lang="es-ES" dirty="0" smtClean="0"/>
-              <a:t>personas</a:t>
-            </a:r>
-          </a:p>
-          <a:p>
-            <a:pPr lvl="1">
-              <a:spcAft>
-                <a:spcPts val="600"/>
-              </a:spcAft>
-            </a:pPr>
-            <a:r>
-              <a:rPr lang="es-ES" dirty="0" smtClean="0"/>
-              <a:t>Portar a una nueva plataforma</a:t>
-            </a:r>
-            <a:br>
-              <a:rPr lang="es-ES" dirty="0" smtClean="0"/>
-            </a:br>
-            <a:r>
-              <a:rPr lang="es-ES" dirty="0" smtClean="0"/>
-              <a:t>necesitó 3 meses</a:t>
-            </a:r>
-          </a:p>
-        </p:txBody>
-      </p:sp>
-      <p:pic>
-        <p:nvPicPr>
-          <p:cNvPr id="4098" name="Picture 2"/>
-          <p:cNvPicPr>
-            <a:picLocks noChangeAspect="1" noChangeArrowheads="1"/>
-          </p:cNvPicPr>
-          <p:nvPr/>
-        </p:nvPicPr>
-        <p:blipFill>
-          <a:blip r:embed="rId2">
-            <a:extLst>
-              <a:ext uri="{28A0092B-C50C-407E-A947-70E740481C1C}">
-                <a14:useLocalDpi xmlns:a14="http://schemas.microsoft.com/office/drawing/2010/main" val="0"/>
-              </a:ext>
-            </a:extLst>
-          </a:blip>
-          <a:srcRect/>
-          <a:stretch>
-            <a:fillRect/>
-          </a:stretch>
-        </p:blipFill>
-        <p:spPr bwMode="auto">
-          <a:xfrm>
-            <a:off x="5638800" y="2667000"/>
-            <a:ext cx="3143250" cy="2514600"/>
-          </a:xfrm>
-          <a:prstGeom prst="rect">
-            <a:avLst/>
-          </a:prstGeom>
-          <a:noFill/>
-          <a:ln>
-            <a:noFill/>
-          </a:ln>
-          <a:effectLst/>
-          <a:extLst>
-            <a:ext uri="{909E8E84-426E-40DD-AFC4-6F175D3DCCD1}">
-              <a14:hiddenFill xmlns:a14="http://schemas.microsoft.com/office/drawing/2010/main">
-                <a:solidFill>
-                  <a:schemeClr val="accent1"/>
-                </a:solidFill>
-              </a14:hiddenFill>
-            </a:ext>
-            <a:ext uri="{91240B29-F687-4F45-9708-019B960494DF}">
-              <a14:hiddenLine xmlns:a14="http://schemas.microsoft.com/office/drawing/2010/main" w="9525">
-                <a:solidFill>
-                  <a:schemeClr val="tx1"/>
-                </a:solidFill>
-                <a:miter lim="800000"/>
-                <a:headEnd/>
-                <a:tailEnd/>
-              </a14:hiddenLine>
-            </a:ext>
-            <a:ext uri="{AF507438-7753-43E0-B8FC-AC1667EBCBE1}">
-              <a14:hiddenEffects xmlns:a14="http://schemas.microsoft.com/office/drawing/2010/main">
-                <a:effectLst>
-                  <a:outerShdw dist="35921" dir="2700000" algn="ctr" rotWithShape="0">
-                    <a:schemeClr val="bg2"/>
-                  </a:outerShdw>
-                </a:effectLst>
-              </a14:hiddenEffects>
-            </a:ext>
-          </a:extLst>
-        </p:spPr>
-      </p:pic>
-      <p:sp>
-        <p:nvSpPr>
-          <p:cNvPr id="2" name="1 Título"/>
-          <p:cNvSpPr>
-            <a:spLocks noGrp="1"/>
-          </p:cNvSpPr>
-          <p:nvPr>
-            <p:ph type="title"/>
-          </p:nvPr>
-        </p:nvSpPr>
-        <p:spPr/>
-        <p:txBody>
-          <a:bodyPr/>
-          <a:lstStyle/>
-          <a:p>
-            <a:r>
-              <a:rPr lang="es-ES" dirty="0" err="1" smtClean="0"/>
-              <a:t>Celsiustech</a:t>
-            </a:r>
-            <a:r>
-              <a:rPr lang="es-ES" dirty="0" smtClean="0"/>
-              <a:t>: Sistema de control y navegación</a:t>
-            </a:r>
-            <a:endParaRPr lang="es-ES" dirty="0"/>
-          </a:p>
-        </p:txBody>
-      </p:sp>
-      <p:sp>
-        <p:nvSpPr>
-          <p:cNvPr id="10" name="9 Marcador de número de diapositiva"/>
-          <p:cNvSpPr>
-            <a:spLocks noGrp="1"/>
-          </p:cNvSpPr>
-          <p:nvPr>
-            <p:ph type="sldNum" sz="quarter" idx="12"/>
-          </p:nvPr>
-        </p:nvSpPr>
-        <p:spPr/>
-        <p:txBody>
-          <a:bodyPr/>
-          <a:lstStyle/>
-          <a:p>
-            <a:fld id="{2516FBF6-05D3-4196-BB4D-F73A22954EE3}" type="slidenum">
-              <a:rPr lang="en-US" smtClean="0"/>
-              <a:pPr/>
-              <a:t>51</a:t>
-            </a:fld>
-            <a:endParaRPr lang="en-US"/>
-          </a:p>
-        </p:txBody>
-      </p:sp>
-    </p:spTree>
-    <p:extLst>
-      <p:ext uri="{BB962C8B-B14F-4D97-AF65-F5344CB8AC3E}">
-        <p14:creationId xmlns:p14="http://schemas.microsoft.com/office/powerpoint/2010/main" val="361249437"/>
-      </p:ext>
-    </p:extLst>
-  </p:cSld>
-  <p:clrMapOvr>
-    <a:masterClrMapping/>
-  </p:clrMapOvr>
-  <p:timing>
-    <p:tnLst>
-      <p:par>
-        <p:cTn id="1" dur="indefinite" restart="never" nodeType="tmRoot"/>
-      </p:par>
-    </p:tnLst>
-  </p:timing>
-</p:sld>
-</file>
-
-<file path=ppt/slides/slide52.xml><?xml version="1.0" encoding="utf-8"?>
-<p:sld xmlns:a="http://schemas.openxmlformats.org/drawingml/2006/main" xmlns:r="http://schemas.openxmlformats.org/officeDocument/2006/relationships" xmlns:p="http://schemas.openxmlformats.org/presentationml/2006/main">
-  <p:cSld>
-    <p:spTree>
-      <p:nvGrpSpPr>
-        <p:cNvPr id="1" name=""/>
-        <p:cNvGrpSpPr/>
-        <p:nvPr/>
-      </p:nvGrpSpPr>
-      <p:grpSpPr>
-        <a:xfrm>
-          <a:off x="0" y="0"/>
-          <a:ext cx="0" cy="0"/>
-          <a:chOff x="0" y="0"/>
-          <a:chExt cx="0" cy="0"/>
-        </a:xfrm>
-      </p:grpSpPr>
-      <p:sp>
-        <p:nvSpPr>
-          <p:cNvPr id="2" name="1 Título"/>
-          <p:cNvSpPr>
-            <a:spLocks noGrp="1"/>
-          </p:cNvSpPr>
-          <p:nvPr>
-            <p:ph type="title"/>
-          </p:nvPr>
-        </p:nvSpPr>
-        <p:spPr/>
-        <p:txBody>
-          <a:bodyPr/>
-          <a:lstStyle/>
-          <a:p>
-            <a:r>
-              <a:rPr lang="es-ES" dirty="0" smtClean="0"/>
-              <a:t>Móviles de Nokia</a:t>
-            </a:r>
-            <a:endParaRPr lang="es-ES" dirty="0"/>
-          </a:p>
-        </p:txBody>
-      </p:sp>
-      <p:sp>
-        <p:nvSpPr>
-          <p:cNvPr id="3" name="2 Marcador de contenido"/>
-          <p:cNvSpPr>
-            <a:spLocks noGrp="1"/>
-          </p:cNvSpPr>
-          <p:nvPr>
-            <p:ph sz="quarter" idx="1"/>
-          </p:nvPr>
-        </p:nvSpPr>
-        <p:spPr>
-          <a:xfrm>
-            <a:off x="301752" y="1527048"/>
-            <a:ext cx="8503920" cy="4873752"/>
-          </a:xfrm>
-        </p:spPr>
-        <p:txBody>
-          <a:bodyPr>
-            <a:normAutofit fontScale="92500" lnSpcReduction="10000"/>
-          </a:bodyPr>
-          <a:lstStyle/>
-          <a:p>
-            <a:r>
-              <a:rPr lang="es-ES" dirty="0" smtClean="0"/>
-              <a:t>Líneas de productos con 25-30 </a:t>
-            </a:r>
-            <a:br>
-              <a:rPr lang="es-ES" dirty="0" smtClean="0"/>
-            </a:br>
-            <a:r>
-              <a:rPr lang="es-ES" dirty="0" smtClean="0"/>
-              <a:t>nuevos productos por año frente</a:t>
-            </a:r>
-            <a:br>
-              <a:rPr lang="es-ES" dirty="0" smtClean="0"/>
-            </a:br>
-            <a:r>
-              <a:rPr lang="es-ES" dirty="0" smtClean="0"/>
-              <a:t> a 5 por año originariamente</a:t>
-            </a:r>
-          </a:p>
-          <a:p>
-            <a:pPr marL="0" indent="0">
-              <a:buNone/>
-            </a:pPr>
-            <a:endParaRPr lang="es-ES" dirty="0" smtClean="0"/>
-          </a:p>
-          <a:p>
-            <a:r>
-              <a:rPr lang="es-ES" dirty="0" smtClean="0"/>
-              <a:t>Entre los productos hay:</a:t>
-            </a:r>
-          </a:p>
-          <a:p>
-            <a:pPr lvl="1"/>
-            <a:r>
-              <a:rPr lang="es-ES" dirty="0" smtClean="0"/>
-              <a:t>Variación en el numero de teclas</a:t>
-            </a:r>
-          </a:p>
-          <a:p>
-            <a:pPr lvl="1"/>
-            <a:r>
-              <a:rPr lang="es-ES" dirty="0" smtClean="0"/>
-              <a:t>Variación en el tamaño de pantallas</a:t>
-            </a:r>
-          </a:p>
-          <a:p>
-            <a:pPr lvl="1"/>
-            <a:r>
-              <a:rPr lang="es-ES" dirty="0" smtClean="0"/>
-              <a:t>Variación en el conjunto de características</a:t>
-            </a:r>
-          </a:p>
-          <a:p>
-            <a:pPr lvl="1"/>
-            <a:r>
-              <a:rPr lang="es-ES" dirty="0" smtClean="0"/>
-              <a:t>58 idiomas soportados</a:t>
-            </a:r>
-          </a:p>
-          <a:p>
-            <a:pPr lvl="1"/>
-            <a:r>
-              <a:rPr lang="es-ES" dirty="0" smtClean="0"/>
-              <a:t>Múltiples protocolos</a:t>
-            </a:r>
-          </a:p>
-          <a:p>
-            <a:pPr lvl="1"/>
-            <a:r>
-              <a:rPr lang="es-ES" dirty="0" smtClean="0"/>
-              <a:t>Características configurables</a:t>
-            </a:r>
-          </a:p>
-          <a:p>
-            <a:pPr lvl="1"/>
-            <a:r>
-              <a:rPr lang="es-ES" dirty="0" smtClean="0"/>
-              <a:t>Necesidad de retrocompatibilidad</a:t>
-            </a:r>
-          </a:p>
-          <a:p>
-            <a:pPr lvl="1"/>
-            <a:r>
-              <a:rPr lang="es-ES" dirty="0" smtClean="0"/>
-              <a:t>Cambios después de su puesta a venta</a:t>
-            </a:r>
-          </a:p>
-          <a:p>
-            <a:endParaRPr lang="es-ES" dirty="0"/>
-          </a:p>
-        </p:txBody>
-      </p:sp>
-      <p:pic>
-        <p:nvPicPr>
-          <p:cNvPr id="5122" name="Picture 2"/>
-          <p:cNvPicPr>
-            <a:picLocks noChangeAspect="1" noChangeArrowheads="1"/>
-          </p:cNvPicPr>
-          <p:nvPr/>
-        </p:nvPicPr>
-        <p:blipFill>
-          <a:blip r:embed="rId2">
-            <a:extLst>
-              <a:ext uri="{28A0092B-C50C-407E-A947-70E740481C1C}">
-                <a14:useLocalDpi xmlns:a14="http://schemas.microsoft.com/office/drawing/2010/main" val="0"/>
-              </a:ext>
-            </a:extLst>
-          </a:blip>
-          <a:srcRect/>
-          <a:stretch>
-            <a:fillRect/>
-          </a:stretch>
-        </p:blipFill>
-        <p:spPr bwMode="auto">
-          <a:xfrm>
-            <a:off x="6129291" y="2286000"/>
-            <a:ext cx="2807564" cy="3079264"/>
-          </a:xfrm>
-          <a:prstGeom prst="rect">
-            <a:avLst/>
-          </a:prstGeom>
-          <a:noFill/>
-          <a:ln>
-            <a:noFill/>
-          </a:ln>
-          <a:effectLst/>
-          <a:extLst>
-            <a:ext uri="{909E8E84-426E-40DD-AFC4-6F175D3DCCD1}">
-              <a14:hiddenFill xmlns:a14="http://schemas.microsoft.com/office/drawing/2010/main">
-                <a:solidFill>
-                  <a:schemeClr val="accent1"/>
-                </a:solidFill>
-              </a14:hiddenFill>
-            </a:ext>
-            <a:ext uri="{91240B29-F687-4F45-9708-019B960494DF}">
-              <a14:hiddenLine xmlns:a14="http://schemas.microsoft.com/office/drawing/2010/main" w="9525">
-                <a:solidFill>
-                  <a:schemeClr val="tx1"/>
-                </a:solidFill>
-                <a:miter lim="800000"/>
-                <a:headEnd/>
-                <a:tailEnd/>
-              </a14:hiddenLine>
-            </a:ext>
-            <a:ext uri="{AF507438-7753-43E0-B8FC-AC1667EBCBE1}">
-              <a14:hiddenEffects xmlns:a14="http://schemas.microsoft.com/office/drawing/2010/main">
-                <a:effectLst>
-                  <a:outerShdw dist="35921" dir="2700000" algn="ctr" rotWithShape="0">
-                    <a:schemeClr val="bg2"/>
-                  </a:outerShdw>
-                </a:effectLst>
-              </a14:hiddenEffects>
-            </a:ext>
-          </a:extLst>
-        </p:spPr>
-      </p:pic>
-      <p:sp>
-        <p:nvSpPr>
-          <p:cNvPr id="10" name="9 Marcador de número de diapositiva"/>
-          <p:cNvSpPr>
-            <a:spLocks noGrp="1"/>
-          </p:cNvSpPr>
-          <p:nvPr>
-            <p:ph type="sldNum" sz="quarter" idx="12"/>
-          </p:nvPr>
-        </p:nvSpPr>
-        <p:spPr/>
-        <p:txBody>
-          <a:bodyPr/>
-          <a:lstStyle/>
-          <a:p>
-            <a:fld id="{2516FBF6-05D3-4196-BB4D-F73A22954EE3}" type="slidenum">
-              <a:rPr lang="en-US" smtClean="0"/>
-              <a:pPr/>
-              <a:t>52</a:t>
-            </a:fld>
-            <a:endParaRPr lang="en-US"/>
-          </a:p>
-        </p:txBody>
-      </p:sp>
-    </p:spTree>
-    <p:extLst>
-      <p:ext uri="{BB962C8B-B14F-4D97-AF65-F5344CB8AC3E}">
-        <p14:creationId xmlns:p14="http://schemas.microsoft.com/office/powerpoint/2010/main" val="677834056"/>
-      </p:ext>
-    </p:extLst>
-  </p:cSld>
-  <p:clrMapOvr>
-    <a:masterClrMapping/>
-  </p:clrMapOvr>
-  <p:timing>
-    <p:tnLst>
-      <p:par>
-        <p:cTn id="1" dur="indefinite" restart="never" nodeType="tmRoot"/>
-      </p:par>
-    </p:tnLst>
-  </p:timing>
-</p:sld>
-</file>
-
-<file path=ppt/slides/slide53.xml><?xml version="1.0" encoding="utf-8"?>
-<p:sld xmlns:a="http://schemas.openxmlformats.org/drawingml/2006/main" xmlns:r="http://schemas.openxmlformats.org/officeDocument/2006/relationships" xmlns:p="http://schemas.openxmlformats.org/presentationml/2006/main">
-  <p:cSld>
-    <p:spTree>
-      <p:nvGrpSpPr>
-        <p:cNvPr id="1" name=""/>
-        <p:cNvGrpSpPr/>
-        <p:nvPr/>
-      </p:nvGrpSpPr>
-      <p:grpSpPr>
-        <a:xfrm>
-          <a:off x="0" y="0"/>
-          <a:ext cx="0" cy="0"/>
-          <a:chOff x="0" y="0"/>
-          <a:chExt cx="0" cy="0"/>
-        </a:xfrm>
-      </p:grpSpPr>
-      <p:sp>
-        <p:nvSpPr>
-          <p:cNvPr id="2" name="Text Placeholder 1"/>
-          <p:cNvSpPr>
-            <a:spLocks noGrp="1"/>
-          </p:cNvSpPr>
-          <p:nvPr>
-            <p:ph type="body" idx="1"/>
-          </p:nvPr>
-        </p:nvSpPr>
-        <p:spPr>
-          <a:xfrm>
-            <a:off x="381000" y="2438400"/>
-            <a:ext cx="7467600" cy="3962400"/>
-          </a:xfrm>
-        </p:spPr>
-        <p:txBody>
-          <a:bodyPr anchor="ctr">
-            <a:normAutofit fontScale="85000" lnSpcReduction="10000"/>
-          </a:bodyPr>
-          <a:lstStyle/>
-          <a:p>
-            <a:pPr marL="342900" indent="-342900" algn="l">
-              <a:lnSpc>
-                <a:spcPct val="200000"/>
-              </a:lnSpc>
-              <a:buFont typeface="+mj-lt"/>
-              <a:buAutoNum type="arabicPeriod"/>
-            </a:pPr>
-            <a:r>
-              <a:rPr lang="en-US" sz="2400" cap="none" dirty="0" err="1" smtClean="0">
-                <a:solidFill>
-                  <a:schemeClr val="bg1">
-                    <a:lumMod val="75000"/>
-                  </a:schemeClr>
-                </a:solidFill>
-              </a:rPr>
-              <a:t>Introducción</a:t>
-            </a:r>
-            <a:endParaRPr lang="en-US" sz="2400" cap="none" dirty="0" smtClean="0">
-              <a:solidFill>
-                <a:schemeClr val="bg1">
-                  <a:lumMod val="75000"/>
-                </a:schemeClr>
-              </a:solidFill>
-            </a:endParaRPr>
-          </a:p>
-          <a:p>
-            <a:pPr marL="342900" indent="-342900" algn="l">
-              <a:lnSpc>
-                <a:spcPct val="200000"/>
-              </a:lnSpc>
-              <a:buFont typeface="+mj-lt"/>
-              <a:buAutoNum type="arabicPeriod"/>
-            </a:pPr>
-            <a:r>
-              <a:rPr lang="en-US" sz="2400" cap="none" dirty="0" err="1" smtClean="0">
-                <a:solidFill>
-                  <a:schemeClr val="bg1">
-                    <a:lumMod val="75000"/>
-                  </a:schemeClr>
-                </a:solidFill>
-              </a:rPr>
-              <a:t>Líneas</a:t>
-            </a:r>
-            <a:r>
-              <a:rPr lang="en-US" sz="2400" cap="none" dirty="0" smtClean="0">
-                <a:solidFill>
-                  <a:schemeClr val="bg1">
-                    <a:lumMod val="75000"/>
-                  </a:schemeClr>
-                </a:solidFill>
-              </a:rPr>
-              <a:t> de </a:t>
-            </a:r>
-            <a:r>
-              <a:rPr lang="en-US" sz="2400" cap="none" dirty="0" err="1" smtClean="0">
-                <a:solidFill>
-                  <a:schemeClr val="bg1">
-                    <a:lumMod val="75000"/>
-                  </a:schemeClr>
-                </a:solidFill>
-              </a:rPr>
-              <a:t>Productos</a:t>
-            </a:r>
-            <a:r>
-              <a:rPr lang="en-US" sz="2400" cap="none" dirty="0" smtClean="0">
-                <a:solidFill>
-                  <a:schemeClr val="bg1">
-                    <a:lumMod val="75000"/>
-                  </a:schemeClr>
-                </a:solidFill>
-              </a:rPr>
-              <a:t> Software</a:t>
-            </a:r>
-          </a:p>
-          <a:p>
-            <a:pPr marL="342900" indent="-342900" algn="l">
-              <a:lnSpc>
-                <a:spcPct val="200000"/>
-              </a:lnSpc>
-              <a:buFont typeface="+mj-lt"/>
-              <a:buAutoNum type="arabicPeriod"/>
-            </a:pPr>
-            <a:r>
-              <a:rPr lang="en-US" sz="2400" cap="none" dirty="0" err="1" smtClean="0">
-                <a:solidFill>
-                  <a:schemeClr val="bg1">
-                    <a:lumMod val="75000"/>
-                  </a:schemeClr>
-                </a:solidFill>
-              </a:rPr>
-              <a:t>Metodología</a:t>
-            </a:r>
-            <a:r>
-              <a:rPr lang="en-US" sz="2400" cap="none" dirty="0" smtClean="0">
-                <a:solidFill>
-                  <a:schemeClr val="bg1">
-                    <a:lumMod val="75000"/>
-                  </a:schemeClr>
-                </a:solidFill>
-              </a:rPr>
-              <a:t> PLUS</a:t>
-            </a:r>
-          </a:p>
-          <a:p>
-            <a:pPr marL="342900" indent="-342900" algn="l">
-              <a:lnSpc>
-                <a:spcPct val="200000"/>
-              </a:lnSpc>
-              <a:buFont typeface="+mj-lt"/>
-              <a:buAutoNum type="arabicPeriod"/>
-            </a:pPr>
-            <a:r>
-              <a:rPr lang="en-US" sz="2400" cap="none" dirty="0" err="1" smtClean="0">
-                <a:solidFill>
-                  <a:schemeClr val="bg1">
-                    <a:lumMod val="75000"/>
-                  </a:schemeClr>
-                </a:solidFill>
-              </a:rPr>
-              <a:t>Juegos</a:t>
-            </a:r>
-            <a:r>
-              <a:rPr lang="en-US" sz="2400" cap="none" dirty="0" smtClean="0">
-                <a:solidFill>
-                  <a:schemeClr val="bg1">
-                    <a:lumMod val="75000"/>
-                  </a:schemeClr>
-                </a:solidFill>
-              </a:rPr>
-              <a:t> de mesa</a:t>
-            </a:r>
-          </a:p>
-          <a:p>
-            <a:pPr marL="342900" indent="-342900" algn="l">
-              <a:lnSpc>
-                <a:spcPct val="200000"/>
-              </a:lnSpc>
-              <a:buFont typeface="+mj-lt"/>
-              <a:buAutoNum type="arabicPeriod"/>
-            </a:pPr>
-            <a:r>
-              <a:rPr lang="en-US" sz="2400" cap="none" dirty="0" err="1" smtClean="0">
-                <a:solidFill>
-                  <a:schemeClr val="bg1">
-                    <a:lumMod val="75000"/>
-                  </a:schemeClr>
-                </a:solidFill>
-              </a:rPr>
-              <a:t>Conclusiones</a:t>
-            </a:r>
-            <a:endParaRPr lang="en-US" sz="2400" cap="none" dirty="0" smtClean="0">
-              <a:solidFill>
-                <a:schemeClr val="bg1">
-                  <a:lumMod val="75000"/>
-                </a:schemeClr>
-              </a:solidFill>
-            </a:endParaRPr>
-          </a:p>
-          <a:p>
-            <a:pPr marL="342900" indent="-342900" algn="l">
-              <a:lnSpc>
-                <a:spcPct val="200000"/>
-              </a:lnSpc>
-              <a:buFont typeface="+mj-lt"/>
-              <a:buAutoNum type="arabicPeriod"/>
-            </a:pPr>
-            <a:r>
-              <a:rPr lang="en-US" sz="2400" cap="none" dirty="0" err="1" smtClean="0"/>
-              <a:t>Demostración</a:t>
-            </a:r>
-            <a:endParaRPr lang="en-US" sz="2400" cap="none" dirty="0" smtClean="0"/>
-          </a:p>
-          <a:p>
-            <a:pPr marL="342900" indent="-342900" algn="l">
-              <a:buFont typeface="+mj-lt"/>
-              <a:buAutoNum type="arabicPeriod"/>
-            </a:pPr>
-            <a:endParaRPr lang="en-US" cap="none" dirty="0"/>
-          </a:p>
-        </p:txBody>
-      </p:sp>
-      <p:sp>
-        <p:nvSpPr>
-          <p:cNvPr id="3" name="Title 2"/>
-          <p:cNvSpPr>
-            <a:spLocks noGrp="1"/>
-          </p:cNvSpPr>
-          <p:nvPr>
-            <p:ph type="title"/>
-          </p:nvPr>
-        </p:nvSpPr>
-        <p:spPr/>
-        <p:txBody>
-          <a:bodyPr/>
-          <a:lstStyle/>
-          <a:p>
-            <a:r>
-              <a:rPr lang="en-US" dirty="0" smtClean="0"/>
-              <a:t>CONTENIDO</a:t>
-            </a:r>
-            <a:endParaRPr lang="en-US" dirty="0"/>
-          </a:p>
-        </p:txBody>
-      </p:sp>
-      <p:sp>
-        <p:nvSpPr>
-          <p:cNvPr id="10" name="9 Marcador de número de diapositiva"/>
-          <p:cNvSpPr>
-            <a:spLocks noGrp="1"/>
-          </p:cNvSpPr>
-          <p:nvPr>
-            <p:ph type="sldNum" sz="quarter" idx="12"/>
-          </p:nvPr>
-        </p:nvSpPr>
-        <p:spPr/>
-        <p:txBody>
-          <a:bodyPr/>
-          <a:lstStyle/>
-          <a:p>
-            <a:fld id="{2516FBF6-05D3-4196-BB4D-F73A22954EE3}" type="slidenum">
-              <a:rPr lang="en-US" smtClean="0"/>
-              <a:pPr/>
-              <a:t>53</a:t>
-            </a:fld>
-            <a:endParaRPr lang="en-US" dirty="0"/>
-          </a:p>
-        </p:txBody>
-      </p:sp>
-    </p:spTree>
-    <p:extLst>
-      <p:ext uri="{BB962C8B-B14F-4D97-AF65-F5344CB8AC3E}">
-        <p14:creationId xmlns:p14="http://schemas.microsoft.com/office/powerpoint/2010/main" val="3656859533"/>
-      </p:ext>
-    </p:extLst>
-  </p:cSld>
-  <p:clrMapOvr>
-    <a:masterClrMapping/>
-  </p:clrMapOvr>
-  <p:timing>
-    <p:tnLst>
-      <p:par>
-        <p:cTn id="1" dur="indefinite" restart="never" nodeType="tmRoot"/>
-      </p:par>
-    </p:tnLst>
-  </p:timing>
-</p:sld>
-</file>
-
-<file path=ppt/slides/slide54.xml><?xml version="1.0" encoding="utf-8"?>
-<p:sld xmlns:a="http://schemas.openxmlformats.org/drawingml/2006/main" xmlns:r="http://schemas.openxmlformats.org/officeDocument/2006/relationships" xmlns:p="http://schemas.openxmlformats.org/presentationml/2006/main">
-  <p:cSld>
-    <p:spTree>
-      <p:nvGrpSpPr>
-        <p:cNvPr id="1" name=""/>
-        <p:cNvGrpSpPr/>
-        <p:nvPr/>
-      </p:nvGrpSpPr>
-      <p:grpSpPr>
-        <a:xfrm>
-          <a:off x="0" y="0"/>
-          <a:ext cx="0" cy="0"/>
-          <a:chOff x="0" y="0"/>
-          <a:chExt cx="0" cy="0"/>
-        </a:xfrm>
-      </p:grpSpPr>
-      <p:sp>
-        <p:nvSpPr>
-          <p:cNvPr id="2" name="1 Título"/>
-          <p:cNvSpPr>
-            <a:spLocks noGrp="1"/>
-          </p:cNvSpPr>
-          <p:nvPr>
-            <p:ph type="title"/>
-          </p:nvPr>
-        </p:nvSpPr>
-        <p:spPr/>
-        <p:txBody>
-          <a:bodyPr/>
-          <a:lstStyle/>
-          <a:p>
-            <a:r>
-              <a:rPr lang="es-ES" dirty="0" smtClean="0"/>
-              <a:t>Demostración</a:t>
-            </a:r>
-            <a:endParaRPr lang="es-ES" dirty="0"/>
-          </a:p>
-        </p:txBody>
-      </p:sp>
-      <p:sp>
-        <p:nvSpPr>
-          <p:cNvPr id="3" name="2 Marcador de contenido"/>
-          <p:cNvSpPr>
-            <a:spLocks noGrp="1"/>
-          </p:cNvSpPr>
-          <p:nvPr>
-            <p:ph sz="quarter" idx="1"/>
-          </p:nvPr>
-        </p:nvSpPr>
-        <p:spPr/>
-        <p:txBody>
-          <a:bodyPr/>
-          <a:lstStyle/>
-          <a:p>
-            <a:endParaRPr lang="es-ES"/>
-          </a:p>
-        </p:txBody>
-      </p:sp>
-      <p:sp>
-        <p:nvSpPr>
-          <p:cNvPr id="10" name="9 Marcador de número de diapositiva"/>
-          <p:cNvSpPr>
-            <a:spLocks noGrp="1"/>
-          </p:cNvSpPr>
-          <p:nvPr>
-            <p:ph type="sldNum" sz="quarter" idx="12"/>
-          </p:nvPr>
-        </p:nvSpPr>
-        <p:spPr/>
-        <p:txBody>
-          <a:bodyPr/>
-          <a:lstStyle/>
-          <a:p>
-            <a:fld id="{2516FBF6-05D3-4196-BB4D-F73A22954EE3}" type="slidenum">
-              <a:rPr lang="en-US" smtClean="0"/>
-              <a:pPr/>
-              <a:t>54</a:t>
-            </a:fld>
-            <a:endParaRPr lang="en-US"/>
-          </a:p>
-        </p:txBody>
-      </p:sp>
-    </p:spTree>
-    <p:extLst>
-      <p:ext uri="{BB962C8B-B14F-4D97-AF65-F5344CB8AC3E}">
-        <p14:creationId xmlns:p14="http://schemas.microsoft.com/office/powerpoint/2010/main" val="338073087"/>
       </p:ext>
     </p:extLst>
   </p:cSld>
